--- a/4. Hands-on Modules/Embedding/1. What is Power BI Embedded.pptx
+++ b/4. Hands-on Modules/Embedding/1. What is Power BI Embedded.pptx
@@ -6,7 +6,7 @@
     <p:sldMasterId id="2147483665" r:id="rId5"/>
   </p:sldMasterIdLst>
   <p:notesMasterIdLst>
-    <p:notesMasterId r:id="rId29"/>
+    <p:notesMasterId r:id="rId28"/>
   </p:notesMasterIdLst>
   <p:sldIdLst>
     <p:sldId id="300" r:id="rId6"/>
@@ -15,23 +15,22 @@
     <p:sldId id="324" r:id="rId9"/>
     <p:sldId id="265" r:id="rId10"/>
     <p:sldId id="325" r:id="rId11"/>
-    <p:sldId id="266" r:id="rId12"/>
-    <p:sldId id="267" r:id="rId13"/>
-    <p:sldId id="268" r:id="rId14"/>
-    <p:sldId id="275" r:id="rId15"/>
-    <p:sldId id="276" r:id="rId16"/>
-    <p:sldId id="339" r:id="rId17"/>
-    <p:sldId id="335" r:id="rId18"/>
-    <p:sldId id="337" r:id="rId19"/>
-    <p:sldId id="338" r:id="rId20"/>
-    <p:sldId id="336" r:id="rId21"/>
-    <p:sldId id="344" r:id="rId22"/>
-    <p:sldId id="340" r:id="rId23"/>
-    <p:sldId id="341" r:id="rId24"/>
-    <p:sldId id="342" r:id="rId25"/>
-    <p:sldId id="343" r:id="rId26"/>
-    <p:sldId id="333" r:id="rId27"/>
-    <p:sldId id="315" r:id="rId28"/>
+    <p:sldId id="267" r:id="rId12"/>
+    <p:sldId id="268" r:id="rId13"/>
+    <p:sldId id="275" r:id="rId14"/>
+    <p:sldId id="276" r:id="rId15"/>
+    <p:sldId id="339" r:id="rId16"/>
+    <p:sldId id="335" r:id="rId17"/>
+    <p:sldId id="337" r:id="rId18"/>
+    <p:sldId id="338" r:id="rId19"/>
+    <p:sldId id="336" r:id="rId20"/>
+    <p:sldId id="344" r:id="rId21"/>
+    <p:sldId id="340" r:id="rId22"/>
+    <p:sldId id="341" r:id="rId23"/>
+    <p:sldId id="342" r:id="rId24"/>
+    <p:sldId id="343" r:id="rId25"/>
+    <p:sldId id="333" r:id="rId26"/>
+    <p:sldId id="315" r:id="rId27"/>
   </p:sldIdLst>
   <p:sldSz cx="12192000" cy="6858000"/>
   <p:notesSz cx="6858000" cy="9144000"/>
@@ -778,7 +777,7 @@
           <a:p>
             <a:fld id="{35A2D088-BDBD-41A5-ADCE-5C6A4DC08057}" type="datetime8">
               <a:rPr lang="en-US" smtClean="0"/>
-              <a:t>2/27/2019 5:08 PM</a:t>
+              <a:t>2/27/2019 10:02 PM</a:t>
             </a:fld>
             <a:endParaRPr lang="en-US" dirty="0"/>
           </a:p>
@@ -1130,7 +1129,7 @@
           <a:p>
             <a:fld id="{35A2D088-BDBD-41A5-ADCE-5C6A4DC08057}" type="datetime8">
               <a:rPr lang="en-US" smtClean="0"/>
-              <a:t>2/27/2019 5:08 PM</a:t>
+              <a:t>2/27/2019 10:02 PM</a:t>
             </a:fld>
             <a:endParaRPr lang="en-US" dirty="0"/>
           </a:p>
@@ -1154,7 +1153,7 @@
             <a:fld id="{B4008EB6-D09E-4580-8CD6-DDB14511944F}" type="slidenum">
               <a:rPr lang="en-US" smtClean="0"/>
               <a:pPr/>
-              <a:t>17</a:t>
+              <a:t>16</a:t>
             </a:fld>
             <a:endParaRPr lang="en-US" dirty="0"/>
           </a:p>
@@ -1311,7 +1310,7 @@
           <a:p>
             <a:fld id="{35A2D088-BDBD-41A5-ADCE-5C6A4DC08057}" type="datetime8">
               <a:rPr lang="en-US" smtClean="0"/>
-              <a:t>2/27/2019 5:08 PM</a:t>
+              <a:t>2/27/2019 10:02 PM</a:t>
             </a:fld>
             <a:endParaRPr lang="en-US" dirty="0"/>
           </a:p>
@@ -1335,7 +1334,7 @@
             <a:fld id="{B4008EB6-D09E-4580-8CD6-DDB14511944F}" type="slidenum">
               <a:rPr lang="en-US" smtClean="0"/>
               <a:pPr/>
-              <a:t>22</a:t>
+              <a:t>21</a:t>
             </a:fld>
             <a:endParaRPr lang="en-US" dirty="0"/>
           </a:p>
@@ -1461,7 +1460,7 @@
                   <a:prstClr val="black"/>
                 </a:solidFill>
               </a:rPr>
-              <a:t>2/27/2019 5:13 PM</a:t>
+              <a:t>2/27/2019 10:02 PM</a:t>
             </a:fld>
             <a:endParaRPr lang="en-US" dirty="0">
               <a:solidFill>
@@ -1493,7 +1492,7 @@
                 </a:solidFill>
               </a:rPr>
               <a:pPr/>
-              <a:t>23</a:t>
+              <a:t>22</a:t>
             </a:fld>
             <a:endParaRPr lang="en-US" dirty="0">
               <a:solidFill>
@@ -14841,289 +14840,6 @@
       </p:grpSpPr>
       <p:sp>
         <p:nvSpPr>
-          <p:cNvPr id="3" name="Text Placeholder 2">
-            <a:extLst>
-              <a:ext uri="{FF2B5EF4-FFF2-40B4-BE49-F238E27FC236}">
-                <a16:creationId xmlns:a16="http://schemas.microsoft.com/office/drawing/2014/main" id="{8E61C59B-7135-44A5-BDA5-915623729B3F}"/>
-              </a:ext>
-            </a:extLst>
-          </p:cNvPr>
-          <p:cNvSpPr>
-            <a:spLocks noGrp="1"/>
-          </p:cNvSpPr>
-          <p:nvPr>
-            <p:ph type="body" idx="1"/>
-          </p:nvPr>
-        </p:nvSpPr>
-        <p:spPr>
-          <a:xfrm>
-            <a:off x="269240" y="1681163"/>
-            <a:ext cx="5728335" cy="823912"/>
-          </a:xfrm>
-        </p:spPr>
-        <p:txBody>
-          <a:bodyPr/>
-          <a:lstStyle/>
-          <a:p>
-            <a:r>
-              <a:rPr lang="en-US" dirty="0"/>
-              <a:t>What scenarios use first party embedding?</a:t>
-            </a:r>
-          </a:p>
-        </p:txBody>
-      </p:sp>
-      <p:sp>
-        <p:nvSpPr>
-          <p:cNvPr id="4" name="Content Placeholder 3">
-            <a:extLst>
-              <a:ext uri="{FF2B5EF4-FFF2-40B4-BE49-F238E27FC236}">
-                <a16:creationId xmlns:a16="http://schemas.microsoft.com/office/drawing/2014/main" id="{BFC68C1C-0B2A-440E-962D-C5C0F542E8EB}"/>
-              </a:ext>
-            </a:extLst>
-          </p:cNvPr>
-          <p:cNvSpPr>
-            <a:spLocks noGrp="1"/>
-          </p:cNvSpPr>
-          <p:nvPr>
-            <p:ph sz="half" idx="2"/>
-          </p:nvPr>
-        </p:nvSpPr>
-        <p:spPr>
-          <a:xfrm>
-            <a:off x="269240" y="2505075"/>
-            <a:ext cx="5728335" cy="3684588"/>
-          </a:xfrm>
-        </p:spPr>
-        <p:txBody>
-          <a:bodyPr/>
-          <a:lstStyle/>
-          <a:p>
-            <a:pPr marL="384048" lvl="1" indent="-182880">
-              <a:buFont typeface="Calibri" pitchFamily="34" charset="0"/>
-              <a:buChar char="◦"/>
-            </a:pPr>
-            <a:r>
-              <a:rPr lang="en-US" sz="2000" dirty="0">
-                <a:solidFill>
-                  <a:schemeClr val="tx2"/>
-                </a:solidFill>
-              </a:rPr>
-              <a:t>Organizations where users have Power BI licenses</a:t>
-            </a:r>
-          </a:p>
-          <a:p>
-            <a:pPr marL="384048" lvl="1" indent="-182880">
-              <a:buFont typeface="Calibri" pitchFamily="34" charset="0"/>
-              <a:buChar char="◦"/>
-            </a:pPr>
-            <a:r>
-              <a:rPr lang="en-US" sz="2000" dirty="0">
-                <a:solidFill>
-                  <a:schemeClr val="tx2"/>
-                </a:solidFill>
-              </a:rPr>
-              <a:t>Embedding Power BI reports in SharePoint and Teams</a:t>
-            </a:r>
-          </a:p>
-          <a:p>
-            <a:pPr marL="384048" lvl="1" indent="-182880">
-              <a:buFont typeface="Calibri" pitchFamily="34" charset="0"/>
-              <a:buChar char="◦"/>
-            </a:pPr>
-            <a:r>
-              <a:rPr lang="en-US" sz="2000" dirty="0">
-                <a:solidFill>
-                  <a:schemeClr val="tx2"/>
-                </a:solidFill>
-              </a:rPr>
-              <a:t>Development should go beyond out-of-box experience</a:t>
-            </a:r>
-          </a:p>
-          <a:p>
-            <a:endParaRPr lang="en-US" dirty="0"/>
-          </a:p>
-        </p:txBody>
-      </p:sp>
-      <p:sp>
-        <p:nvSpPr>
-          <p:cNvPr id="5" name="Text Placeholder 4">
-            <a:extLst>
-              <a:ext uri="{FF2B5EF4-FFF2-40B4-BE49-F238E27FC236}">
-                <a16:creationId xmlns:a16="http://schemas.microsoft.com/office/drawing/2014/main" id="{D4636895-B908-49D1-9DFF-A2841D9A409D}"/>
-              </a:ext>
-            </a:extLst>
-          </p:cNvPr>
-          <p:cNvSpPr>
-            <a:spLocks noGrp="1"/>
-          </p:cNvSpPr>
-          <p:nvPr>
-            <p:ph type="body" sz="quarter" idx="3"/>
-          </p:nvPr>
-        </p:nvSpPr>
-        <p:spPr>
-          <a:xfrm>
-            <a:off x="6172200" y="1681163"/>
-            <a:ext cx="5750560" cy="823912"/>
-          </a:xfrm>
-        </p:spPr>
-        <p:txBody>
-          <a:bodyPr/>
-          <a:lstStyle/>
-          <a:p>
-            <a:r>
-              <a:rPr lang="en-US" dirty="0">
-                <a:solidFill>
-                  <a:schemeClr val="tx2"/>
-                </a:solidFill>
-              </a:rPr>
-              <a:t>What scenarios use third party embedding?</a:t>
-            </a:r>
-          </a:p>
-        </p:txBody>
-      </p:sp>
-      <p:sp>
-        <p:nvSpPr>
-          <p:cNvPr id="6" name="Content Placeholder 5">
-            <a:extLst>
-              <a:ext uri="{FF2B5EF4-FFF2-40B4-BE49-F238E27FC236}">
-                <a16:creationId xmlns:a16="http://schemas.microsoft.com/office/drawing/2014/main" id="{976746D2-A84C-4140-86F3-48477DBF59B3}"/>
-              </a:ext>
-            </a:extLst>
-          </p:cNvPr>
-          <p:cNvSpPr>
-            <a:spLocks noGrp="1"/>
-          </p:cNvSpPr>
-          <p:nvPr>
-            <p:ph sz="quarter" idx="4"/>
-          </p:nvPr>
-        </p:nvSpPr>
-        <p:spPr>
-          <a:xfrm>
-            <a:off x="6172200" y="2505075"/>
-            <a:ext cx="5750560" cy="3684588"/>
-          </a:xfrm>
-        </p:spPr>
-        <p:txBody>
-          <a:bodyPr/>
-          <a:lstStyle/>
-          <a:p>
-            <a:pPr marL="384048" lvl="1" indent="-182880">
-              <a:buFont typeface="Calibri" pitchFamily="34" charset="0"/>
-              <a:buChar char="◦"/>
-            </a:pPr>
-            <a:r>
-              <a:rPr lang="en-US" sz="2000" dirty="0">
-                <a:solidFill>
-                  <a:schemeClr val="tx2"/>
-                </a:solidFill>
-              </a:rPr>
-              <a:t>Scenarios where users don’t have Power BI licenses</a:t>
-            </a:r>
-          </a:p>
-          <a:p>
-            <a:pPr marL="384048" lvl="1" indent="-182880">
-              <a:buFont typeface="Calibri" pitchFamily="34" charset="0"/>
-              <a:buChar char="◦"/>
-            </a:pPr>
-            <a:r>
-              <a:rPr lang="en-US" sz="2000" dirty="0">
-                <a:solidFill>
-                  <a:schemeClr val="tx2"/>
-                </a:solidFill>
-              </a:rPr>
-              <a:t>Applications which have custom identity providers</a:t>
-            </a:r>
-          </a:p>
-          <a:p>
-            <a:pPr marL="384048" lvl="1" indent="-182880">
-              <a:buFont typeface="Calibri" pitchFamily="34" charset="0"/>
-              <a:buChar char="◦"/>
-            </a:pPr>
-            <a:r>
-              <a:rPr lang="en-US" sz="2000" dirty="0">
-                <a:solidFill>
-                  <a:schemeClr val="tx2"/>
-                </a:solidFill>
-              </a:rPr>
-              <a:t>Applications which use identity provider other than AAD</a:t>
-            </a:r>
-          </a:p>
-        </p:txBody>
-      </p:sp>
-      <p:sp>
-        <p:nvSpPr>
-          <p:cNvPr id="9" name="Title 1">
-            <a:extLst>
-              <a:ext uri="{FF2B5EF4-FFF2-40B4-BE49-F238E27FC236}">
-                <a16:creationId xmlns:a16="http://schemas.microsoft.com/office/drawing/2014/main" id="{ADAA064D-A17E-4D21-9705-AF7F5C9D58A9}"/>
-              </a:ext>
-            </a:extLst>
-          </p:cNvPr>
-          <p:cNvSpPr>
-            <a:spLocks noGrp="1"/>
-          </p:cNvSpPr>
-          <p:nvPr>
-            <p:ph type="title"/>
-          </p:nvPr>
-        </p:nvSpPr>
-        <p:spPr>
-          <a:xfrm>
-            <a:off x="269240" y="289511"/>
-            <a:ext cx="11655840" cy="899665"/>
-          </a:xfrm>
-        </p:spPr>
-        <p:txBody>
-          <a:bodyPr vert="horz" lIns="91440" tIns="45720" rIns="91440" bIns="45720" rtlCol="0" anchor="ctr">
-            <a:normAutofit/>
-          </a:bodyPr>
-          <a:lstStyle/>
-          <a:p>
-            <a:r>
-              <a:rPr lang="en-US" sz="4400" kern="1200" dirty="0">
-                <a:solidFill>
-                  <a:schemeClr val="tx1"/>
-                </a:solidFill>
-                <a:latin typeface="+mn-lt"/>
-                <a:ea typeface="+mj-ea"/>
-                <a:cs typeface="+mj-cs"/>
-              </a:rPr>
-              <a:t>First Party vs Third Party Embedding</a:t>
-            </a:r>
-          </a:p>
-        </p:txBody>
-      </p:sp>
-    </p:spTree>
-    <p:extLst>
-      <p:ext uri="{BB962C8B-B14F-4D97-AF65-F5344CB8AC3E}">
-        <p14:creationId xmlns:p14="http://schemas.microsoft.com/office/powerpoint/2010/main" val="998052266"/>
-      </p:ext>
-    </p:extLst>
-  </p:cSld>
-  <p:clrMapOvr>
-    <a:masterClrMapping/>
-  </p:clrMapOvr>
-</p:sld>
-</file>
-
-<file path=ppt/slides/slide11.xml><?xml version="1.0" encoding="utf-8"?>
-<p:sld xmlns:a="http://schemas.openxmlformats.org/drawingml/2006/main" xmlns:r="http://schemas.openxmlformats.org/officeDocument/2006/relationships" xmlns:p="http://schemas.openxmlformats.org/presentationml/2006/main">
-  <p:cSld>
-    <p:spTree>
-      <p:nvGrpSpPr>
-        <p:cNvPr id="1" name=""/>
-        <p:cNvGrpSpPr/>
-        <p:nvPr/>
-      </p:nvGrpSpPr>
-      <p:grpSpPr>
-        <a:xfrm>
-          <a:off x="0" y="0"/>
-          <a:ext cx="0" cy="0"/>
-          <a:chOff x="0" y="0"/>
-          <a:chExt cx="0" cy="0"/>
-        </a:xfrm>
-      </p:grpSpPr>
-      <p:sp>
-        <p:nvSpPr>
           <p:cNvPr id="7" name="Title 6">
             <a:extLst>
               <a:ext uri="{FF2B5EF4-FFF2-40B4-BE49-F238E27FC236}">
@@ -15579,7 +15295,7 @@
 </p:sld>
 </file>
 
-<file path=ppt/slides/slide12.xml><?xml version="1.0" encoding="utf-8"?>
+<file path=ppt/slides/slide11.xml><?xml version="1.0" encoding="utf-8"?>
 <p:sld xmlns:a="http://schemas.openxmlformats.org/drawingml/2006/main" xmlns:r="http://schemas.openxmlformats.org/officeDocument/2006/relationships" xmlns:p="http://schemas.openxmlformats.org/presentationml/2006/main">
   <p:cSld>
     <p:spTree>
@@ -15640,7 +15356,7 @@
 </p:sld>
 </file>
 
-<file path=ppt/slides/slide13.xml><?xml version="1.0" encoding="utf-8"?>
+<file path=ppt/slides/slide12.xml><?xml version="1.0" encoding="utf-8"?>
 <p:sld xmlns:a="http://schemas.openxmlformats.org/drawingml/2006/main" xmlns:r="http://schemas.openxmlformats.org/officeDocument/2006/relationships" xmlns:p="http://schemas.openxmlformats.org/presentationml/2006/main">
   <p:cSld>
     <p:spTree>
@@ -15944,7 +15660,7 @@
 </p:sld>
 </file>
 
-<file path=ppt/slides/slide14.xml><?xml version="1.0" encoding="utf-8"?>
+<file path=ppt/slides/slide13.xml><?xml version="1.0" encoding="utf-8"?>
 <p:sld xmlns:a="http://schemas.openxmlformats.org/drawingml/2006/main" xmlns:r="http://schemas.openxmlformats.org/officeDocument/2006/relationships" xmlns:p="http://schemas.openxmlformats.org/presentationml/2006/main">
   <p:cSld>
     <p:spTree>
@@ -16261,7 +15977,7 @@
 </p:sld>
 </file>
 
-<file path=ppt/slides/slide15.xml><?xml version="1.0" encoding="utf-8"?>
+<file path=ppt/slides/slide14.xml><?xml version="1.0" encoding="utf-8"?>
 <p:sld xmlns:a="http://schemas.openxmlformats.org/drawingml/2006/main" xmlns:r="http://schemas.openxmlformats.org/officeDocument/2006/relationships" xmlns:p="http://schemas.openxmlformats.org/presentationml/2006/main">
   <p:cSld>
     <p:spTree>
@@ -16514,7 +16230,7 @@
 </p:sld>
 </file>
 
-<file path=ppt/slides/slide16.xml><?xml version="1.0" encoding="utf-8"?>
+<file path=ppt/slides/slide15.xml><?xml version="1.0" encoding="utf-8"?>
 <p:sld xmlns:a="http://schemas.openxmlformats.org/drawingml/2006/main" xmlns:r="http://schemas.openxmlformats.org/officeDocument/2006/relationships" xmlns:p="http://schemas.openxmlformats.org/presentationml/2006/main">
   <p:cSld>
     <p:spTree>
@@ -16768,7 +16484,7 @@
 </p:sld>
 </file>
 
-<file path=ppt/slides/slide17.xml><?xml version="1.0" encoding="utf-8"?>
+<file path=ppt/slides/slide16.xml><?xml version="1.0" encoding="utf-8"?>
 <p:sld xmlns:a="http://schemas.openxmlformats.org/drawingml/2006/main" xmlns:r="http://schemas.openxmlformats.org/officeDocument/2006/relationships" xmlns:p="http://schemas.openxmlformats.org/presentationml/2006/main">
   <p:cSld>
     <p:spTree>
@@ -16836,7 +16552,7 @@
 </p:sld>
 </file>
 
-<file path=ppt/slides/slide18.xml><?xml version="1.0" encoding="utf-8"?>
+<file path=ppt/slides/slide17.xml><?xml version="1.0" encoding="utf-8"?>
 <p:sld xmlns:a="http://schemas.openxmlformats.org/drawingml/2006/main" xmlns:r="http://schemas.openxmlformats.org/officeDocument/2006/relationships" xmlns:p="http://schemas.openxmlformats.org/presentationml/2006/main">
   <p:cSld>
     <p:spTree>
@@ -16897,7 +16613,7 @@
 </p:sld>
 </file>
 
-<file path=ppt/slides/slide19.xml><?xml version="1.0" encoding="utf-8"?>
+<file path=ppt/slides/slide18.xml><?xml version="1.0" encoding="utf-8"?>
 <p:sld xmlns:a="http://schemas.openxmlformats.org/drawingml/2006/main" xmlns:r="http://schemas.openxmlformats.org/officeDocument/2006/relationships" xmlns:p="http://schemas.openxmlformats.org/presentationml/2006/main">
   <p:cSld>
     <p:spTree>
@@ -17078,6 +16794,196 @@
     <p:extLst>
       <p:ext uri="{BB962C8B-B14F-4D97-AF65-F5344CB8AC3E}">
         <p14:creationId xmlns:p14="http://schemas.microsoft.com/office/powerpoint/2010/main" val="3283526701"/>
+      </p:ext>
+    </p:extLst>
+  </p:cSld>
+  <p:clrMapOvr>
+    <a:masterClrMapping/>
+  </p:clrMapOvr>
+</p:sld>
+</file>
+
+<file path=ppt/slides/slide19.xml><?xml version="1.0" encoding="utf-8"?>
+<p:sld xmlns:a="http://schemas.openxmlformats.org/drawingml/2006/main" xmlns:r="http://schemas.openxmlformats.org/officeDocument/2006/relationships" xmlns:p="http://schemas.openxmlformats.org/presentationml/2006/main">
+  <p:cSld>
+    <p:spTree>
+      <p:nvGrpSpPr>
+        <p:cNvPr id="1" name=""/>
+        <p:cNvGrpSpPr/>
+        <p:nvPr/>
+      </p:nvGrpSpPr>
+      <p:grpSpPr>
+        <a:xfrm>
+          <a:off x="0" y="0"/>
+          <a:ext cx="0" cy="0"/>
+          <a:chOff x="0" y="0"/>
+          <a:chExt cx="0" cy="0"/>
+        </a:xfrm>
+      </p:grpSpPr>
+      <p:sp>
+        <p:nvSpPr>
+          <p:cNvPr id="2" name="Title 1">
+            <a:extLst>
+              <a:ext uri="{FF2B5EF4-FFF2-40B4-BE49-F238E27FC236}">
+                <a16:creationId xmlns:a16="http://schemas.microsoft.com/office/drawing/2014/main" id="{D2F760B9-C1D5-4464-AFED-D72F8C5E96B6}"/>
+              </a:ext>
+            </a:extLst>
+          </p:cNvPr>
+          <p:cNvSpPr>
+            <a:spLocks noGrp="1"/>
+          </p:cNvSpPr>
+          <p:nvPr>
+            <p:ph type="title"/>
+          </p:nvPr>
+        </p:nvSpPr>
+        <p:spPr/>
+        <p:txBody>
+          <a:bodyPr/>
+          <a:lstStyle/>
+          <a:p>
+            <a:r>
+              <a:rPr lang="en-US" dirty="0"/>
+              <a:t>Licensing</a:t>
+            </a:r>
+          </a:p>
+        </p:txBody>
+      </p:sp>
+      <p:sp>
+        <p:nvSpPr>
+          <p:cNvPr id="3" name="Text Placeholder 2">
+            <a:extLst>
+              <a:ext uri="{FF2B5EF4-FFF2-40B4-BE49-F238E27FC236}">
+                <a16:creationId xmlns:a16="http://schemas.microsoft.com/office/drawing/2014/main" id="{DD2888B4-2BAC-4325-9799-49D40C36FD70}"/>
+              </a:ext>
+            </a:extLst>
+          </p:cNvPr>
+          <p:cNvSpPr>
+            <a:spLocks noGrp="1"/>
+          </p:cNvSpPr>
+          <p:nvPr>
+            <p:ph type="body" idx="1"/>
+          </p:nvPr>
+        </p:nvSpPr>
+        <p:spPr>
+          <a:xfrm>
+            <a:off x="839788" y="1877211"/>
+            <a:ext cx="5157787" cy="627864"/>
+          </a:xfrm>
+        </p:spPr>
+        <p:txBody>
+          <a:bodyPr/>
+          <a:lstStyle/>
+          <a:p>
+            <a:r>
+              <a:rPr lang="en-US" sz="1600" dirty="0"/>
+              <a:t>Do I still have to buy Power BI Premium to get access to Power BI Embedded?</a:t>
+            </a:r>
+          </a:p>
+        </p:txBody>
+      </p:sp>
+      <p:sp>
+        <p:nvSpPr>
+          <p:cNvPr id="4" name="Content Placeholder 3">
+            <a:extLst>
+              <a:ext uri="{FF2B5EF4-FFF2-40B4-BE49-F238E27FC236}">
+                <a16:creationId xmlns:a16="http://schemas.microsoft.com/office/drawing/2014/main" id="{95D01C7E-FA85-48B0-91DA-7DC80662D019}"/>
+              </a:ext>
+            </a:extLst>
+          </p:cNvPr>
+          <p:cNvSpPr>
+            <a:spLocks noGrp="1"/>
+          </p:cNvSpPr>
+          <p:nvPr>
+            <p:ph sz="half" idx="2"/>
+          </p:nvPr>
+        </p:nvSpPr>
+        <p:spPr>
+          <a:xfrm>
+            <a:off x="839788" y="2505075"/>
+            <a:ext cx="5157787" cy="849463"/>
+          </a:xfrm>
+        </p:spPr>
+        <p:txBody>
+          <a:bodyPr/>
+          <a:lstStyle/>
+          <a:p>
+            <a:r>
+              <a:rPr lang="en-US" sz="1600" dirty="0"/>
+              <a:t>No, Power BI Embedded includes the Azure-based capacity that you need to deploy and distribute your solution to customers.</a:t>
+            </a:r>
+          </a:p>
+        </p:txBody>
+      </p:sp>
+      <p:sp>
+        <p:nvSpPr>
+          <p:cNvPr id="5" name="Text Placeholder 4">
+            <a:extLst>
+              <a:ext uri="{FF2B5EF4-FFF2-40B4-BE49-F238E27FC236}">
+                <a16:creationId xmlns:a16="http://schemas.microsoft.com/office/drawing/2014/main" id="{40135572-F677-49DC-AC8B-F4E607073754}"/>
+              </a:ext>
+            </a:extLst>
+          </p:cNvPr>
+          <p:cNvSpPr>
+            <a:spLocks noGrp="1"/>
+          </p:cNvSpPr>
+          <p:nvPr>
+            <p:ph type="body" sz="quarter" idx="3"/>
+          </p:nvPr>
+        </p:nvSpPr>
+        <p:spPr>
+          <a:xfrm>
+            <a:off x="6172200" y="1877211"/>
+            <a:ext cx="5183188" cy="627864"/>
+          </a:xfrm>
+        </p:spPr>
+        <p:txBody>
+          <a:bodyPr/>
+          <a:lstStyle/>
+          <a:p>
+            <a:r>
+              <a:rPr lang="en-US" sz="1600" dirty="0"/>
+              <a:t>What’s the purchase commitment for Power BI Embedded?</a:t>
+            </a:r>
+          </a:p>
+        </p:txBody>
+      </p:sp>
+      <p:sp>
+        <p:nvSpPr>
+          <p:cNvPr id="6" name="Content Placeholder 5">
+            <a:extLst>
+              <a:ext uri="{FF2B5EF4-FFF2-40B4-BE49-F238E27FC236}">
+                <a16:creationId xmlns:a16="http://schemas.microsoft.com/office/drawing/2014/main" id="{3713B980-9E28-4F20-902B-211272D94AFD}"/>
+              </a:ext>
+            </a:extLst>
+          </p:cNvPr>
+          <p:cNvSpPr>
+            <a:spLocks noGrp="1"/>
+          </p:cNvSpPr>
+          <p:nvPr>
+            <p:ph sz="quarter" idx="4"/>
+          </p:nvPr>
+        </p:nvSpPr>
+        <p:spPr>
+          <a:xfrm>
+            <a:off x="6172200" y="2505075"/>
+            <a:ext cx="5183188" cy="849463"/>
+          </a:xfrm>
+        </p:spPr>
+        <p:txBody>
+          <a:bodyPr/>
+          <a:lstStyle/>
+          <a:p>
+            <a:r>
+              <a:rPr lang="en-US" sz="1600" dirty="0"/>
+              <a:t>Customers may change their usage on an hourly basis. There is no monthly or annual commitment for the Power BI Embedded service.</a:t>
+            </a:r>
+          </a:p>
+        </p:txBody>
+      </p:sp>
+    </p:spTree>
+    <p:extLst>
+      <p:ext uri="{BB962C8B-B14F-4D97-AF65-F5344CB8AC3E}">
+        <p14:creationId xmlns:p14="http://schemas.microsoft.com/office/powerpoint/2010/main" val="2693957279"/>
       </p:ext>
     </p:extLst>
   </p:cSld>
@@ -17177,196 +17083,6 @@
           <p:cNvPr id="2" name="Title 1">
             <a:extLst>
               <a:ext uri="{FF2B5EF4-FFF2-40B4-BE49-F238E27FC236}">
-                <a16:creationId xmlns:a16="http://schemas.microsoft.com/office/drawing/2014/main" id="{D2F760B9-C1D5-4464-AFED-D72F8C5E96B6}"/>
-              </a:ext>
-            </a:extLst>
-          </p:cNvPr>
-          <p:cNvSpPr>
-            <a:spLocks noGrp="1"/>
-          </p:cNvSpPr>
-          <p:nvPr>
-            <p:ph type="title"/>
-          </p:nvPr>
-        </p:nvSpPr>
-        <p:spPr/>
-        <p:txBody>
-          <a:bodyPr/>
-          <a:lstStyle/>
-          <a:p>
-            <a:r>
-              <a:rPr lang="en-US" dirty="0"/>
-              <a:t>Licensing</a:t>
-            </a:r>
-          </a:p>
-        </p:txBody>
-      </p:sp>
-      <p:sp>
-        <p:nvSpPr>
-          <p:cNvPr id="3" name="Text Placeholder 2">
-            <a:extLst>
-              <a:ext uri="{FF2B5EF4-FFF2-40B4-BE49-F238E27FC236}">
-                <a16:creationId xmlns:a16="http://schemas.microsoft.com/office/drawing/2014/main" id="{DD2888B4-2BAC-4325-9799-49D40C36FD70}"/>
-              </a:ext>
-            </a:extLst>
-          </p:cNvPr>
-          <p:cNvSpPr>
-            <a:spLocks noGrp="1"/>
-          </p:cNvSpPr>
-          <p:nvPr>
-            <p:ph type="body" idx="1"/>
-          </p:nvPr>
-        </p:nvSpPr>
-        <p:spPr>
-          <a:xfrm>
-            <a:off x="839788" y="1877211"/>
-            <a:ext cx="5157787" cy="627864"/>
-          </a:xfrm>
-        </p:spPr>
-        <p:txBody>
-          <a:bodyPr/>
-          <a:lstStyle/>
-          <a:p>
-            <a:r>
-              <a:rPr lang="en-US" sz="1600" dirty="0"/>
-              <a:t>Do I still have to buy Power BI Premium to get access to Power BI Embedded?</a:t>
-            </a:r>
-          </a:p>
-        </p:txBody>
-      </p:sp>
-      <p:sp>
-        <p:nvSpPr>
-          <p:cNvPr id="4" name="Content Placeholder 3">
-            <a:extLst>
-              <a:ext uri="{FF2B5EF4-FFF2-40B4-BE49-F238E27FC236}">
-                <a16:creationId xmlns:a16="http://schemas.microsoft.com/office/drawing/2014/main" id="{95D01C7E-FA85-48B0-91DA-7DC80662D019}"/>
-              </a:ext>
-            </a:extLst>
-          </p:cNvPr>
-          <p:cNvSpPr>
-            <a:spLocks noGrp="1"/>
-          </p:cNvSpPr>
-          <p:nvPr>
-            <p:ph sz="half" idx="2"/>
-          </p:nvPr>
-        </p:nvSpPr>
-        <p:spPr>
-          <a:xfrm>
-            <a:off x="839788" y="2505075"/>
-            <a:ext cx="5157787" cy="849463"/>
-          </a:xfrm>
-        </p:spPr>
-        <p:txBody>
-          <a:bodyPr/>
-          <a:lstStyle/>
-          <a:p>
-            <a:r>
-              <a:rPr lang="en-US" sz="1600" dirty="0"/>
-              <a:t>No, Power BI Embedded includes the Azure-based capacity that you need to deploy and distribute your solution to customers.</a:t>
-            </a:r>
-          </a:p>
-        </p:txBody>
-      </p:sp>
-      <p:sp>
-        <p:nvSpPr>
-          <p:cNvPr id="5" name="Text Placeholder 4">
-            <a:extLst>
-              <a:ext uri="{FF2B5EF4-FFF2-40B4-BE49-F238E27FC236}">
-                <a16:creationId xmlns:a16="http://schemas.microsoft.com/office/drawing/2014/main" id="{40135572-F677-49DC-AC8B-F4E607073754}"/>
-              </a:ext>
-            </a:extLst>
-          </p:cNvPr>
-          <p:cNvSpPr>
-            <a:spLocks noGrp="1"/>
-          </p:cNvSpPr>
-          <p:nvPr>
-            <p:ph type="body" sz="quarter" idx="3"/>
-          </p:nvPr>
-        </p:nvSpPr>
-        <p:spPr>
-          <a:xfrm>
-            <a:off x="6172200" y="1877211"/>
-            <a:ext cx="5183188" cy="627864"/>
-          </a:xfrm>
-        </p:spPr>
-        <p:txBody>
-          <a:bodyPr/>
-          <a:lstStyle/>
-          <a:p>
-            <a:r>
-              <a:rPr lang="en-US" sz="1600" dirty="0"/>
-              <a:t>What’s the purchase commitment for Power BI Embedded?</a:t>
-            </a:r>
-          </a:p>
-        </p:txBody>
-      </p:sp>
-      <p:sp>
-        <p:nvSpPr>
-          <p:cNvPr id="6" name="Content Placeholder 5">
-            <a:extLst>
-              <a:ext uri="{FF2B5EF4-FFF2-40B4-BE49-F238E27FC236}">
-                <a16:creationId xmlns:a16="http://schemas.microsoft.com/office/drawing/2014/main" id="{3713B980-9E28-4F20-902B-211272D94AFD}"/>
-              </a:ext>
-            </a:extLst>
-          </p:cNvPr>
-          <p:cNvSpPr>
-            <a:spLocks noGrp="1"/>
-          </p:cNvSpPr>
-          <p:nvPr>
-            <p:ph sz="quarter" idx="4"/>
-          </p:nvPr>
-        </p:nvSpPr>
-        <p:spPr>
-          <a:xfrm>
-            <a:off x="6172200" y="2505075"/>
-            <a:ext cx="5183188" cy="849463"/>
-          </a:xfrm>
-        </p:spPr>
-        <p:txBody>
-          <a:bodyPr/>
-          <a:lstStyle/>
-          <a:p>
-            <a:r>
-              <a:rPr lang="en-US" sz="1600" dirty="0"/>
-              <a:t>Customers may change their usage on an hourly basis. There is no monthly or annual commitment for the Power BI Embedded service.</a:t>
-            </a:r>
-          </a:p>
-        </p:txBody>
-      </p:sp>
-    </p:spTree>
-    <p:extLst>
-      <p:ext uri="{BB962C8B-B14F-4D97-AF65-F5344CB8AC3E}">
-        <p14:creationId xmlns:p14="http://schemas.microsoft.com/office/powerpoint/2010/main" val="2693957279"/>
-      </p:ext>
-    </p:extLst>
-  </p:cSld>
-  <p:clrMapOvr>
-    <a:masterClrMapping/>
-  </p:clrMapOvr>
-</p:sld>
-</file>
-
-<file path=ppt/slides/slide21.xml><?xml version="1.0" encoding="utf-8"?>
-<p:sld xmlns:a="http://schemas.openxmlformats.org/drawingml/2006/main" xmlns:r="http://schemas.openxmlformats.org/officeDocument/2006/relationships" xmlns:p="http://schemas.openxmlformats.org/presentationml/2006/main">
-  <p:cSld>
-    <p:spTree>
-      <p:nvGrpSpPr>
-        <p:cNvPr id="1" name=""/>
-        <p:cNvGrpSpPr/>
-        <p:nvPr/>
-      </p:nvGrpSpPr>
-      <p:grpSpPr>
-        <a:xfrm>
-          <a:off x="0" y="0"/>
-          <a:ext cx="0" cy="0"/>
-          <a:chOff x="0" y="0"/>
-          <a:chExt cx="0" cy="0"/>
-        </a:xfrm>
-      </p:grpSpPr>
-      <p:sp>
-        <p:nvSpPr>
-          <p:cNvPr id="2" name="Title 1">
-            <a:extLst>
-              <a:ext uri="{FF2B5EF4-FFF2-40B4-BE49-F238E27FC236}">
                 <a16:creationId xmlns:a16="http://schemas.microsoft.com/office/drawing/2014/main" id="{6B56BF4C-AA23-4364-93C6-4EFAA7166CB0}"/>
               </a:ext>
             </a:extLst>
@@ -17605,7 +17321,7 @@
 </p:sld>
 </file>
 
-<file path=ppt/slides/slide22.xml><?xml version="1.0" encoding="utf-8"?>
+<file path=ppt/slides/slide21.xml><?xml version="1.0" encoding="utf-8"?>
 <p:sld xmlns:a="http://schemas.openxmlformats.org/drawingml/2006/main" xmlns:r="http://schemas.openxmlformats.org/officeDocument/2006/relationships" xmlns:p="http://schemas.openxmlformats.org/presentationml/2006/main">
   <p:cSld>
     <p:spTree>
@@ -17673,7 +17389,7 @@
 </p:sld>
 </file>
 
-<file path=ppt/slides/slide23.xml><?xml version="1.0" encoding="utf-8"?>
+<file path=ppt/slides/slide22.xml><?xml version="1.0" encoding="utf-8"?>
 <p:sld xmlns:a="http://schemas.openxmlformats.org/drawingml/2006/main" xmlns:r="http://schemas.openxmlformats.org/officeDocument/2006/relationships" xmlns:p="http://schemas.openxmlformats.org/presentationml/2006/main">
   <p:cSld>
     <p:spTree>
@@ -18075,61 +17791,58 @@
           <a:p>
             <a:pPr marL="285750"/>
             <a:r>
-              <a:rPr lang="en-US" sz="1800" spc="200" dirty="0"/>
+              <a:rPr lang="en-US" sz="2000" spc="200" dirty="0"/>
               <a:t>Accessible by making direct REST calls against service</a:t>
             </a:r>
           </a:p>
           <a:p>
             <a:pPr marL="285750"/>
             <a:r>
-              <a:rPr lang="en-US" sz="1800" spc="200" dirty="0"/>
+              <a:rPr lang="en-US" sz="2000" spc="200" dirty="0"/>
               <a:t>Accessible by using assembly DLL that abstracts away REST calls</a:t>
             </a:r>
           </a:p>
           <a:p>
             <a:pPr marL="285750"/>
             <a:r>
-              <a:rPr lang="en-US" sz="1800" spc="200" dirty="0"/>
+              <a:rPr lang="en-US" sz="2000" spc="200" dirty="0"/>
               <a:t>Assembly DLL is named </a:t>
             </a:r>
             <a:r>
-              <a:rPr lang="en-US" sz="1800" spc="200" dirty="0" err="1"/>
+              <a:rPr lang="en-US" sz="2000" spc="200" dirty="0" err="1"/>
               <a:t>microsoft.Powerbi.Api.Dll</a:t>
             </a:r>
-            <a:endParaRPr lang="en-US" sz="1800" spc="200" dirty="0"/>
+            <a:endParaRPr lang="en-US" sz="2000" spc="200" dirty="0"/>
           </a:p>
           <a:p>
             <a:pPr marL="285750"/>
             <a:r>
-              <a:rPr lang="en-US" sz="1800" spc="200" dirty="0"/>
+              <a:rPr lang="en-US" sz="2000" spc="200" dirty="0"/>
               <a:t>Assembly DLL part of </a:t>
             </a:r>
             <a:r>
-              <a:rPr lang="en-US" sz="1800" spc="200" dirty="0" err="1"/>
+              <a:rPr lang="en-US" sz="2000" spc="200" dirty="0" err="1"/>
               <a:t>nuget</a:t>
             </a:r>
             <a:r>
-              <a:rPr lang="en-US" sz="1800" spc="200" dirty="0"/>
+              <a:rPr lang="en-US" sz="2000" spc="200" dirty="0"/>
               <a:t> package (</a:t>
             </a:r>
             <a:r>
-              <a:rPr lang="en-US" sz="1800" b="1" spc="200" dirty="0" err="1"/>
+              <a:rPr lang="en-US" sz="2000" b="1" spc="200" dirty="0" err="1"/>
               <a:t>microsoft.Powerbi.Api</a:t>
             </a:r>
             <a:r>
-              <a:rPr lang="en-US" sz="1800" spc="200" dirty="0"/>
+              <a:rPr lang="en-US" sz="2000" spc="200" dirty="0"/>
               <a:t>)</a:t>
             </a:r>
           </a:p>
           <a:p>
             <a:pPr marL="285750"/>
             <a:r>
-              <a:rPr lang="en-US" sz="1800" spc="200" dirty="0"/>
+              <a:rPr lang="en-US" sz="2000" spc="200" dirty="0"/>
               <a:t>Calling service requires authentication with azure active directory</a:t>
             </a:r>
-          </a:p>
-          <a:p>
-            <a:endParaRPr lang="en-US" sz="1400" dirty="0"/>
           </a:p>
         </p:txBody>
       </p:sp>
@@ -18323,23 +18036,7 @@
             </a:pPr>
             <a:r>
               <a:rPr lang="en-US" sz="2000" dirty="0"/>
-              <a:t>Client-side code uses power bi </a:t>
-            </a:r>
-            <a:r>
-              <a:rPr lang="en-US" sz="2000" dirty="0" err="1"/>
-              <a:t>javascript</a:t>
-            </a:r>
-            <a:r>
-              <a:rPr lang="en-US" sz="2000" dirty="0"/>
-              <a:t> </a:t>
-            </a:r>
-            <a:r>
-              <a:rPr lang="en-US" sz="2000" dirty="0" err="1"/>
-              <a:t>api</a:t>
-            </a:r>
-            <a:r>
-              <a:rPr lang="en-US" sz="2000" dirty="0"/>
-              <a:t> to create embedded resource</a:t>
+              <a:t>Client-side code uses Power BI JavaScript API to create embedded resource</a:t>
             </a:r>
           </a:p>
           <a:p>
@@ -18416,8 +18113,39 @@
         </p:blipFill>
         <p:spPr>
           <a:xfrm>
-            <a:off x="3288582" y="3429000"/>
+            <a:off x="5588029" y="3569978"/>
             <a:ext cx="5614835" cy="2414379"/>
+          </a:xfrm>
+          <a:prstGeom prst="rect">
+            <a:avLst/>
+          </a:prstGeom>
+          <a:effectLst/>
+        </p:spPr>
+      </p:pic>
+      <p:pic>
+        <p:nvPicPr>
+          <p:cNvPr id="5" name="Content Placeholder 4">
+            <a:extLst>
+              <a:ext uri="{FF2B5EF4-FFF2-40B4-BE49-F238E27FC236}">
+                <a16:creationId xmlns:a16="http://schemas.microsoft.com/office/drawing/2014/main" id="{FA82D964-9870-4331-A240-7B79B6718155}"/>
+              </a:ext>
+            </a:extLst>
+          </p:cNvPr>
+          <p:cNvPicPr>
+            <a:picLocks noChangeAspect="1"/>
+          </p:cNvPicPr>
+          <p:nvPr/>
+        </p:nvPicPr>
+        <p:blipFill>
+          <a:blip r:embed="rId4"/>
+          <a:stretch>
+            <a:fillRect/>
+          </a:stretch>
+        </p:blipFill>
+        <p:spPr>
+          <a:xfrm>
+            <a:off x="887506" y="3209364"/>
+            <a:ext cx="3603812" cy="3135609"/>
           </a:xfrm>
           <a:prstGeom prst="rect">
             <a:avLst/>
@@ -18460,202 +18188,6 @@
       </p:grpSpPr>
       <p:sp>
         <p:nvSpPr>
-          <p:cNvPr id="3" name="Content Placeholder 2">
-            <a:extLst>
-              <a:ext uri="{FF2B5EF4-FFF2-40B4-BE49-F238E27FC236}">
-                <a16:creationId xmlns:a16="http://schemas.microsoft.com/office/drawing/2014/main" id="{168AE756-B1D4-4A83-AFF1-7055DEF22C9C}"/>
-              </a:ext>
-            </a:extLst>
-          </p:cNvPr>
-          <p:cNvSpPr>
-            <a:spLocks noGrp="1"/>
-          </p:cNvSpPr>
-          <p:nvPr>
-            <p:ph type="body" sz="quarter" idx="10"/>
-          </p:nvPr>
-        </p:nvSpPr>
-        <p:spPr/>
-        <p:txBody>
-          <a:bodyPr vert="horz" lIns="91440" tIns="45720" rIns="91440" bIns="45720" rtlCol="0">
-            <a:normAutofit/>
-          </a:bodyPr>
-          <a:lstStyle/>
-          <a:p>
-            <a:pPr marL="457200">
-              <a:spcBef>
-                <a:spcPts val="400"/>
-              </a:spcBef>
-            </a:pPr>
-            <a:r>
-              <a:rPr lang="en-US" sz="1600"/>
-              <a:t>User launches your app using a browser</a:t>
-            </a:r>
-          </a:p>
-          <a:p>
-            <a:pPr marL="514350">
-              <a:spcBef>
-                <a:spcPts val="400"/>
-              </a:spcBef>
-            </a:pPr>
-            <a:r>
-              <a:rPr lang="en-US" sz="1600"/>
-              <a:t>App authenticates with azure active directory and obtains access token </a:t>
-            </a:r>
-          </a:p>
-          <a:p>
-            <a:pPr marL="514350">
-              <a:spcBef>
-                <a:spcPts val="400"/>
-              </a:spcBef>
-            </a:pPr>
-            <a:r>
-              <a:rPr lang="en-US" sz="1600"/>
-              <a:t>App uses access token to call to power BI service API</a:t>
-            </a:r>
-          </a:p>
-          <a:p>
-            <a:pPr marL="514350">
-              <a:spcBef>
-                <a:spcPts val="400"/>
-              </a:spcBef>
-            </a:pPr>
-            <a:r>
-              <a:rPr lang="en-US" sz="1600"/>
-              <a:t>App retrieves data for embedded resource and passes it to browser.</a:t>
-            </a:r>
-          </a:p>
-          <a:p>
-            <a:pPr marL="514350">
-              <a:spcBef>
-                <a:spcPts val="400"/>
-              </a:spcBef>
-            </a:pPr>
-            <a:r>
-              <a:rPr lang="en-US" sz="1600"/>
-              <a:t>Client-side code uses power bi javascript api to create embedded resource</a:t>
-            </a:r>
-          </a:p>
-          <a:p>
-            <a:pPr marL="514350">
-              <a:spcBef>
-                <a:spcPts val="400"/>
-              </a:spcBef>
-            </a:pPr>
-            <a:r>
-              <a:rPr lang="en-US" sz="1600"/>
-              <a:t>Embedded resource session created between browser and power BI service</a:t>
-            </a:r>
-          </a:p>
-          <a:p>
-            <a:endParaRPr lang="en-US" sz="1600"/>
-          </a:p>
-        </p:txBody>
-      </p:sp>
-      <p:sp>
-        <p:nvSpPr>
-          <p:cNvPr id="2" name="Title 1">
-            <a:extLst>
-              <a:ext uri="{FF2B5EF4-FFF2-40B4-BE49-F238E27FC236}">
-                <a16:creationId xmlns:a16="http://schemas.microsoft.com/office/drawing/2014/main" id="{F09B4607-1367-4235-B68C-EEDBBAD1064A}"/>
-              </a:ext>
-            </a:extLst>
-          </p:cNvPr>
-          <p:cNvSpPr>
-            <a:spLocks noGrp="1"/>
-          </p:cNvSpPr>
-          <p:nvPr>
-            <p:ph type="title"/>
-          </p:nvPr>
-        </p:nvSpPr>
-        <p:spPr/>
-        <p:txBody>
-          <a:bodyPr vert="horz" lIns="91440" tIns="45720" rIns="91440" bIns="45720" rtlCol="0" anchor="ctr">
-            <a:normAutofit/>
-          </a:bodyPr>
-          <a:lstStyle/>
-          <a:p>
-            <a:r>
-              <a:rPr lang="en-US" sz="4400" kern="1200" dirty="0">
-                <a:solidFill>
-                  <a:schemeClr val="tx1"/>
-                </a:solidFill>
-                <a:latin typeface="+mn-lt"/>
-                <a:ea typeface="+mj-ea"/>
-                <a:cs typeface="+mj-cs"/>
-              </a:rPr>
-              <a:t>Power BI Embedding – The Big Picture</a:t>
-            </a:r>
-          </a:p>
-        </p:txBody>
-      </p:sp>
-      <p:pic>
-        <p:nvPicPr>
-          <p:cNvPr id="5" name="Content Placeholder 4">
-            <a:extLst>
-              <a:ext uri="{FF2B5EF4-FFF2-40B4-BE49-F238E27FC236}">
-                <a16:creationId xmlns:a16="http://schemas.microsoft.com/office/drawing/2014/main" id="{C5C0C6D6-9388-4167-B74C-5A2342C4A3C9}"/>
-              </a:ext>
-            </a:extLst>
-          </p:cNvPr>
-          <p:cNvPicPr>
-            <a:picLocks noGrp="1" noChangeAspect="1"/>
-          </p:cNvPicPr>
-          <p:nvPr>
-            <p:ph sz="half" idx="4294967295"/>
-          </p:nvPr>
-        </p:nvPicPr>
-        <p:blipFill>
-          <a:blip r:embed="rId2"/>
-          <a:stretch>
-            <a:fillRect/>
-          </a:stretch>
-        </p:blipFill>
-        <p:spPr>
-          <a:xfrm>
-            <a:off x="4294094" y="3033510"/>
-            <a:ext cx="3603812" cy="3135609"/>
-          </a:xfrm>
-          <a:prstGeom prst="rect">
-            <a:avLst/>
-          </a:prstGeom>
-          <a:effectLst/>
-        </p:spPr>
-      </p:pic>
-    </p:spTree>
-    <p:extLst>
-      <p:ext uri="{BB962C8B-B14F-4D97-AF65-F5344CB8AC3E}">
-        <p14:creationId xmlns:p14="http://schemas.microsoft.com/office/powerpoint/2010/main" val="3903180212"/>
-      </p:ext>
-    </p:extLst>
-  </p:cSld>
-  <p:clrMapOvr>
-    <a:masterClrMapping/>
-  </p:clrMapOvr>
-  <p:transition>
-    <p:fade/>
-  </p:transition>
-</p:sld>
-</file>
-
-<file path=ppt/slides/slide8.xml><?xml version="1.0" encoding="utf-8"?>
-<p:sld xmlns:a="http://schemas.openxmlformats.org/drawingml/2006/main" xmlns:r="http://schemas.openxmlformats.org/officeDocument/2006/relationships" xmlns:p="http://schemas.openxmlformats.org/presentationml/2006/main">
-  <p:cSld>
-    <p:spTree>
-      <p:nvGrpSpPr>
-        <p:cNvPr id="1" name=""/>
-        <p:cNvGrpSpPr/>
-        <p:nvPr/>
-      </p:nvGrpSpPr>
-      <p:grpSpPr>
-        <a:xfrm>
-          <a:off x="0" y="0"/>
-          <a:ext cx="0" cy="0"/>
-          <a:chOff x="0" y="0"/>
-          <a:chExt cx="0" cy="0"/>
-        </a:xfrm>
-      </p:grpSpPr>
-      <p:sp>
-        <p:nvSpPr>
           <p:cNvPr id="2" name="Title 1">
             <a:extLst>
               <a:ext uri="{FF2B5EF4-FFF2-40B4-BE49-F238E27FC236}">
@@ -18714,37 +18246,54 @@
           </a:bodyPr>
           <a:lstStyle/>
           <a:p>
-            <a:r>
-              <a:rPr lang="en-US" sz="2000"/>
+            <a:pPr marL="342900" indent="-338328">
+              <a:buFont typeface="Arial" panose="020B0604020202020204" pitchFamily="34" charset="0"/>
+              <a:buChar char="•"/>
+            </a:pPr>
+            <a:r>
+              <a:rPr lang="en-US" sz="2000" dirty="0"/>
               <a:t>App authenticates current user with Azure AD</a:t>
             </a:r>
           </a:p>
           <a:p>
-            <a:r>
-              <a:rPr lang="en-US" sz="2000"/>
+            <a:pPr marL="342900" indent="-338328">
+              <a:buFont typeface="Arial" panose="020B0604020202020204" pitchFamily="34" charset="0"/>
+              <a:buChar char="•"/>
+            </a:pPr>
+            <a:r>
+              <a:rPr lang="en-US" sz="2000" dirty="0"/>
               <a:t>Your code accesses Power BI Service as current user</a:t>
             </a:r>
           </a:p>
           <a:p>
-            <a:r>
-              <a:rPr lang="en-US" sz="2000"/>
+            <a:pPr marL="342900" indent="-338328">
+              <a:buFont typeface="Arial" panose="020B0604020202020204" pitchFamily="34" charset="0"/>
+              <a:buChar char="•"/>
+            </a:pPr>
+            <a:r>
+              <a:rPr lang="en-US" sz="2000" dirty="0"/>
               <a:t>Embedding requires Azure AD access token for user</a:t>
             </a:r>
           </a:p>
           <a:p>
-            <a:r>
-              <a:rPr lang="en-US" sz="2000"/>
+            <a:pPr marL="342900" indent="-338328">
+              <a:buFont typeface="Arial" panose="020B0604020202020204" pitchFamily="34" charset="0"/>
+              <a:buChar char="•"/>
+            </a:pPr>
+            <a:r>
+              <a:rPr lang="en-US" sz="2000" dirty="0"/>
               <a:t>User requires Azure AD account and Power BI license</a:t>
             </a:r>
           </a:p>
           <a:p>
-            <a:r>
-              <a:rPr lang="en-US" sz="2000"/>
+            <a:pPr marL="342900" indent="-338328">
+              <a:buFont typeface="Arial" panose="020B0604020202020204" pitchFamily="34" charset="0"/>
+              <a:buChar char="•"/>
+            </a:pPr>
+            <a:r>
+              <a:rPr lang="en-US" sz="2000" dirty="0"/>
               <a:t>Your code has access to whatever user has access to</a:t>
             </a:r>
-          </a:p>
-          <a:p>
-            <a:endParaRPr lang="en-US" sz="2000"/>
           </a:p>
         </p:txBody>
       </p:sp>
@@ -18797,7 +18346,7 @@
 </p:sld>
 </file>
 
-<file path=ppt/slides/slide9.xml><?xml version="1.0" encoding="utf-8"?>
+<file path=ppt/slides/slide8.xml><?xml version="1.0" encoding="utf-8"?>
 <p:sld xmlns:a="http://schemas.openxmlformats.org/drawingml/2006/main" xmlns:r="http://schemas.openxmlformats.org/officeDocument/2006/relationships" xmlns:p="http://schemas.openxmlformats.org/presentationml/2006/main">
   <p:cSld>
     <p:spTree>
@@ -18856,64 +18405,6 @@
           </a:p>
         </p:txBody>
       </p:sp>
-      <p:sp>
-        <p:nvSpPr>
-          <p:cNvPr id="3" name="Content Placeholder 2">
-            <a:extLst>
-              <a:ext uri="{FF2B5EF4-FFF2-40B4-BE49-F238E27FC236}">
-                <a16:creationId xmlns:a16="http://schemas.microsoft.com/office/drawing/2014/main" id="{828CFE44-D3D4-4AEA-9007-95FC2C08EAA5}"/>
-              </a:ext>
-            </a:extLst>
-          </p:cNvPr>
-          <p:cNvSpPr>
-            <a:spLocks noGrp="1"/>
-          </p:cNvSpPr>
-          <p:nvPr>
-            <p:ph sz="half" idx="1"/>
-          </p:nvPr>
-        </p:nvSpPr>
-        <p:spPr/>
-        <p:txBody>
-          <a:bodyPr vert="horz" lIns="91440" tIns="45720" rIns="91440" bIns="45720" rtlCol="0">
-            <a:normAutofit/>
-          </a:bodyPr>
-          <a:lstStyle/>
-          <a:p>
-            <a:r>
-              <a:rPr lang="en-US" sz="1700" b="1"/>
-              <a:t>App authenticates using Master User Account</a:t>
-            </a:r>
-          </a:p>
-          <a:p>
-            <a:pPr marL="800100" lvl="1"/>
-            <a:r>
-              <a:rPr lang="en-US" sz="1700" spc="200"/>
-              <a:t>Your code accesses Power BI Service as master user</a:t>
-            </a:r>
-          </a:p>
-          <a:p>
-            <a:pPr marL="800100" lvl="1"/>
-            <a:r>
-              <a:rPr lang="en-US" sz="1700" spc="200"/>
-              <a:t>Embedding uses embed token instead of access token</a:t>
-            </a:r>
-          </a:p>
-          <a:p>
-            <a:pPr marL="800100" lvl="1"/>
-            <a:r>
-              <a:rPr lang="en-US" sz="1700" spc="200"/>
-              <a:t>Users don’t need AAD accounts and Power BI licenses</a:t>
-            </a:r>
-          </a:p>
-          <a:p>
-            <a:pPr marL="800100" lvl="1"/>
-            <a:r>
-              <a:rPr lang="en-US" sz="1700" spc="200"/>
-              <a:t>Your code has access to whatever master has access to</a:t>
-            </a:r>
-          </a:p>
-        </p:txBody>
-      </p:sp>
       <p:pic>
         <p:nvPicPr>
           <p:cNvPr id="7" name="Content Placeholder 6">
@@ -18938,7 +18429,7 @@
         </p:blipFill>
         <p:spPr>
           <a:xfrm>
-            <a:off x="3119717" y="4456708"/>
+            <a:off x="3505200" y="3733358"/>
             <a:ext cx="5181600" cy="1769617"/>
           </a:xfrm>
           <a:prstGeom prst="rect">
@@ -18947,10 +18438,549 @@
           <a:effectLst/>
         </p:spPr>
       </p:pic>
+      <p:sp>
+        <p:nvSpPr>
+          <p:cNvPr id="5" name="Content Placeholder 3">
+            <a:extLst>
+              <a:ext uri="{FF2B5EF4-FFF2-40B4-BE49-F238E27FC236}">
+                <a16:creationId xmlns:a16="http://schemas.microsoft.com/office/drawing/2014/main" id="{C4F2A7AB-91F2-4614-A5A7-551B2AC9B7C3}"/>
+              </a:ext>
+            </a:extLst>
+          </p:cNvPr>
+          <p:cNvSpPr txBox="1">
+            <a:spLocks/>
+          </p:cNvSpPr>
+          <p:nvPr/>
+        </p:nvSpPr>
+        <p:spPr>
+          <a:xfrm>
+            <a:off x="269239" y="1189177"/>
+            <a:ext cx="11653523" cy="2052030"/>
+          </a:xfrm>
+        </p:spPr>
+        <p:txBody>
+          <a:bodyPr vert="horz" wrap="square" lIns="91440" tIns="45720" rIns="91440" bIns="45720" rtlCol="0">
+            <a:normAutofit/>
+          </a:bodyPr>
+          <a:lstStyle>
+            <a:defPPr>
+              <a:defRPr lang="en-US"/>
+            </a:defPPr>
+            <a:lvl1pPr marL="285750" marR="0" indent="-336145" defTabSz="914367" fontAlgn="auto">
+              <a:lnSpc>
+                <a:spcPct val="90000"/>
+              </a:lnSpc>
+              <a:spcBef>
+                <a:spcPct val="20000"/>
+              </a:spcBef>
+              <a:spcAft>
+                <a:spcPts val="0"/>
+              </a:spcAft>
+              <a:buClrTx/>
+              <a:buSzPct val="90000"/>
+              <a:buFont typeface="Arial" pitchFamily="34" charset="0"/>
+              <a:buChar char="•"/>
+              <a:tabLst/>
+              <a:defRPr sz="2000" spc="200" baseline="0">
+                <a:gradFill>
+                  <a:gsLst>
+                    <a:gs pos="1250">
+                      <a:schemeClr val="tx1"/>
+                    </a:gs>
+                    <a:gs pos="100000">
+                      <a:schemeClr val="tx1"/>
+                    </a:gs>
+                  </a:gsLst>
+                  <a:lin ang="5400000" scaled="0"/>
+                </a:gradFill>
+                <a:latin typeface="+mj-lt"/>
+              </a:defRPr>
+            </a:lvl1pPr>
+            <a:lvl2pPr marL="572691" marR="0" indent="-236546" defTabSz="914367" fontAlgn="auto">
+              <a:lnSpc>
+                <a:spcPct val="90000"/>
+              </a:lnSpc>
+              <a:spcBef>
+                <a:spcPct val="20000"/>
+              </a:spcBef>
+              <a:spcAft>
+                <a:spcPts val="0"/>
+              </a:spcAft>
+              <a:buClrTx/>
+              <a:buSzPct val="90000"/>
+              <a:buFont typeface="Arial" pitchFamily="34" charset="0"/>
+              <a:buChar char="•"/>
+              <a:tabLst/>
+              <a:defRPr sz="2353" spc="0" baseline="0">
+                <a:gradFill>
+                  <a:gsLst>
+                    <a:gs pos="1250">
+                      <a:schemeClr val="tx1"/>
+                    </a:gs>
+                    <a:gs pos="100000">
+                      <a:schemeClr val="tx1"/>
+                    </a:gs>
+                  </a:gsLst>
+                  <a:lin ang="5400000" scaled="0"/>
+                </a:gradFill>
+              </a:defRPr>
+            </a:lvl2pPr>
+            <a:lvl3pPr marL="784338" marR="0" indent="-224097" defTabSz="914367" fontAlgn="auto">
+              <a:lnSpc>
+                <a:spcPct val="90000"/>
+              </a:lnSpc>
+              <a:spcBef>
+                <a:spcPct val="20000"/>
+              </a:spcBef>
+              <a:spcAft>
+                <a:spcPts val="0"/>
+              </a:spcAft>
+              <a:buClrTx/>
+              <a:buSzPct val="90000"/>
+              <a:buFont typeface="Arial" pitchFamily="34" charset="0"/>
+              <a:buChar char="•"/>
+              <a:tabLst/>
+              <a:defRPr sz="1961" spc="0" baseline="0">
+                <a:gradFill>
+                  <a:gsLst>
+                    <a:gs pos="1250">
+                      <a:schemeClr val="tx1"/>
+                    </a:gs>
+                    <a:gs pos="100000">
+                      <a:schemeClr val="tx1"/>
+                    </a:gs>
+                  </a:gsLst>
+                  <a:lin ang="5400000" scaled="0"/>
+                </a:gradFill>
+              </a:defRPr>
+            </a:lvl3pPr>
+            <a:lvl4pPr marL="1008435" marR="0" indent="-224097" defTabSz="914367" fontAlgn="auto">
+              <a:lnSpc>
+                <a:spcPct val="90000"/>
+              </a:lnSpc>
+              <a:spcBef>
+                <a:spcPct val="20000"/>
+              </a:spcBef>
+              <a:spcAft>
+                <a:spcPts val="0"/>
+              </a:spcAft>
+              <a:buClrTx/>
+              <a:buSzPct val="90000"/>
+              <a:buFont typeface="Arial" pitchFamily="34" charset="0"/>
+              <a:buChar char="•"/>
+              <a:tabLst/>
+              <a:defRPr sz="1765" spc="0" baseline="0">
+                <a:gradFill>
+                  <a:gsLst>
+                    <a:gs pos="1250">
+                      <a:schemeClr val="tx1"/>
+                    </a:gs>
+                    <a:gs pos="100000">
+                      <a:schemeClr val="tx1"/>
+                    </a:gs>
+                  </a:gsLst>
+                  <a:lin ang="5400000" scaled="0"/>
+                </a:gradFill>
+              </a:defRPr>
+            </a:lvl4pPr>
+            <a:lvl5pPr marL="1232531" marR="0" indent="-224097" defTabSz="914367" fontAlgn="auto">
+              <a:lnSpc>
+                <a:spcPct val="90000"/>
+              </a:lnSpc>
+              <a:spcBef>
+                <a:spcPct val="20000"/>
+              </a:spcBef>
+              <a:spcAft>
+                <a:spcPts val="0"/>
+              </a:spcAft>
+              <a:buClrTx/>
+              <a:buSzPct val="90000"/>
+              <a:buFont typeface="Arial" pitchFamily="34" charset="0"/>
+              <a:buChar char="•"/>
+              <a:tabLst/>
+              <a:defRPr sz="1765" spc="0" baseline="0">
+                <a:gradFill>
+                  <a:gsLst>
+                    <a:gs pos="1250">
+                      <a:schemeClr val="tx1"/>
+                    </a:gs>
+                    <a:gs pos="100000">
+                      <a:schemeClr val="tx1"/>
+                    </a:gs>
+                  </a:gsLst>
+                  <a:lin ang="5400000" scaled="0"/>
+                </a:gradFill>
+              </a:defRPr>
+            </a:lvl5pPr>
+            <a:lvl6pPr marL="2514509" indent="-228592" defTabSz="914367">
+              <a:spcBef>
+                <a:spcPct val="20000"/>
+              </a:spcBef>
+              <a:buFont typeface="Arial" pitchFamily="34" charset="0"/>
+              <a:buChar char="•"/>
+              <a:defRPr sz="1961"/>
+            </a:lvl6pPr>
+            <a:lvl7pPr marL="2971693" indent="-228592" defTabSz="914367">
+              <a:spcBef>
+                <a:spcPct val="20000"/>
+              </a:spcBef>
+              <a:buFont typeface="Arial" pitchFamily="34" charset="0"/>
+              <a:buChar char="•"/>
+              <a:defRPr sz="1961"/>
+            </a:lvl7pPr>
+            <a:lvl8pPr marL="3428877" indent="-228592" defTabSz="914367">
+              <a:spcBef>
+                <a:spcPct val="20000"/>
+              </a:spcBef>
+              <a:buFont typeface="Arial" pitchFamily="34" charset="0"/>
+              <a:buChar char="•"/>
+              <a:defRPr sz="1961"/>
+            </a:lvl8pPr>
+            <a:lvl9pPr marL="3886061" indent="-228592" defTabSz="914367">
+              <a:spcBef>
+                <a:spcPct val="20000"/>
+              </a:spcBef>
+              <a:buFont typeface="Arial" pitchFamily="34" charset="0"/>
+              <a:buChar char="•"/>
+              <a:defRPr sz="1961"/>
+            </a:lvl9pPr>
+          </a:lstStyle>
+          <a:p>
+            <a:pPr marL="0" indent="-237744">
+              <a:spcBef>
+                <a:spcPts val="0"/>
+              </a:spcBef>
+            </a:pPr>
+            <a:r>
+              <a:rPr lang="en-US" spc="0" dirty="0"/>
+              <a:t>App authenticates using Master User Account</a:t>
+            </a:r>
+          </a:p>
+          <a:p>
+            <a:pPr marL="0" lvl="1"/>
+            <a:r>
+              <a:rPr lang="en-US" sz="2000" dirty="0">
+                <a:latin typeface="+mj-lt"/>
+              </a:rPr>
+              <a:t>Your code accesses Power BI Service as master user</a:t>
+            </a:r>
+          </a:p>
+          <a:p>
+            <a:pPr marL="0" lvl="1"/>
+            <a:r>
+              <a:rPr lang="en-US" sz="2000" dirty="0">
+                <a:latin typeface="+mj-lt"/>
+              </a:rPr>
+              <a:t>Embedding uses embed token instead of access token</a:t>
+            </a:r>
+          </a:p>
+          <a:p>
+            <a:pPr marL="0" lvl="1"/>
+            <a:r>
+              <a:rPr lang="en-US" sz="2000" dirty="0">
+                <a:latin typeface="+mj-lt"/>
+              </a:rPr>
+              <a:t>Users don’t need AAD accounts and Power BI licenses</a:t>
+            </a:r>
+          </a:p>
+          <a:p>
+            <a:pPr marL="0" lvl="1"/>
+            <a:r>
+              <a:rPr lang="en-US" sz="2000" dirty="0">
+                <a:latin typeface="+mj-lt"/>
+              </a:rPr>
+              <a:t>Your code has access to whatever master has access to</a:t>
+            </a:r>
+          </a:p>
+        </p:txBody>
+      </p:sp>
     </p:spTree>
     <p:extLst>
       <p:ext uri="{BB962C8B-B14F-4D97-AF65-F5344CB8AC3E}">
         <p14:creationId xmlns:p14="http://schemas.microsoft.com/office/powerpoint/2010/main" val="893466603"/>
+      </p:ext>
+    </p:extLst>
+  </p:cSld>
+  <p:clrMapOvr>
+    <a:masterClrMapping/>
+  </p:clrMapOvr>
+</p:sld>
+</file>
+
+<file path=ppt/slides/slide9.xml><?xml version="1.0" encoding="utf-8"?>
+<p:sld xmlns:a="http://schemas.openxmlformats.org/drawingml/2006/main" xmlns:r="http://schemas.openxmlformats.org/officeDocument/2006/relationships" xmlns:p="http://schemas.openxmlformats.org/presentationml/2006/main">
+  <p:cSld>
+    <p:spTree>
+      <p:nvGrpSpPr>
+        <p:cNvPr id="1" name=""/>
+        <p:cNvGrpSpPr/>
+        <p:nvPr/>
+      </p:nvGrpSpPr>
+      <p:grpSpPr>
+        <a:xfrm>
+          <a:off x="0" y="0"/>
+          <a:ext cx="0" cy="0"/>
+          <a:chOff x="0" y="0"/>
+          <a:chExt cx="0" cy="0"/>
+        </a:xfrm>
+      </p:grpSpPr>
+      <p:sp>
+        <p:nvSpPr>
+          <p:cNvPr id="3" name="Text Placeholder 2">
+            <a:extLst>
+              <a:ext uri="{FF2B5EF4-FFF2-40B4-BE49-F238E27FC236}">
+                <a16:creationId xmlns:a16="http://schemas.microsoft.com/office/drawing/2014/main" id="{8E61C59B-7135-44A5-BDA5-915623729B3F}"/>
+              </a:ext>
+            </a:extLst>
+          </p:cNvPr>
+          <p:cNvSpPr>
+            <a:spLocks noGrp="1"/>
+          </p:cNvSpPr>
+          <p:nvPr>
+            <p:ph type="body" idx="1"/>
+          </p:nvPr>
+        </p:nvSpPr>
+        <p:spPr>
+          <a:xfrm>
+            <a:off x="269240" y="1681163"/>
+            <a:ext cx="5728335" cy="823912"/>
+          </a:xfrm>
+        </p:spPr>
+        <p:txBody>
+          <a:bodyPr/>
+          <a:lstStyle/>
+          <a:p>
+            <a:r>
+              <a:rPr lang="en-US" dirty="0"/>
+              <a:t>What scenarios use first party embedding?</a:t>
+            </a:r>
+          </a:p>
+        </p:txBody>
+      </p:sp>
+      <p:sp>
+        <p:nvSpPr>
+          <p:cNvPr id="4" name="Content Placeholder 3">
+            <a:extLst>
+              <a:ext uri="{FF2B5EF4-FFF2-40B4-BE49-F238E27FC236}">
+                <a16:creationId xmlns:a16="http://schemas.microsoft.com/office/drawing/2014/main" id="{BFC68C1C-0B2A-440E-962D-C5C0F542E8EB}"/>
+              </a:ext>
+            </a:extLst>
+          </p:cNvPr>
+          <p:cNvSpPr>
+            <a:spLocks noGrp="1"/>
+          </p:cNvSpPr>
+          <p:nvPr>
+            <p:ph sz="half" idx="2"/>
+          </p:nvPr>
+        </p:nvSpPr>
+        <p:spPr>
+          <a:xfrm>
+            <a:off x="269240" y="2505075"/>
+            <a:ext cx="5728335" cy="3684588"/>
+          </a:xfrm>
+        </p:spPr>
+        <p:txBody>
+          <a:bodyPr/>
+          <a:lstStyle/>
+          <a:p>
+            <a:pPr marL="384048" lvl="1" indent="-182880">
+              <a:buFont typeface="Calibri" pitchFamily="34" charset="0"/>
+              <a:buChar char="◦"/>
+            </a:pPr>
+            <a:r>
+              <a:rPr lang="en-US" sz="2000" dirty="0">
+                <a:solidFill>
+                  <a:schemeClr val="tx2"/>
+                </a:solidFill>
+              </a:rPr>
+              <a:t>Organizations where users have Power BI licenses</a:t>
+            </a:r>
+          </a:p>
+          <a:p>
+            <a:pPr marL="384048" lvl="1" indent="-182880">
+              <a:buFont typeface="Calibri" pitchFamily="34" charset="0"/>
+              <a:buChar char="◦"/>
+            </a:pPr>
+            <a:r>
+              <a:rPr lang="en-US" sz="2000" dirty="0">
+                <a:solidFill>
+                  <a:schemeClr val="tx2"/>
+                </a:solidFill>
+              </a:rPr>
+              <a:t>Embedding Power BI reports in SharePoint and Teams</a:t>
+            </a:r>
+          </a:p>
+          <a:p>
+            <a:pPr marL="384048" lvl="1" indent="-182880">
+              <a:buFont typeface="Calibri" pitchFamily="34" charset="0"/>
+              <a:buChar char="◦"/>
+            </a:pPr>
+            <a:r>
+              <a:rPr lang="en-US" sz="2000" dirty="0">
+                <a:solidFill>
+                  <a:schemeClr val="tx2"/>
+                </a:solidFill>
+              </a:rPr>
+              <a:t>Development should go beyond out-of-box experience</a:t>
+            </a:r>
+          </a:p>
+          <a:p>
+            <a:endParaRPr lang="en-US" dirty="0"/>
+          </a:p>
+        </p:txBody>
+      </p:sp>
+      <p:sp>
+        <p:nvSpPr>
+          <p:cNvPr id="5" name="Text Placeholder 4">
+            <a:extLst>
+              <a:ext uri="{FF2B5EF4-FFF2-40B4-BE49-F238E27FC236}">
+                <a16:creationId xmlns:a16="http://schemas.microsoft.com/office/drawing/2014/main" id="{D4636895-B908-49D1-9DFF-A2841D9A409D}"/>
+              </a:ext>
+            </a:extLst>
+          </p:cNvPr>
+          <p:cNvSpPr>
+            <a:spLocks noGrp="1"/>
+          </p:cNvSpPr>
+          <p:nvPr>
+            <p:ph type="body" sz="quarter" idx="3"/>
+          </p:nvPr>
+        </p:nvSpPr>
+        <p:spPr>
+          <a:xfrm>
+            <a:off x="6172200" y="1681163"/>
+            <a:ext cx="5750560" cy="823912"/>
+          </a:xfrm>
+        </p:spPr>
+        <p:txBody>
+          <a:bodyPr/>
+          <a:lstStyle/>
+          <a:p>
+            <a:r>
+              <a:rPr lang="en-US" dirty="0">
+                <a:solidFill>
+                  <a:schemeClr val="tx2"/>
+                </a:solidFill>
+              </a:rPr>
+              <a:t>What scenarios use third party embedding?</a:t>
+            </a:r>
+          </a:p>
+        </p:txBody>
+      </p:sp>
+      <p:sp>
+        <p:nvSpPr>
+          <p:cNvPr id="6" name="Content Placeholder 5">
+            <a:extLst>
+              <a:ext uri="{FF2B5EF4-FFF2-40B4-BE49-F238E27FC236}">
+                <a16:creationId xmlns:a16="http://schemas.microsoft.com/office/drawing/2014/main" id="{976746D2-A84C-4140-86F3-48477DBF59B3}"/>
+              </a:ext>
+            </a:extLst>
+          </p:cNvPr>
+          <p:cNvSpPr>
+            <a:spLocks noGrp="1"/>
+          </p:cNvSpPr>
+          <p:nvPr>
+            <p:ph sz="quarter" idx="4"/>
+          </p:nvPr>
+        </p:nvSpPr>
+        <p:spPr>
+          <a:xfrm>
+            <a:off x="6172200" y="2505075"/>
+            <a:ext cx="5750560" cy="3684588"/>
+          </a:xfrm>
+        </p:spPr>
+        <p:txBody>
+          <a:bodyPr/>
+          <a:lstStyle/>
+          <a:p>
+            <a:pPr marL="384048" lvl="1" indent="-182880">
+              <a:buFont typeface="Calibri" pitchFamily="34" charset="0"/>
+              <a:buChar char="◦"/>
+            </a:pPr>
+            <a:r>
+              <a:rPr lang="en-US" sz="2000" dirty="0">
+                <a:solidFill>
+                  <a:schemeClr val="tx2"/>
+                </a:solidFill>
+              </a:rPr>
+              <a:t>Scenarios where users don’t have Power BI licenses</a:t>
+            </a:r>
+          </a:p>
+          <a:p>
+            <a:pPr marL="384048" lvl="1" indent="-182880">
+              <a:buFont typeface="Calibri" pitchFamily="34" charset="0"/>
+              <a:buChar char="◦"/>
+            </a:pPr>
+            <a:r>
+              <a:rPr lang="en-US" sz="2000" dirty="0">
+                <a:solidFill>
+                  <a:schemeClr val="tx2"/>
+                </a:solidFill>
+              </a:rPr>
+              <a:t>Applications which have custom identity providers</a:t>
+            </a:r>
+          </a:p>
+          <a:p>
+            <a:pPr marL="384048" lvl="1" indent="-182880">
+              <a:buFont typeface="Calibri" pitchFamily="34" charset="0"/>
+              <a:buChar char="◦"/>
+            </a:pPr>
+            <a:r>
+              <a:rPr lang="en-US" sz="2000" dirty="0">
+                <a:solidFill>
+                  <a:schemeClr val="tx2"/>
+                </a:solidFill>
+              </a:rPr>
+              <a:t>Applications which use identity provider other than AAD</a:t>
+            </a:r>
+          </a:p>
+        </p:txBody>
+      </p:sp>
+      <p:sp>
+        <p:nvSpPr>
+          <p:cNvPr id="9" name="Title 1">
+            <a:extLst>
+              <a:ext uri="{FF2B5EF4-FFF2-40B4-BE49-F238E27FC236}">
+                <a16:creationId xmlns:a16="http://schemas.microsoft.com/office/drawing/2014/main" id="{ADAA064D-A17E-4D21-9705-AF7F5C9D58A9}"/>
+              </a:ext>
+            </a:extLst>
+          </p:cNvPr>
+          <p:cNvSpPr>
+            <a:spLocks noGrp="1"/>
+          </p:cNvSpPr>
+          <p:nvPr>
+            <p:ph type="title"/>
+          </p:nvPr>
+        </p:nvSpPr>
+        <p:spPr>
+          <a:xfrm>
+            <a:off x="269240" y="289511"/>
+            <a:ext cx="11655840" cy="899665"/>
+          </a:xfrm>
+        </p:spPr>
+        <p:txBody>
+          <a:bodyPr vert="horz" lIns="91440" tIns="45720" rIns="91440" bIns="45720" rtlCol="0" anchor="ctr">
+            <a:normAutofit/>
+          </a:bodyPr>
+          <a:lstStyle/>
+          <a:p>
+            <a:r>
+              <a:rPr lang="en-US" sz="4400" kern="1200" dirty="0">
+                <a:solidFill>
+                  <a:schemeClr val="tx1"/>
+                </a:solidFill>
+                <a:latin typeface="+mn-lt"/>
+                <a:ea typeface="+mj-ea"/>
+                <a:cs typeface="+mj-cs"/>
+              </a:rPr>
+              <a:t>First Party vs Third Party Embedding</a:t>
+            </a:r>
+          </a:p>
+        </p:txBody>
+      </p:sp>
+    </p:spTree>
+    <p:extLst>
+      <p:ext uri="{BB962C8B-B14F-4D97-AF65-F5344CB8AC3E}">
+        <p14:creationId xmlns:p14="http://schemas.microsoft.com/office/powerpoint/2010/main" val="998052266"/>
       </p:ext>
     </p:extLst>
   </p:cSld>
@@ -19835,6 +19865,15 @@
 </file>
 
 <file path=customXml/item2.xml><?xml version="1.0" encoding="utf-8"?>
+<?mso-contentType ?>
+<FormTemplates xmlns="http://schemas.microsoft.com/sharepoint/v3/contenttype/forms">
+  <Display>DocumentLibraryForm</Display>
+  <Edit>DocumentLibraryForm</Edit>
+  <New>DocumentLibraryForm</New>
+</FormTemplates>
+</file>
+
+<file path=customXml/item3.xml><?xml version="1.0" encoding="utf-8"?>
 <ct:contentTypeSchema xmlns:ct="http://schemas.microsoft.com/office/2006/metadata/contentType" xmlns:ma="http://schemas.microsoft.com/office/2006/metadata/properties/metaAttributes" ct:_="" ma:_="" ma:contentTypeName="Document" ma:contentTypeID="0x010100D15DFA3690A15B4081582BBCC6BEAC3E" ma:contentTypeVersion="9" ma:contentTypeDescription="Create a new document." ma:contentTypeScope="" ma:versionID="642da1784587cbe85a7fdbbe4dc36103">
   <xsd:schema xmlns:xsd="http://www.w3.org/2001/XMLSchema" xmlns:xs="http://www.w3.org/2001/XMLSchema" xmlns:p="http://schemas.microsoft.com/office/2006/metadata/properties" xmlns:ns1="http://schemas.microsoft.com/sharepoint/v3" xmlns:ns2="2023ac63-7b75-4916-a9ee-591457758eee" xmlns:ns3="d9c797ad-d7c3-4982-82b7-81352a75e4a5" targetNamespace="http://schemas.microsoft.com/office/2006/metadata/properties" ma:root="true" ma:fieldsID="91198b0246576053cc55dd2c67035a89" ns1:_="" ns2:_="" ns3:_="">
     <xsd:import namespace="http://schemas.microsoft.com/sharepoint/v3"/>
@@ -20036,15 +20075,6 @@
 </ct:contentTypeSchema>
 </file>
 
-<file path=customXml/item3.xml><?xml version="1.0" encoding="utf-8"?>
-<?mso-contentType ?>
-<FormTemplates xmlns="http://schemas.microsoft.com/sharepoint/v3/contenttype/forms">
-  <Display>DocumentLibraryForm</Display>
-  <Edit>DocumentLibraryForm</Edit>
-  <New>DocumentLibraryForm</New>
-</FormTemplates>
-</file>
-
 <file path=customXml/itemProps1.xml><?xml version="1.0" encoding="utf-8"?>
 <ds:datastoreItem xmlns:ds="http://schemas.openxmlformats.org/officeDocument/2006/customXml" ds:itemID="{BAF7D529-36AB-45DA-B239-2F912F2D1610}">
   <ds:schemaRefs>
@@ -20064,6 +20094,14 @@
 </file>
 
 <file path=customXml/itemProps2.xml><?xml version="1.0" encoding="utf-8"?>
+<ds:datastoreItem xmlns:ds="http://schemas.openxmlformats.org/officeDocument/2006/customXml" ds:itemID="{F18501AF-04CF-4482-BAE1-607B49DDC378}">
+  <ds:schemaRefs>
+    <ds:schemaRef ds:uri="http://schemas.microsoft.com/sharepoint/v3/contenttype/forms"/>
+  </ds:schemaRefs>
+</ds:datastoreItem>
+</file>
+
+<file path=customXml/itemProps3.xml><?xml version="1.0" encoding="utf-8"?>
 <ds:datastoreItem xmlns:ds="http://schemas.openxmlformats.org/officeDocument/2006/customXml" ds:itemID="{255F5BEB-6AD6-480A-8556-C80C5EBC10F2}">
   <ds:schemaRefs>
     <ds:schemaRef ds:uri="http://schemas.microsoft.com/office/2006/metadata/contentType"/>
@@ -20081,12 +20119,4 @@
     <ds:schemaRef ds:uri="http://schemas.microsoft.com/internal/obd"/>
   </ds:schemaRefs>
 </ds:datastoreItem>
-</file>
-
-<file path=customXml/itemProps3.xml><?xml version="1.0" encoding="utf-8"?>
-<ds:datastoreItem xmlns:ds="http://schemas.openxmlformats.org/officeDocument/2006/customXml" ds:itemID="{F18501AF-04CF-4482-BAE1-607B49DDC378}">
-  <ds:schemaRefs>
-    <ds:schemaRef ds:uri="http://schemas.microsoft.com/sharepoint/v3/contenttype/forms"/>
-  </ds:schemaRefs>
-</ds:datastoreItem>
 </file>
--- a/4. Hands-on Modules/Embedding/1. What is Power BI Embedded.pptx
+++ b/4. Hands-on Modules/Embedding/1. What is Power BI Embedded.pptx
@@ -228,7 +228,7 @@
           <a:p>
             <a:fld id="{52A13B17-C506-4D51-BB37-16B365906619}" type="datetimeFigureOut">
               <a:rPr lang="en-US" smtClean="0"/>
-              <a:t>2/27/2019</a:t>
+              <a:t>3/4/2019</a:t>
             </a:fld>
             <a:endParaRPr lang="en-US"/>
           </a:p>
@@ -777,7 +777,7 @@
           <a:p>
             <a:fld id="{35A2D088-BDBD-41A5-ADCE-5C6A4DC08057}" type="datetime8">
               <a:rPr lang="en-US" smtClean="0"/>
-              <a:t>2/27/2019 10:02 PM</a:t>
+              <a:t>3/4/2019 12:35 PM</a:t>
             </a:fld>
             <a:endParaRPr lang="en-US" dirty="0"/>
           </a:p>
@@ -1129,7 +1129,7 @@
           <a:p>
             <a:fld id="{35A2D088-BDBD-41A5-ADCE-5C6A4DC08057}" type="datetime8">
               <a:rPr lang="en-US" smtClean="0"/>
-              <a:t>2/27/2019 10:02 PM</a:t>
+              <a:t>3/4/2019 12:35 PM</a:t>
             </a:fld>
             <a:endParaRPr lang="en-US" dirty="0"/>
           </a:p>
@@ -1310,7 +1310,7 @@
           <a:p>
             <a:fld id="{35A2D088-BDBD-41A5-ADCE-5C6A4DC08057}" type="datetime8">
               <a:rPr lang="en-US" smtClean="0"/>
-              <a:t>2/27/2019 10:02 PM</a:t>
+              <a:t>3/4/2019 12:35 PM</a:t>
             </a:fld>
             <a:endParaRPr lang="en-US" dirty="0"/>
           </a:p>
@@ -1460,7 +1460,7 @@
                   <a:prstClr val="black"/>
                 </a:solidFill>
               </a:rPr>
-              <a:t>2/27/2019 10:02 PM</a:t>
+              <a:t>3/4/2019 12:35 PM</a:t>
             </a:fld>
             <a:endParaRPr lang="en-US" dirty="0">
               <a:solidFill>
@@ -11606,7 +11606,7 @@
             <a:fld id="{2E809A50-B28D-413A-915D-87F91E5248C6}" type="datetimeFigureOut">
               <a:rPr lang="en-US" smtClean="0"/>
               <a:pPr/>
-              <a:t>2/27/2019</a:t>
+              <a:t>3/4/2019</a:t>
             </a:fld>
             <a:endParaRPr lang="en-US"/>
           </a:p>
@@ -11793,7 +11793,7 @@
           <a:p>
             <a:fld id="{1279C872-40C5-4778-A459-913B2790679C}" type="datetimeFigureOut">
               <a:rPr lang="en-US" smtClean="0"/>
-              <a:t>2/27/2019</a:t>
+              <a:t>3/4/2019</a:t>
             </a:fld>
             <a:endParaRPr lang="en-US"/>
           </a:p>
@@ -12058,7 +12058,7 @@
           <a:p>
             <a:fld id="{1279C872-40C5-4778-A459-913B2790679C}" type="datetimeFigureOut">
               <a:rPr lang="en-US" smtClean="0"/>
-              <a:t>2/27/2019</a:t>
+              <a:t>3/4/2019</a:t>
             </a:fld>
             <a:endParaRPr lang="en-US"/>
           </a:p>
@@ -12470,7 +12470,7 @@
           <a:p>
             <a:fld id="{1279C872-40C5-4778-A459-913B2790679C}" type="datetimeFigureOut">
               <a:rPr lang="en-US" smtClean="0"/>
-              <a:t>2/27/2019</a:t>
+              <a:t>3/4/2019</a:t>
             </a:fld>
             <a:endParaRPr lang="en-US"/>
           </a:p>
@@ -14866,33 +14866,10 @@
                 <a:solidFill>
                   <a:schemeClr val="tx1"/>
                 </a:solidFill>
-                <a:latin typeface="+mn-lt"/>
                 <a:ea typeface="+mj-ea"/>
                 <a:cs typeface="+mj-cs"/>
               </a:rPr>
-              <a:t>First Party vs Third Party Embedding </a:t>
-            </a:r>
-            <a:r>
-              <a:rPr lang="en-US" sz="4400" kern="1200" dirty="0" err="1">
-                <a:solidFill>
-                  <a:schemeClr val="tx1"/>
-                </a:solidFill>
-                <a:latin typeface="+mn-lt"/>
-                <a:ea typeface="+mj-ea"/>
-                <a:cs typeface="+mj-cs"/>
-              </a:rPr>
-              <a:t>Cont</a:t>
-            </a:r>
-            <a:r>
-              <a:rPr lang="en-US" sz="4400" kern="1200" dirty="0">
-                <a:solidFill>
-                  <a:schemeClr val="tx1"/>
-                </a:solidFill>
-                <a:latin typeface="+mn-lt"/>
-                <a:ea typeface="+mj-ea"/>
-                <a:cs typeface="+mj-cs"/>
-              </a:rPr>
-              <a:t>…</a:t>
+              <a:t>First Party vs Third Party Embedding Continued</a:t>
             </a:r>
           </a:p>
         </p:txBody>
@@ -14910,12 +14887,16 @@
             <a:graphicFrameLocks/>
           </p:cNvGraphicFramePr>
           <p:nvPr>
-            <p:extLst/>
+            <p:extLst>
+              <p:ext uri="{D42A27DB-BD31-4B8C-83A1-F6EECF244321}">
+                <p14:modId xmlns:p14="http://schemas.microsoft.com/office/powerpoint/2010/main" val="2768189859"/>
+              </p:ext>
+            </p:extLst>
           </p:nvPr>
         </p:nvGraphicFramePr>
         <p:xfrm>
-          <a:off x="1158240" y="2467758"/>
-          <a:ext cx="9875521" cy="3084539"/>
+          <a:off x="1158240" y="1795405"/>
+          <a:ext cx="9875521" cy="4135386"/>
         </p:xfrm>
         <a:graphic>
           <a:graphicData uri="http://schemas.openxmlformats.org/drawingml/2006/table">
@@ -14952,36 +14933,38 @@
                     <a:bodyPr/>
                     <a:lstStyle/>
                     <a:p>
-                      <a:endParaRPr lang="en-US" sz="1700"/>
+                      <a:endParaRPr lang="en-US" sz="2000" dirty="0"/>
                     </a:p>
                   </a:txBody>
-                  <a:tcPr marL="111799" marR="111799" marT="55899" marB="55899"/>
+                  <a:tcPr marL="111799" marR="111799" marT="55899" marB="55899" anchor="ctr"/>
                 </a:tc>
                 <a:tc>
                   <a:txBody>
                     <a:bodyPr/>
                     <a:lstStyle/>
                     <a:p>
+                      <a:pPr algn="ctr"/>
                       <a:r>
-                        <a:rPr lang="en-US" sz="1700"/>
+                        <a:rPr lang="en-US" sz="2000"/>
                         <a:t>1st Part Embedding</a:t>
                       </a:r>
                     </a:p>
                   </a:txBody>
-                  <a:tcPr marL="111799" marR="111799" marT="55899" marB="55899"/>
+                  <a:tcPr marL="111799" marR="111799" marT="55899" marB="55899" anchor="ctr"/>
                 </a:tc>
                 <a:tc>
                   <a:txBody>
                     <a:bodyPr/>
                     <a:lstStyle/>
                     <a:p>
+                      <a:pPr algn="ctr"/>
                       <a:r>
-                        <a:rPr lang="en-US" sz="1700"/>
+                        <a:rPr lang="en-US" sz="2000"/>
                         <a:t>3rd Party Embedding</a:t>
                       </a:r>
                     </a:p>
                   </a:txBody>
-                  <a:tcPr marL="111799" marR="111799" marT="55899" marB="55899"/>
+                  <a:tcPr marL="111799" marR="111799" marT="55899" marB="55899" anchor="ctr"/>
                 </a:tc>
                 <a:extLst>
                   <a:ext uri="{0D108BD9-81ED-4DB2-BD59-A6C34878D82A}">
@@ -14996,38 +14979,40 @@
                     <a:lstStyle/>
                     <a:p>
                       <a:r>
-                        <a:rPr lang="en-US" sz="1700" dirty="0"/>
+                        <a:rPr lang="en-US" sz="2000" dirty="0"/>
                         <a:t>Authentication flow</a:t>
                       </a:r>
                     </a:p>
                   </a:txBody>
-                  <a:tcPr marL="111799" marR="111799" marT="55899" marB="55899"/>
+                  <a:tcPr marL="111799" marR="111799" marT="55899" marB="55899" anchor="ctr"/>
                 </a:tc>
                 <a:tc>
                   <a:txBody>
                     <a:bodyPr/>
                     <a:lstStyle/>
                     <a:p>
+                      <a:pPr algn="ctr"/>
                       <a:r>
-                        <a:rPr lang="en-US" sz="1700"/>
+                        <a:rPr lang="en-US" sz="2000"/>
                         <a:t>Authentication Code Grant Flow or Implicit Flow</a:t>
                       </a:r>
                     </a:p>
                   </a:txBody>
-                  <a:tcPr marL="111799" marR="111799" marT="55899" marB="55899"/>
+                  <a:tcPr marL="111799" marR="111799" marT="55899" marB="55899" anchor="ctr"/>
                 </a:tc>
                 <a:tc>
                   <a:txBody>
                     <a:bodyPr/>
                     <a:lstStyle/>
                     <a:p>
+                      <a:pPr algn="ctr"/>
                       <a:r>
-                        <a:rPr lang="en-US" sz="1700"/>
+                        <a:rPr lang="en-US" sz="2000"/>
                         <a:t>Direct User Credentials</a:t>
                       </a:r>
                     </a:p>
                   </a:txBody>
-                  <a:tcPr marL="111799" marR="111799" marT="55899" marB="55899"/>
+                  <a:tcPr marL="111799" marR="111799" marT="55899" marB="55899" anchor="ctr"/>
                 </a:tc>
                 <a:extLst>
                   <a:ext uri="{0D108BD9-81ED-4DB2-BD59-A6C34878D82A}">
@@ -15042,43 +15027,45 @@
                     <a:lstStyle/>
                     <a:p>
                       <a:r>
-                        <a:rPr lang="en-US" sz="1700"/>
+                        <a:rPr lang="en-US" sz="2000"/>
                         <a:t>I</a:t>
                       </a:r>
                       <a:r>
-                        <a:rPr lang="en-US" sz="1700" baseline="0"/>
+                        <a:rPr lang="en-US" sz="2000" baseline="0"/>
                         <a:t>dentity used to call Power BI</a:t>
                       </a:r>
-                      <a:endParaRPr lang="en-US" sz="1700"/>
+                      <a:endParaRPr lang="en-US" sz="2000"/>
                     </a:p>
                   </a:txBody>
-                  <a:tcPr marL="111799" marR="111799" marT="55899" marB="55899"/>
+                  <a:tcPr marL="111799" marR="111799" marT="55899" marB="55899" anchor="ctr"/>
                 </a:tc>
                 <a:tc>
                   <a:txBody>
                     <a:bodyPr/>
                     <a:lstStyle/>
                     <a:p>
+                      <a:pPr algn="ctr"/>
                       <a:r>
-                        <a:rPr lang="en-US" sz="1700"/>
+                        <a:rPr lang="en-US" sz="2000"/>
                         <a:t>Current User</a:t>
                       </a:r>
                     </a:p>
                   </a:txBody>
-                  <a:tcPr marL="111799" marR="111799" marT="55899" marB="55899"/>
+                  <a:tcPr marL="111799" marR="111799" marT="55899" marB="55899" anchor="ctr"/>
                 </a:tc>
                 <a:tc>
                   <a:txBody>
                     <a:bodyPr/>
                     <a:lstStyle/>
                     <a:p>
+                      <a:pPr algn="ctr"/>
                       <a:r>
-                        <a:rPr lang="en-US" sz="1700"/>
+                        <a:rPr lang="en-US" sz="2000"/>
                         <a:t>Master User Account</a:t>
                       </a:r>
                     </a:p>
                   </a:txBody>
-                  <a:tcPr marL="111799" marR="111799" marT="55899" marB="55899"/>
+                  <a:tcPr marL="111799" marR="111799" marT="55899" marB="55899" anchor="ctr"/>
                 </a:tc>
                 <a:extLst>
                   <a:ext uri="{0D108BD9-81ED-4DB2-BD59-A6C34878D82A}">
@@ -15093,38 +15080,40 @@
                     <a:lstStyle/>
                     <a:p>
                       <a:r>
-                        <a:rPr lang="en-US" sz="1700"/>
+                        <a:rPr lang="en-US" sz="2000"/>
                         <a:t>Access to personal workspace</a:t>
                       </a:r>
                     </a:p>
                   </a:txBody>
-                  <a:tcPr marL="111799" marR="111799" marT="55899" marB="55899"/>
+                  <a:tcPr marL="111799" marR="111799" marT="55899" marB="55899" anchor="ctr"/>
                 </a:tc>
                 <a:tc>
                   <a:txBody>
                     <a:bodyPr/>
                     <a:lstStyle/>
                     <a:p>
+                      <a:pPr algn="ctr"/>
                       <a:r>
-                        <a:rPr lang="en-US" sz="1700"/>
+                        <a:rPr lang="en-US" sz="2000"/>
                         <a:t>Yes</a:t>
                       </a:r>
                     </a:p>
                   </a:txBody>
-                  <a:tcPr marL="111799" marR="111799" marT="55899" marB="55899"/>
+                  <a:tcPr marL="111799" marR="111799" marT="55899" marB="55899" anchor="ctr"/>
                 </a:tc>
                 <a:tc>
                   <a:txBody>
                     <a:bodyPr/>
                     <a:lstStyle/>
                     <a:p>
+                      <a:pPr algn="ctr"/>
                       <a:r>
-                        <a:rPr lang="en-US" sz="1700"/>
+                        <a:rPr lang="en-US" sz="2000"/>
                         <a:t>No</a:t>
                       </a:r>
                     </a:p>
                   </a:txBody>
-                  <a:tcPr marL="111799" marR="111799" marT="55899" marB="55899"/>
+                  <a:tcPr marL="111799" marR="111799" marT="55899" marB="55899" anchor="ctr"/>
                 </a:tc>
                 <a:extLst>
                   <a:ext uri="{0D108BD9-81ED-4DB2-BD59-A6C34878D82A}">
@@ -15139,38 +15128,40 @@
                     <a:lstStyle/>
                     <a:p>
                       <a:r>
-                        <a:rPr lang="en-US" sz="1700"/>
+                        <a:rPr lang="en-US" sz="2000" dirty="0"/>
                         <a:t>Access to app workspaces</a:t>
                       </a:r>
                     </a:p>
                   </a:txBody>
-                  <a:tcPr marL="111799" marR="111799" marT="55899" marB="55899"/>
+                  <a:tcPr marL="111799" marR="111799" marT="55899" marB="55899" anchor="ctr"/>
                 </a:tc>
                 <a:tc>
                   <a:txBody>
                     <a:bodyPr/>
                     <a:lstStyle/>
                     <a:p>
+                      <a:pPr algn="ctr"/>
                       <a:r>
-                        <a:rPr lang="en-US" sz="1700"/>
+                        <a:rPr lang="en-US" sz="2000"/>
                         <a:t>Yes</a:t>
                       </a:r>
                     </a:p>
                   </a:txBody>
-                  <a:tcPr marL="111799" marR="111799" marT="55899" marB="55899"/>
+                  <a:tcPr marL="111799" marR="111799" marT="55899" marB="55899" anchor="ctr"/>
                 </a:tc>
                 <a:tc>
                   <a:txBody>
                     <a:bodyPr/>
                     <a:lstStyle/>
                     <a:p>
+                      <a:pPr algn="ctr"/>
                       <a:r>
-                        <a:rPr lang="en-US" sz="1700"/>
+                        <a:rPr lang="en-US" sz="2000"/>
                         <a:t>Yes</a:t>
                       </a:r>
                     </a:p>
                   </a:txBody>
-                  <a:tcPr marL="111799" marR="111799" marT="55899" marB="55899"/>
+                  <a:tcPr marL="111799" marR="111799" marT="55899" marB="55899" anchor="ctr"/>
                 </a:tc>
                 <a:extLst>
                   <a:ext uri="{0D108BD9-81ED-4DB2-BD59-A6C34878D82A}">
@@ -15185,43 +15176,45 @@
                     <a:lstStyle/>
                     <a:p>
                       <a:r>
-                        <a:rPr lang="en-US" sz="1700"/>
+                        <a:rPr lang="en-US" sz="2000"/>
                         <a:t>Ability</a:t>
                       </a:r>
                       <a:r>
-                        <a:rPr lang="en-US" sz="1700" baseline="0"/>
+                        <a:rPr lang="en-US" sz="2000" baseline="0"/>
                         <a:t> to reach non-licensed users</a:t>
                       </a:r>
-                      <a:endParaRPr lang="en-US" sz="1700"/>
+                      <a:endParaRPr lang="en-US" sz="2000"/>
                     </a:p>
                   </a:txBody>
-                  <a:tcPr marL="111799" marR="111799" marT="55899" marB="55899"/>
+                  <a:tcPr marL="111799" marR="111799" marT="55899" marB="55899" anchor="ctr"/>
                 </a:tc>
                 <a:tc>
                   <a:txBody>
                     <a:bodyPr/>
                     <a:lstStyle/>
                     <a:p>
+                      <a:pPr algn="ctr"/>
                       <a:r>
-                        <a:rPr lang="en-US" sz="1700"/>
+                        <a:rPr lang="en-US" sz="2000"/>
                         <a:t>No</a:t>
                       </a:r>
                     </a:p>
                   </a:txBody>
-                  <a:tcPr marL="111799" marR="111799" marT="55899" marB="55899"/>
+                  <a:tcPr marL="111799" marR="111799" marT="55899" marB="55899" anchor="ctr"/>
                 </a:tc>
                 <a:tc>
                   <a:txBody>
                     <a:bodyPr/>
                     <a:lstStyle/>
                     <a:p>
+                      <a:pPr algn="ctr"/>
                       <a:r>
-                        <a:rPr lang="en-US" sz="1700"/>
+                        <a:rPr lang="en-US" sz="2000"/>
                         <a:t>Yes</a:t>
                       </a:r>
                     </a:p>
                   </a:txBody>
-                  <a:tcPr marL="111799" marR="111799" marT="55899" marB="55899"/>
+                  <a:tcPr marL="111799" marR="111799" marT="55899" marB="55899" anchor="ctr"/>
                 </a:tc>
                 <a:extLst>
                   <a:ext uri="{0D108BD9-81ED-4DB2-BD59-A6C34878D82A}">
@@ -15236,38 +15229,40 @@
                     <a:lstStyle/>
                     <a:p>
                       <a:r>
-                        <a:rPr lang="en-US" sz="1700"/>
+                        <a:rPr lang="en-US" sz="2000"/>
                         <a:t>Supported Power BI Capacity SKUs</a:t>
                       </a:r>
                     </a:p>
                   </a:txBody>
-                  <a:tcPr marL="111799" marR="111799" marT="55899" marB="55899"/>
+                  <a:tcPr marL="111799" marR="111799" marT="55899" marB="55899" anchor="ctr"/>
                 </a:tc>
                 <a:tc>
                   <a:txBody>
                     <a:bodyPr/>
                     <a:lstStyle/>
                     <a:p>
+                      <a:pPr algn="ctr"/>
                       <a:r>
-                        <a:rPr lang="en-US" sz="1700"/>
+                        <a:rPr lang="en-US" sz="2000" dirty="0"/>
                         <a:t>P* and EM* SKUs</a:t>
                       </a:r>
                     </a:p>
                   </a:txBody>
-                  <a:tcPr marL="111799" marR="111799" marT="55899" marB="55899"/>
+                  <a:tcPr marL="111799" marR="111799" marT="55899" marB="55899" anchor="ctr"/>
                 </a:tc>
                 <a:tc>
                   <a:txBody>
                     <a:bodyPr/>
                     <a:lstStyle/>
                     <a:p>
+                      <a:pPr algn="ctr"/>
                       <a:r>
-                        <a:rPr lang="en-US" sz="1700" dirty="0"/>
+                        <a:rPr lang="en-US" sz="2000" dirty="0"/>
                         <a:t>P*, EM* and A* SKUs</a:t>
                       </a:r>
                     </a:p>
                   </a:txBody>
-                  <a:tcPr marL="111799" marR="111799" marT="55899" marB="55899"/>
+                  <a:tcPr marL="111799" marR="111799" marT="55899" marB="55899" anchor="ctr"/>
                 </a:tc>
                 <a:extLst>
                   <a:ext uri="{0D108BD9-81ED-4DB2-BD59-A6C34878D82A}">
@@ -16418,56 +16413,6 @@
               </a:rPr>
               <a:t>. There are client libraries available for multiple platforms.</a:t>
             </a:r>
-          </a:p>
-        </p:txBody>
-      </p:sp>
-      <p:sp>
-        <p:nvSpPr>
-          <p:cNvPr id="8" name="Content Placeholder 7">
-            <a:extLst>
-              <a:ext uri="{FF2B5EF4-FFF2-40B4-BE49-F238E27FC236}">
-                <a16:creationId xmlns:a16="http://schemas.microsoft.com/office/drawing/2014/main" id="{D2047C62-C4AA-4ED4-A2CC-9B33FC6067FC}"/>
-              </a:ext>
-            </a:extLst>
-          </p:cNvPr>
-          <p:cNvSpPr>
-            <a:spLocks noGrp="1"/>
-          </p:cNvSpPr>
-          <p:nvPr>
-            <p:ph sz="quarter" idx="4"/>
-          </p:nvPr>
-        </p:nvSpPr>
-        <p:spPr/>
-        <p:txBody>
-          <a:bodyPr/>
-          <a:lstStyle/>
-          <a:p>
-            <a:endParaRPr lang="en-US"/>
-          </a:p>
-        </p:txBody>
-      </p:sp>
-      <p:sp>
-        <p:nvSpPr>
-          <p:cNvPr id="9" name="Text Placeholder 8">
-            <a:extLst>
-              <a:ext uri="{FF2B5EF4-FFF2-40B4-BE49-F238E27FC236}">
-                <a16:creationId xmlns:a16="http://schemas.microsoft.com/office/drawing/2014/main" id="{6F6531E7-035A-46F9-8D87-227C25738393}"/>
-              </a:ext>
-            </a:extLst>
-          </p:cNvPr>
-          <p:cNvSpPr>
-            <a:spLocks noGrp="1"/>
-          </p:cNvSpPr>
-          <p:nvPr>
-            <p:ph type="body" sz="quarter" idx="3"/>
-          </p:nvPr>
-        </p:nvSpPr>
-        <p:spPr/>
-        <p:txBody>
-          <a:bodyPr/>
-          <a:lstStyle/>
-          <a:p>
-            <a:endParaRPr lang="en-US"/>
           </a:p>
         </p:txBody>
       </p:sp>
@@ -17638,7 +17583,7 @@
             <p:ph idx="1"/>
             <p:extLst>
               <p:ext uri="{D42A27DB-BD31-4B8C-83A1-F6EECF244321}">
-                <p14:modId xmlns:p14="http://schemas.microsoft.com/office/powerpoint/2010/main" val="3542688197"/>
+                <p14:modId xmlns:p14="http://schemas.microsoft.com/office/powerpoint/2010/main" val="887046309"/>
               </p:ext>
             </p:extLst>
           </p:nvPr>
@@ -17706,9 +17651,6 @@
                         <a:rPr lang="en-US" sz="1800" dirty="0"/>
                         <a:t>Embedding Power BI Content</a:t>
                       </a:r>
-                    </a:p>
-                    <a:p>
-                      <a:endParaRPr lang="en-US" sz="1800" dirty="0"/>
                     </a:p>
                   </a:txBody>
                   <a:tcPr marL="90647" marR="90647" marT="45324" marB="45324" anchor="ctr"/>
@@ -17791,56 +17733,78 @@
           <a:p>
             <a:pPr marL="285750"/>
             <a:r>
-              <a:rPr lang="en-US" sz="2000" spc="200" dirty="0"/>
+              <a:rPr lang="en-US" sz="2000" spc="200" dirty="0">
+                <a:latin typeface="+mn-lt"/>
+              </a:rPr>
               <a:t>Accessible by making direct REST calls against service</a:t>
             </a:r>
           </a:p>
           <a:p>
             <a:pPr marL="285750"/>
             <a:r>
-              <a:rPr lang="en-US" sz="2000" spc="200" dirty="0"/>
+              <a:rPr lang="en-US" sz="2000" spc="200" dirty="0">
+                <a:latin typeface="+mn-lt"/>
+              </a:rPr>
               <a:t>Accessible by using assembly DLL that abstracts away REST calls</a:t>
             </a:r>
           </a:p>
           <a:p>
             <a:pPr marL="285750"/>
             <a:r>
-              <a:rPr lang="en-US" sz="2000" spc="200" dirty="0"/>
+              <a:rPr lang="en-US" sz="2000" spc="200" dirty="0">
+                <a:latin typeface="+mn-lt"/>
+              </a:rPr>
               <a:t>Assembly DLL is named </a:t>
             </a:r>
             <a:r>
-              <a:rPr lang="en-US" sz="2000" spc="200" dirty="0" err="1"/>
+              <a:rPr lang="en-US" sz="2000" spc="200" dirty="0" err="1">
+                <a:latin typeface="+mn-lt"/>
+              </a:rPr>
               <a:t>microsoft.Powerbi.Api.Dll</a:t>
             </a:r>
-            <a:endParaRPr lang="en-US" sz="2000" spc="200" dirty="0"/>
+            <a:endParaRPr lang="en-US" sz="2000" spc="200" dirty="0">
+              <a:latin typeface="+mn-lt"/>
+            </a:endParaRPr>
           </a:p>
           <a:p>
             <a:pPr marL="285750"/>
             <a:r>
-              <a:rPr lang="en-US" sz="2000" spc="200" dirty="0"/>
+              <a:rPr lang="en-US" sz="2000" spc="200" dirty="0">
+                <a:latin typeface="+mn-lt"/>
+              </a:rPr>
               <a:t>Assembly DLL part of </a:t>
             </a:r>
             <a:r>
-              <a:rPr lang="en-US" sz="2000" spc="200" dirty="0" err="1"/>
+              <a:rPr lang="en-US" sz="2000" spc="200" dirty="0" err="1">
+                <a:latin typeface="+mn-lt"/>
+              </a:rPr>
               <a:t>nuget</a:t>
             </a:r>
             <a:r>
-              <a:rPr lang="en-US" sz="2000" spc="200" dirty="0"/>
+              <a:rPr lang="en-US" sz="2000" spc="200" dirty="0">
+                <a:latin typeface="+mn-lt"/>
+              </a:rPr>
               <a:t> package (</a:t>
             </a:r>
             <a:r>
-              <a:rPr lang="en-US" sz="2000" b="1" spc="200" dirty="0" err="1"/>
+              <a:rPr lang="en-US" sz="2000" b="1" spc="200" dirty="0" err="1">
+                <a:latin typeface="+mn-lt"/>
+              </a:rPr>
               <a:t>microsoft.Powerbi.Api</a:t>
             </a:r>
             <a:r>
-              <a:rPr lang="en-US" sz="2000" spc="200" dirty="0"/>
+              <a:rPr lang="en-US" sz="2000" spc="200" dirty="0">
+                <a:latin typeface="+mn-lt"/>
+              </a:rPr>
               <a:t>)</a:t>
             </a:r>
           </a:p>
           <a:p>
             <a:pPr marL="285750"/>
             <a:r>
-              <a:rPr lang="en-US" sz="2000" spc="200" dirty="0"/>
+              <a:rPr lang="en-US" sz="2000" spc="200" dirty="0">
+                <a:latin typeface="+mn-lt"/>
+              </a:rPr>
               <a:t>Calling service requires authentication with azure active directory</a:t>
             </a:r>
           </a:p>
@@ -17870,16 +17834,13 @@
           <a:lstStyle/>
           <a:p>
             <a:r>
-              <a:rPr lang="en-US" sz="4400" b="1" dirty="0">
-                <a:latin typeface="+mn-lt"/>
-              </a:rPr>
+              <a:rPr lang="en-US" sz="4400" b="1" dirty="0"/>
               <a:t>Using the Power BI Service API</a:t>
             </a:r>
             <a:endParaRPr lang="en-US" sz="4400" kern="1200" dirty="0">
               <a:solidFill>
                 <a:schemeClr val="tx1"/>
               </a:solidFill>
-              <a:latin typeface="+mn-lt"/>
               <a:ea typeface="+mj-ea"/>
               <a:cs typeface="+mj-cs"/>
             </a:endParaRPr>
@@ -17983,7 +17944,9 @@
               <a:buAutoNum type="arabicPeriod"/>
             </a:pPr>
             <a:r>
-              <a:rPr lang="en-US" sz="2000" dirty="0"/>
+              <a:rPr lang="en-US" sz="2000" dirty="0">
+                <a:latin typeface="+mn-lt"/>
+              </a:rPr>
               <a:t>User launches your app using a browser</a:t>
             </a:r>
           </a:p>
@@ -17996,7 +17959,9 @@
               <a:buAutoNum type="arabicPeriod"/>
             </a:pPr>
             <a:r>
-              <a:rPr lang="en-US" sz="2000" dirty="0"/>
+              <a:rPr lang="en-US" sz="2000" dirty="0">
+                <a:latin typeface="+mn-lt"/>
+              </a:rPr>
               <a:t>App authenticates with azure active directory and obtains access token </a:t>
             </a:r>
           </a:p>
@@ -18009,7 +17974,9 @@
               <a:buAutoNum type="arabicPeriod"/>
             </a:pPr>
             <a:r>
-              <a:rPr lang="en-US" sz="2000" dirty="0"/>
+              <a:rPr lang="en-US" sz="2000" dirty="0">
+                <a:latin typeface="+mn-lt"/>
+              </a:rPr>
               <a:t>App uses access token to call to power BI service API</a:t>
             </a:r>
           </a:p>
@@ -18022,7 +17989,9 @@
               <a:buAutoNum type="arabicPeriod"/>
             </a:pPr>
             <a:r>
-              <a:rPr lang="en-US" sz="2000" dirty="0"/>
+              <a:rPr lang="en-US" sz="2000" dirty="0">
+                <a:latin typeface="+mn-lt"/>
+              </a:rPr>
               <a:t>App retrieves data for embedded resource and passes it to browser.</a:t>
             </a:r>
           </a:p>
@@ -18035,7 +18004,9 @@
               <a:buAutoNum type="arabicPeriod"/>
             </a:pPr>
             <a:r>
-              <a:rPr lang="en-US" sz="2000" dirty="0"/>
+              <a:rPr lang="en-US" sz="2000" dirty="0">
+                <a:latin typeface="+mn-lt"/>
+              </a:rPr>
               <a:t>Client-side code uses Power BI JavaScript API to create embedded resource</a:t>
             </a:r>
           </a:p>
@@ -18048,7 +18019,9 @@
               <a:buAutoNum type="arabicPeriod"/>
             </a:pPr>
             <a:r>
-              <a:rPr lang="en-US" sz="2000" dirty="0"/>
+              <a:rPr lang="en-US" sz="2000" dirty="0">
+                <a:latin typeface="+mn-lt"/>
+              </a:rPr>
               <a:t>Embedded resource session created between browser and power BI service</a:t>
             </a:r>
           </a:p>
@@ -18082,7 +18055,6 @@
                 <a:solidFill>
                   <a:schemeClr val="tx1"/>
                 </a:solidFill>
-                <a:latin typeface="+mn-lt"/>
                 <a:ea typeface="+mj-ea"/>
                 <a:cs typeface="+mj-cs"/>
               </a:rPr>
@@ -18091,68 +18063,89 @@
           </a:p>
         </p:txBody>
       </p:sp>
-      <p:pic>
-        <p:nvPicPr>
-          <p:cNvPr id="11" name="Content Placeholder 7">
+      <p:grpSp>
+        <p:nvGrpSpPr>
+          <p:cNvPr id="3" name="Group 2">
             <a:extLst>
               <a:ext uri="{FF2B5EF4-FFF2-40B4-BE49-F238E27FC236}">
-                <a16:creationId xmlns:a16="http://schemas.microsoft.com/office/drawing/2014/main" id="{48A200A6-5BD3-489F-A0F4-7EF19324883A}"/>
+                <a16:creationId xmlns:a16="http://schemas.microsoft.com/office/drawing/2014/main" id="{CB2E0DE9-3E67-4EE3-BEB4-AE7632EE06F7}"/>
               </a:ext>
             </a:extLst>
           </p:cNvPr>
-          <p:cNvPicPr>
-            <a:picLocks noChangeAspect="1"/>
-          </p:cNvPicPr>
+          <p:cNvGrpSpPr/>
           <p:nvPr/>
-        </p:nvPicPr>
-        <p:blipFill>
-          <a:blip r:embed="rId3"/>
-          <a:stretch>
-            <a:fillRect/>
-          </a:stretch>
-        </p:blipFill>
-        <p:spPr>
+        </p:nvGrpSpPr>
+        <p:grpSpPr>
           <a:xfrm>
-            <a:off x="5588029" y="3569978"/>
-            <a:ext cx="5614835" cy="2414379"/>
+            <a:off x="1240880" y="3209362"/>
+            <a:ext cx="9710241" cy="3135609"/>
+            <a:chOff x="1492623" y="3209362"/>
+            <a:chExt cx="9710241" cy="3135609"/>
           </a:xfrm>
-          <a:prstGeom prst="rect">
-            <a:avLst/>
-          </a:prstGeom>
-          <a:effectLst/>
-        </p:spPr>
-      </p:pic>
-      <p:pic>
-        <p:nvPicPr>
-          <p:cNvPr id="5" name="Content Placeholder 4">
-            <a:extLst>
-              <a:ext uri="{FF2B5EF4-FFF2-40B4-BE49-F238E27FC236}">
-                <a16:creationId xmlns:a16="http://schemas.microsoft.com/office/drawing/2014/main" id="{FA82D964-9870-4331-A240-7B79B6718155}"/>
-              </a:ext>
-            </a:extLst>
-          </p:cNvPr>
-          <p:cNvPicPr>
-            <a:picLocks noChangeAspect="1"/>
-          </p:cNvPicPr>
-          <p:nvPr/>
-        </p:nvPicPr>
-        <p:blipFill>
-          <a:blip r:embed="rId4"/>
-          <a:stretch>
-            <a:fillRect/>
-          </a:stretch>
-        </p:blipFill>
-        <p:spPr>
-          <a:xfrm>
-            <a:off x="887506" y="3209364"/>
-            <a:ext cx="3603812" cy="3135609"/>
-          </a:xfrm>
-          <a:prstGeom prst="rect">
-            <a:avLst/>
-          </a:prstGeom>
-          <a:effectLst/>
-        </p:spPr>
-      </p:pic>
+        </p:grpSpPr>
+        <p:pic>
+          <p:nvPicPr>
+            <p:cNvPr id="11" name="Content Placeholder 7">
+              <a:extLst>
+                <a:ext uri="{FF2B5EF4-FFF2-40B4-BE49-F238E27FC236}">
+                  <a16:creationId xmlns:a16="http://schemas.microsoft.com/office/drawing/2014/main" id="{48A200A6-5BD3-489F-A0F4-7EF19324883A}"/>
+                </a:ext>
+              </a:extLst>
+            </p:cNvPr>
+            <p:cNvPicPr>
+              <a:picLocks noChangeAspect="1"/>
+            </p:cNvPicPr>
+            <p:nvPr/>
+          </p:nvPicPr>
+          <p:blipFill>
+            <a:blip r:embed="rId3"/>
+            <a:stretch>
+              <a:fillRect/>
+            </a:stretch>
+          </p:blipFill>
+          <p:spPr>
+            <a:xfrm>
+              <a:off x="5588029" y="3569978"/>
+              <a:ext cx="5614835" cy="2414379"/>
+            </a:xfrm>
+            <a:prstGeom prst="rect">
+              <a:avLst/>
+            </a:prstGeom>
+            <a:effectLst/>
+          </p:spPr>
+        </p:pic>
+        <p:pic>
+          <p:nvPicPr>
+            <p:cNvPr id="5" name="Content Placeholder 4">
+              <a:extLst>
+                <a:ext uri="{FF2B5EF4-FFF2-40B4-BE49-F238E27FC236}">
+                  <a16:creationId xmlns:a16="http://schemas.microsoft.com/office/drawing/2014/main" id="{FA82D964-9870-4331-A240-7B79B6718155}"/>
+                </a:ext>
+              </a:extLst>
+            </p:cNvPr>
+            <p:cNvPicPr>
+              <a:picLocks noChangeAspect="1"/>
+            </p:cNvPicPr>
+            <p:nvPr/>
+          </p:nvPicPr>
+          <p:blipFill>
+            <a:blip r:embed="rId4"/>
+            <a:stretch>
+              <a:fillRect/>
+            </a:stretch>
+          </p:blipFill>
+          <p:spPr>
+            <a:xfrm>
+              <a:off x="1492623" y="3209362"/>
+              <a:ext cx="3603812" cy="3135609"/>
+            </a:xfrm>
+            <a:prstGeom prst="rect">
+              <a:avLst/>
+            </a:prstGeom>
+            <a:effectLst/>
+          </p:spPr>
+        </p:pic>
+      </p:grpSp>
     </p:spTree>
     <p:extLst>
       <p:ext uri="{BB962C8B-B14F-4D97-AF65-F5344CB8AC3E}">
@@ -18214,7 +18207,6 @@
                 <a:solidFill>
                   <a:schemeClr val="tx1"/>
                 </a:solidFill>
-                <a:latin typeface="+mn-lt"/>
                 <a:ea typeface="+mj-ea"/>
                 <a:cs typeface="+mj-cs"/>
               </a:rPr>
@@ -18251,7 +18243,9 @@
               <a:buChar char="•"/>
             </a:pPr>
             <a:r>
-              <a:rPr lang="en-US" sz="2000" dirty="0"/>
+              <a:rPr lang="en-US" sz="2000" dirty="0">
+                <a:latin typeface="+mn-lt"/>
+              </a:rPr>
               <a:t>App authenticates current user with Azure AD</a:t>
             </a:r>
           </a:p>
@@ -18261,7 +18255,9 @@
               <a:buChar char="•"/>
             </a:pPr>
             <a:r>
-              <a:rPr lang="en-US" sz="2000" dirty="0"/>
+              <a:rPr lang="en-US" sz="2000" dirty="0">
+                <a:latin typeface="+mn-lt"/>
+              </a:rPr>
               <a:t>Your code accesses Power BI Service as current user</a:t>
             </a:r>
           </a:p>
@@ -18271,7 +18267,9 @@
               <a:buChar char="•"/>
             </a:pPr>
             <a:r>
-              <a:rPr lang="en-US" sz="2000" dirty="0"/>
+              <a:rPr lang="en-US" sz="2000" dirty="0">
+                <a:latin typeface="+mn-lt"/>
+              </a:rPr>
               <a:t>Embedding requires Azure AD access token for user</a:t>
             </a:r>
           </a:p>
@@ -18281,7 +18279,9 @@
               <a:buChar char="•"/>
             </a:pPr>
             <a:r>
-              <a:rPr lang="en-US" sz="2000" dirty="0"/>
+              <a:rPr lang="en-US" sz="2000" dirty="0">
+                <a:latin typeface="+mn-lt"/>
+              </a:rPr>
               <a:t>User requires Azure AD account and Power BI license</a:t>
             </a:r>
           </a:p>
@@ -18291,7 +18291,9 @@
               <a:buChar char="•"/>
             </a:pPr>
             <a:r>
-              <a:rPr lang="en-US" sz="2000" dirty="0"/>
+              <a:rPr lang="en-US" sz="2000" dirty="0">
+                <a:latin typeface="+mn-lt"/>
+              </a:rPr>
               <a:t>Your code has access to whatever user has access to</a:t>
             </a:r>
           </a:p>
@@ -18396,7 +18398,6 @@
                 <a:solidFill>
                   <a:schemeClr val="tx1"/>
                 </a:solidFill>
-                <a:latin typeface="+mn-lt"/>
                 <a:ea typeface="+mj-ea"/>
                 <a:cs typeface="+mj-cs"/>
               </a:rPr>
@@ -18652,43 +18653,37 @@
               </a:spcBef>
             </a:pPr>
             <a:r>
-              <a:rPr lang="en-US" spc="0" dirty="0"/>
+              <a:rPr lang="en-US" spc="0" dirty="0">
+                <a:latin typeface="+mn-lt"/>
+              </a:rPr>
               <a:t>App authenticates using Master User Account</a:t>
             </a:r>
           </a:p>
           <a:p>
             <a:pPr marL="0" lvl="1"/>
             <a:r>
-              <a:rPr lang="en-US" sz="2000" dirty="0">
-                <a:latin typeface="+mj-lt"/>
-              </a:rPr>
+              <a:rPr lang="en-US" sz="2000" dirty="0"/>
               <a:t>Your code accesses Power BI Service as master user</a:t>
             </a:r>
           </a:p>
           <a:p>
             <a:pPr marL="0" lvl="1"/>
             <a:r>
-              <a:rPr lang="en-US" sz="2000" dirty="0">
-                <a:latin typeface="+mj-lt"/>
-              </a:rPr>
+              <a:rPr lang="en-US" sz="2000" dirty="0"/>
               <a:t>Embedding uses embed token instead of access token</a:t>
             </a:r>
           </a:p>
           <a:p>
             <a:pPr marL="0" lvl="1"/>
             <a:r>
-              <a:rPr lang="en-US" sz="2000" dirty="0">
-                <a:latin typeface="+mj-lt"/>
-              </a:rPr>
+              <a:rPr lang="en-US" sz="2000" dirty="0"/>
               <a:t>Users don’t need AAD accounts and Power BI licenses</a:t>
             </a:r>
           </a:p>
           <a:p>
             <a:pPr marL="0" lvl="1"/>
             <a:r>
-              <a:rPr lang="en-US" sz="2000" dirty="0">
-                <a:latin typeface="+mj-lt"/>
-              </a:rPr>
+              <a:rPr lang="en-US" sz="2000" dirty="0"/>
               <a:t>Your code has access to whatever master has access to</a:t>
             </a:r>
           </a:p>
@@ -18743,15 +18738,17 @@
         <p:spPr>
           <a:xfrm>
             <a:off x="269240" y="1681163"/>
-            <a:ext cx="5728335" cy="823912"/>
+            <a:ext cx="5728335" cy="461665"/>
           </a:xfrm>
         </p:spPr>
         <p:txBody>
-          <a:bodyPr/>
+          <a:bodyPr anchor="t"/>
           <a:lstStyle/>
           <a:p>
             <a:r>
-              <a:rPr lang="en-US" dirty="0"/>
+              <a:rPr lang="en-US" sz="2000" dirty="0">
+                <a:latin typeface="+mn-lt"/>
+              </a:rPr>
               <a:t>What scenarios use first party embedding?</a:t>
             </a:r>
           </a:p>
@@ -18776,7 +18773,7 @@
         <p:spPr>
           <a:xfrm>
             <a:off x="269240" y="2505075"/>
-            <a:ext cx="5728335" cy="3684588"/>
+            <a:ext cx="5728335" cy="2308324"/>
           </a:xfrm>
         </p:spPr>
         <p:txBody>
@@ -18825,7 +18822,9 @@
             </a:r>
           </a:p>
           <a:p>
-            <a:endParaRPr lang="en-US" dirty="0"/>
+            <a:endParaRPr lang="en-US" sz="2000" dirty="0">
+              <a:latin typeface="+mn-lt"/>
+            </a:endParaRPr>
           </a:p>
         </p:txBody>
       </p:sp>
@@ -18848,18 +18847,19 @@
         <p:spPr>
           <a:xfrm>
             <a:off x="6172200" y="1681163"/>
-            <a:ext cx="5750560" cy="823912"/>
+            <a:ext cx="5750560" cy="461665"/>
           </a:xfrm>
         </p:spPr>
         <p:txBody>
-          <a:bodyPr/>
+          <a:bodyPr anchor="t"/>
           <a:lstStyle/>
           <a:p>
             <a:r>
-              <a:rPr lang="en-US" dirty="0">
+              <a:rPr lang="en-US" sz="2000" dirty="0">
                 <a:solidFill>
                   <a:schemeClr val="tx2"/>
                 </a:solidFill>
+                <a:latin typeface="+mn-lt"/>
               </a:rPr>
               <a:t>What scenarios use third party embedding?</a:t>
             </a:r>
@@ -18885,7 +18885,7 @@
         <p:spPr>
           <a:xfrm>
             <a:off x="6172200" y="2505075"/>
-            <a:ext cx="5750560" cy="3684588"/>
+            <a:ext cx="5750560" cy="1969770"/>
           </a:xfrm>
         </p:spPr>
         <p:txBody>
@@ -18968,7 +18968,6 @@
                 <a:solidFill>
                   <a:schemeClr val="tx1"/>
                 </a:solidFill>
-                <a:latin typeface="+mn-lt"/>
                 <a:ea typeface="+mj-ea"/>
                 <a:cs typeface="+mj-cs"/>
               </a:rPr>
@@ -19865,15 +19864,6 @@
 </file>
 
 <file path=customXml/item2.xml><?xml version="1.0" encoding="utf-8"?>
-<?mso-contentType ?>
-<FormTemplates xmlns="http://schemas.microsoft.com/sharepoint/v3/contenttype/forms">
-  <Display>DocumentLibraryForm</Display>
-  <Edit>DocumentLibraryForm</Edit>
-  <New>DocumentLibraryForm</New>
-</FormTemplates>
-</file>
-
-<file path=customXml/item3.xml><?xml version="1.0" encoding="utf-8"?>
 <ct:contentTypeSchema xmlns:ct="http://schemas.microsoft.com/office/2006/metadata/contentType" xmlns:ma="http://schemas.microsoft.com/office/2006/metadata/properties/metaAttributes" ct:_="" ma:_="" ma:contentTypeName="Document" ma:contentTypeID="0x010100D15DFA3690A15B4081582BBCC6BEAC3E" ma:contentTypeVersion="9" ma:contentTypeDescription="Create a new document." ma:contentTypeScope="" ma:versionID="642da1784587cbe85a7fdbbe4dc36103">
   <xsd:schema xmlns:xsd="http://www.w3.org/2001/XMLSchema" xmlns:xs="http://www.w3.org/2001/XMLSchema" xmlns:p="http://schemas.microsoft.com/office/2006/metadata/properties" xmlns:ns1="http://schemas.microsoft.com/sharepoint/v3" xmlns:ns2="2023ac63-7b75-4916-a9ee-591457758eee" xmlns:ns3="d9c797ad-d7c3-4982-82b7-81352a75e4a5" targetNamespace="http://schemas.microsoft.com/office/2006/metadata/properties" ma:root="true" ma:fieldsID="91198b0246576053cc55dd2c67035a89" ns1:_="" ns2:_="" ns3:_="">
     <xsd:import namespace="http://schemas.microsoft.com/sharepoint/v3"/>
@@ -20075,6 +20065,15 @@
 </ct:contentTypeSchema>
 </file>
 
+<file path=customXml/item3.xml><?xml version="1.0" encoding="utf-8"?>
+<?mso-contentType ?>
+<FormTemplates xmlns="http://schemas.microsoft.com/sharepoint/v3/contenttype/forms">
+  <Display>DocumentLibraryForm</Display>
+  <Edit>DocumentLibraryForm</Edit>
+  <New>DocumentLibraryForm</New>
+</FormTemplates>
+</file>
+
 <file path=customXml/itemProps1.xml><?xml version="1.0" encoding="utf-8"?>
 <ds:datastoreItem xmlns:ds="http://schemas.openxmlformats.org/officeDocument/2006/customXml" ds:itemID="{BAF7D529-36AB-45DA-B239-2F912F2D1610}">
   <ds:schemaRefs>
@@ -20094,14 +20093,6 @@
 </file>
 
 <file path=customXml/itemProps2.xml><?xml version="1.0" encoding="utf-8"?>
-<ds:datastoreItem xmlns:ds="http://schemas.openxmlformats.org/officeDocument/2006/customXml" ds:itemID="{F18501AF-04CF-4482-BAE1-607B49DDC378}">
-  <ds:schemaRefs>
-    <ds:schemaRef ds:uri="http://schemas.microsoft.com/sharepoint/v3/contenttype/forms"/>
-  </ds:schemaRefs>
-</ds:datastoreItem>
-</file>
-
-<file path=customXml/itemProps3.xml><?xml version="1.0" encoding="utf-8"?>
 <ds:datastoreItem xmlns:ds="http://schemas.openxmlformats.org/officeDocument/2006/customXml" ds:itemID="{255F5BEB-6AD6-480A-8556-C80C5EBC10F2}">
   <ds:schemaRefs>
     <ds:schemaRef ds:uri="http://schemas.microsoft.com/office/2006/metadata/contentType"/>
@@ -20119,4 +20110,12 @@
     <ds:schemaRef ds:uri="http://schemas.microsoft.com/internal/obd"/>
   </ds:schemaRefs>
 </ds:datastoreItem>
+</file>
+
+<file path=customXml/itemProps3.xml><?xml version="1.0" encoding="utf-8"?>
+<ds:datastoreItem xmlns:ds="http://schemas.openxmlformats.org/officeDocument/2006/customXml" ds:itemID="{F18501AF-04CF-4482-BAE1-607B49DDC378}">
+  <ds:schemaRefs>
+    <ds:schemaRef ds:uri="http://schemas.microsoft.com/sharepoint/v3/contenttype/forms"/>
+  </ds:schemaRefs>
+</ds:datastoreItem>
 </file>
--- a/4. Hands-on Modules/Embedding/1. What is Power BI Embedded.pptx
+++ b/4. Hands-on Modules/Embedding/1. What is Power BI Embedded.pptx
@@ -13,12 +13,12 @@
     <p:sldId id="312" r:id="rId7"/>
     <p:sldId id="323" r:id="rId8"/>
     <p:sldId id="324" r:id="rId9"/>
-    <p:sldId id="265" r:id="rId10"/>
-    <p:sldId id="325" r:id="rId11"/>
-    <p:sldId id="267" r:id="rId12"/>
-    <p:sldId id="268" r:id="rId13"/>
-    <p:sldId id="275" r:id="rId14"/>
-    <p:sldId id="276" r:id="rId15"/>
+    <p:sldId id="349" r:id="rId10"/>
+    <p:sldId id="350" r:id="rId11"/>
+    <p:sldId id="346" r:id="rId12"/>
+    <p:sldId id="348" r:id="rId13"/>
+    <p:sldId id="347" r:id="rId14"/>
+    <p:sldId id="265" r:id="rId15"/>
     <p:sldId id="339" r:id="rId16"/>
     <p:sldId id="335" r:id="rId17"/>
     <p:sldId id="337" r:id="rId18"/>
@@ -30,7 +30,7 @@
     <p:sldId id="342" r:id="rId24"/>
     <p:sldId id="343" r:id="rId25"/>
     <p:sldId id="333" r:id="rId26"/>
-    <p:sldId id="315" r:id="rId27"/>
+    <p:sldId id="345" r:id="rId27"/>
   </p:sldIdLst>
   <p:sldSz cx="12192000" cy="6858000"/>
   <p:notesSz cx="6858000" cy="9144000"/>
@@ -777,7 +777,7 @@
           <a:p>
             <a:fld id="{35A2D088-BDBD-41A5-ADCE-5C6A4DC08057}" type="datetime8">
               <a:rPr lang="en-US" smtClean="0"/>
-              <a:t>3/4/2019 12:35 PM</a:t>
+              <a:t>3/4/2019 7:05 PM</a:t>
             </a:fld>
             <a:endParaRPr lang="en-US" dirty="0"/>
           </a:p>
@@ -948,21 +948,18 @@
           <a:bodyPr/>
           <a:lstStyle/>
           <a:p>
-            <a:r>
-              <a:rPr lang="en-US" dirty="0"/>
-              <a:t>https://docs.microsoft.com/en-us/power-bi/developer/embedding</a:t>
-            </a:r>
+            <a:endParaRPr lang="en-US" dirty="0"/>
           </a:p>
         </p:txBody>
       </p:sp>
       <p:sp>
         <p:nvSpPr>
-          <p:cNvPr id="4" name="Slide Number Placeholder 3"/>
+          <p:cNvPr id="4" name="Header Placeholder 3"/>
           <p:cNvSpPr>
             <a:spLocks noGrp="1"/>
           </p:cNvSpPr>
           <p:nvPr>
-            <p:ph type="sldNum" sz="quarter" idx="5"/>
+            <p:ph type="hdr" sz="quarter" idx="10"/>
           </p:nvPr>
         </p:nvSpPr>
         <p:spPr/>
@@ -970,18 +967,115 @@
           <a:bodyPr/>
           <a:lstStyle/>
           <a:p>
-            <a:fld id="{E6761AD9-DA11-4F49-B2E9-E9A671D97C71}" type="slidenum">
+            <a:endParaRPr lang="en-US" dirty="0"/>
+          </a:p>
+        </p:txBody>
+      </p:sp>
+      <p:sp>
+        <p:nvSpPr>
+          <p:cNvPr id="5" name="Footer Placeholder 4"/>
+          <p:cNvSpPr>
+            <a:spLocks noGrp="1"/>
+          </p:cNvSpPr>
+          <p:nvPr>
+            <p:ph type="ftr" sz="quarter" idx="11"/>
+          </p:nvPr>
+        </p:nvSpPr>
+        <p:spPr/>
+        <p:txBody>
+          <a:bodyPr/>
+          <a:lstStyle/>
+          <a:p>
+            <a:pPr defTabSz="914099" eaLnBrk="0" hangingPunct="0"/>
+            <a:r>
+              <a:rPr lang="en-US" sz="400">
+                <a:gradFill>
+                  <a:gsLst>
+                    <a:gs pos="0">
+                      <a:prstClr val="black"/>
+                    </a:gs>
+                    <a:gs pos="100000">
+                      <a:prstClr val="black"/>
+                    </a:gs>
+                  </a:gsLst>
+                  <a:lin ang="5400000" scaled="0"/>
+                </a:gradFill>
+                <a:latin typeface="Segoe UI" pitchFamily="34" charset="0"/>
+                <a:ea typeface="Segoe UI" pitchFamily="34" charset="0"/>
+                <a:cs typeface="Segoe UI" pitchFamily="34" charset="0"/>
+              </a:rPr>
+              <a:t>© Microsoft Corporation. All rights reserved. MICROSOFT MAKES NO WARRANTIES, EXPRESS, IMPLIED OR STATUTORY, AS TO THE INFORMATION IN THIS PRESENTATION.</a:t>
+            </a:r>
+            <a:endParaRPr lang="en-US" sz="400" dirty="0">
+              <a:gradFill>
+                <a:gsLst>
+                  <a:gs pos="0">
+                    <a:prstClr val="black"/>
+                  </a:gs>
+                  <a:gs pos="100000">
+                    <a:prstClr val="black"/>
+                  </a:gs>
+                </a:gsLst>
+                <a:lin ang="5400000" scaled="0"/>
+              </a:gradFill>
+              <a:latin typeface="Segoe UI" pitchFamily="34" charset="0"/>
+              <a:ea typeface="Segoe UI" pitchFamily="34" charset="0"/>
+              <a:cs typeface="Segoe UI" pitchFamily="34" charset="0"/>
+            </a:endParaRPr>
+          </a:p>
+        </p:txBody>
+      </p:sp>
+      <p:sp>
+        <p:nvSpPr>
+          <p:cNvPr id="6" name="Date Placeholder 5"/>
+          <p:cNvSpPr>
+            <a:spLocks noGrp="1"/>
+          </p:cNvSpPr>
+          <p:nvPr>
+            <p:ph type="dt" idx="12"/>
+          </p:nvPr>
+        </p:nvSpPr>
+        <p:spPr/>
+        <p:txBody>
+          <a:bodyPr/>
+          <a:lstStyle/>
+          <a:p>
+            <a:fld id="{35A2D088-BDBD-41A5-ADCE-5C6A4DC08057}" type="datetime8">
               <a:rPr lang="en-US" smtClean="0"/>
-              <a:t>6</a:t>
+              <a:t>3/4/2019 7:05 PM</a:t>
             </a:fld>
-            <a:endParaRPr lang="en-US"/>
+            <a:endParaRPr lang="en-US" dirty="0"/>
+          </a:p>
+        </p:txBody>
+      </p:sp>
+      <p:sp>
+        <p:nvSpPr>
+          <p:cNvPr id="7" name="Slide Number Placeholder 6"/>
+          <p:cNvSpPr>
+            <a:spLocks noGrp="1"/>
+          </p:cNvSpPr>
+          <p:nvPr>
+            <p:ph type="sldNum" sz="quarter" idx="13"/>
+          </p:nvPr>
+        </p:nvSpPr>
+        <p:spPr/>
+        <p:txBody>
+          <a:bodyPr/>
+          <a:lstStyle/>
+          <a:p>
+            <a:fld id="{B4008EB6-D09E-4580-8CD6-DDB14511944F}" type="slidenum">
+              <a:rPr lang="en-US" smtClean="0"/>
+              <a:pPr/>
+              <a:t>16</a:t>
+            </a:fld>
+            <a:endParaRPr lang="en-US" dirty="0"/>
           </a:p>
         </p:txBody>
       </p:sp>
     </p:spTree>
     <p:extLst>
       <p:ext uri="{BB962C8B-B14F-4D97-AF65-F5344CB8AC3E}">
-        <p14:creationId xmlns:p14="http://schemas.microsoft.com/office/powerpoint/2010/main" val="2309842889"/>
+        <p14:creationId xmlns:p14="http://schemas.microsoft.com/office/powerpoint/2010/main" val="2285264285"/>
       </p:ext>
     </p:extLst>
   </p:cSld>
@@ -1129,7 +1223,7 @@
           <a:p>
             <a:fld id="{35A2D088-BDBD-41A5-ADCE-5C6A4DC08057}" type="datetime8">
               <a:rPr lang="en-US" smtClean="0"/>
-              <a:t>3/4/2019 12:35 PM</a:t>
+              <a:t>3/4/2019 7:05 PM</a:t>
             </a:fld>
             <a:endParaRPr lang="en-US" dirty="0"/>
           </a:p>
@@ -1153,187 +1247,6 @@
             <a:fld id="{B4008EB6-D09E-4580-8CD6-DDB14511944F}" type="slidenum">
               <a:rPr lang="en-US" smtClean="0"/>
               <a:pPr/>
-              <a:t>16</a:t>
-            </a:fld>
-            <a:endParaRPr lang="en-US" dirty="0"/>
-          </a:p>
-        </p:txBody>
-      </p:sp>
-    </p:spTree>
-    <p:extLst>
-      <p:ext uri="{BB962C8B-B14F-4D97-AF65-F5344CB8AC3E}">
-        <p14:creationId xmlns:p14="http://schemas.microsoft.com/office/powerpoint/2010/main" val="2285264285"/>
-      </p:ext>
-    </p:extLst>
-  </p:cSld>
-  <p:clrMapOvr>
-    <a:masterClrMapping/>
-  </p:clrMapOvr>
-</p:notes>
-</file>
-
-<file path=ppt/notesSlides/notesSlide6.xml><?xml version="1.0" encoding="utf-8"?>
-<p:notes xmlns:a="http://schemas.openxmlformats.org/drawingml/2006/main" xmlns:r="http://schemas.openxmlformats.org/officeDocument/2006/relationships" xmlns:p="http://schemas.openxmlformats.org/presentationml/2006/main">
-  <p:cSld>
-    <p:spTree>
-      <p:nvGrpSpPr>
-        <p:cNvPr id="1" name=""/>
-        <p:cNvGrpSpPr/>
-        <p:nvPr/>
-      </p:nvGrpSpPr>
-      <p:grpSpPr>
-        <a:xfrm>
-          <a:off x="0" y="0"/>
-          <a:ext cx="0" cy="0"/>
-          <a:chOff x="0" y="0"/>
-          <a:chExt cx="0" cy="0"/>
-        </a:xfrm>
-      </p:grpSpPr>
-      <p:sp>
-        <p:nvSpPr>
-          <p:cNvPr id="2" name="Slide Image Placeholder 1"/>
-          <p:cNvSpPr>
-            <a:spLocks noGrp="1" noRot="1" noChangeAspect="1"/>
-          </p:cNvSpPr>
-          <p:nvPr>
-            <p:ph type="sldImg"/>
-          </p:nvPr>
-        </p:nvSpPr>
-        <p:spPr/>
-      </p:sp>
-      <p:sp>
-        <p:nvSpPr>
-          <p:cNvPr id="3" name="Notes Placeholder 2"/>
-          <p:cNvSpPr>
-            <a:spLocks noGrp="1"/>
-          </p:cNvSpPr>
-          <p:nvPr>
-            <p:ph type="body" idx="1"/>
-          </p:nvPr>
-        </p:nvSpPr>
-        <p:spPr/>
-        <p:txBody>
-          <a:bodyPr/>
-          <a:lstStyle/>
-          <a:p>
-            <a:endParaRPr lang="en-US" dirty="0"/>
-          </a:p>
-        </p:txBody>
-      </p:sp>
-      <p:sp>
-        <p:nvSpPr>
-          <p:cNvPr id="4" name="Header Placeholder 3"/>
-          <p:cNvSpPr>
-            <a:spLocks noGrp="1"/>
-          </p:cNvSpPr>
-          <p:nvPr>
-            <p:ph type="hdr" sz="quarter" idx="10"/>
-          </p:nvPr>
-        </p:nvSpPr>
-        <p:spPr/>
-        <p:txBody>
-          <a:bodyPr/>
-          <a:lstStyle/>
-          <a:p>
-            <a:endParaRPr lang="en-US" dirty="0"/>
-          </a:p>
-        </p:txBody>
-      </p:sp>
-      <p:sp>
-        <p:nvSpPr>
-          <p:cNvPr id="5" name="Footer Placeholder 4"/>
-          <p:cNvSpPr>
-            <a:spLocks noGrp="1"/>
-          </p:cNvSpPr>
-          <p:nvPr>
-            <p:ph type="ftr" sz="quarter" idx="11"/>
-          </p:nvPr>
-        </p:nvSpPr>
-        <p:spPr/>
-        <p:txBody>
-          <a:bodyPr/>
-          <a:lstStyle/>
-          <a:p>
-            <a:pPr defTabSz="914099" eaLnBrk="0" hangingPunct="0"/>
-            <a:r>
-              <a:rPr lang="en-US" sz="400">
-                <a:gradFill>
-                  <a:gsLst>
-                    <a:gs pos="0">
-                      <a:prstClr val="black"/>
-                    </a:gs>
-                    <a:gs pos="100000">
-                      <a:prstClr val="black"/>
-                    </a:gs>
-                  </a:gsLst>
-                  <a:lin ang="5400000" scaled="0"/>
-                </a:gradFill>
-                <a:latin typeface="Segoe UI" pitchFamily="34" charset="0"/>
-                <a:ea typeface="Segoe UI" pitchFamily="34" charset="0"/>
-                <a:cs typeface="Segoe UI" pitchFamily="34" charset="0"/>
-              </a:rPr>
-              <a:t>© Microsoft Corporation. All rights reserved. MICROSOFT MAKES NO WARRANTIES, EXPRESS, IMPLIED OR STATUTORY, AS TO THE INFORMATION IN THIS PRESENTATION.</a:t>
-            </a:r>
-            <a:endParaRPr lang="en-US" sz="400" dirty="0">
-              <a:gradFill>
-                <a:gsLst>
-                  <a:gs pos="0">
-                    <a:prstClr val="black"/>
-                  </a:gs>
-                  <a:gs pos="100000">
-                    <a:prstClr val="black"/>
-                  </a:gs>
-                </a:gsLst>
-                <a:lin ang="5400000" scaled="0"/>
-              </a:gradFill>
-              <a:latin typeface="Segoe UI" pitchFamily="34" charset="0"/>
-              <a:ea typeface="Segoe UI" pitchFamily="34" charset="0"/>
-              <a:cs typeface="Segoe UI" pitchFamily="34" charset="0"/>
-            </a:endParaRPr>
-          </a:p>
-        </p:txBody>
-      </p:sp>
-      <p:sp>
-        <p:nvSpPr>
-          <p:cNvPr id="6" name="Date Placeholder 5"/>
-          <p:cNvSpPr>
-            <a:spLocks noGrp="1"/>
-          </p:cNvSpPr>
-          <p:nvPr>
-            <p:ph type="dt" idx="12"/>
-          </p:nvPr>
-        </p:nvSpPr>
-        <p:spPr/>
-        <p:txBody>
-          <a:bodyPr/>
-          <a:lstStyle/>
-          <a:p>
-            <a:fld id="{35A2D088-BDBD-41A5-ADCE-5C6A4DC08057}" type="datetime8">
-              <a:rPr lang="en-US" smtClean="0"/>
-              <a:t>3/4/2019 12:35 PM</a:t>
-            </a:fld>
-            <a:endParaRPr lang="en-US" dirty="0"/>
-          </a:p>
-        </p:txBody>
-      </p:sp>
-      <p:sp>
-        <p:nvSpPr>
-          <p:cNvPr id="7" name="Slide Number Placeholder 6"/>
-          <p:cNvSpPr>
-            <a:spLocks noGrp="1"/>
-          </p:cNvSpPr>
-          <p:nvPr>
-            <p:ph type="sldNum" sz="quarter" idx="13"/>
-          </p:nvPr>
-        </p:nvSpPr>
-        <p:spPr/>
-        <p:txBody>
-          <a:bodyPr/>
-          <a:lstStyle/>
-          <a:p>
-            <a:fld id="{B4008EB6-D09E-4580-8CD6-DDB14511944F}" type="slidenum">
-              <a:rPr lang="en-US" smtClean="0"/>
-              <a:pPr/>
               <a:t>21</a:t>
             </a:fld>
             <a:endParaRPr lang="en-US" dirty="0"/>
@@ -1353,7 +1266,7 @@
 </p:notes>
 </file>
 
-<file path=ppt/notesSlides/notesSlide7.xml><?xml version="1.0" encoding="utf-8"?>
+<file path=ppt/notesSlides/notesSlide6.xml><?xml version="1.0" encoding="utf-8"?>
 <p:notes xmlns:a="http://schemas.openxmlformats.org/drawingml/2006/main" xmlns:r="http://schemas.openxmlformats.org/officeDocument/2006/relationships" xmlns:p="http://schemas.openxmlformats.org/presentationml/2006/main">
   <p:cSld>
     <p:spTree>
@@ -1431,10 +1344,36 @@
           <a:bodyPr/>
           <a:lstStyle/>
           <a:p>
-            <a:endParaRPr lang="en-US" dirty="0">
+            <a:pPr marL="0" marR="0" lvl="0" indent="0" algn="l" defTabSz="914400" rtl="0" eaLnBrk="1" fontAlgn="auto" latinLnBrk="0" hangingPunct="1">
+              <a:lnSpc>
+                <a:spcPct val="100000"/>
+              </a:lnSpc>
+              <a:spcBef>
+                <a:spcPts val="0"/>
+              </a:spcBef>
+              <a:spcAft>
+                <a:spcPts val="0"/>
+              </a:spcAft>
+              <a:buClrTx/>
+              <a:buSzTx/>
+              <a:buFontTx/>
+              <a:buNone/>
+              <a:tabLst/>
+              <a:defRPr/>
+            </a:pPr>
+            <a:endParaRPr kumimoji="0" lang="en-US" sz="1200" b="0" i="0" u="none" strike="noStrike" kern="1200" cap="none" spc="0" normalizeH="0" baseline="0" noProof="0" dirty="0">
+              <a:ln>
+                <a:noFill/>
+              </a:ln>
               <a:solidFill>
                 <a:prstClr val="black"/>
               </a:solidFill>
+              <a:effectLst/>
+              <a:uLnTx/>
+              <a:uFillTx/>
+              <a:latin typeface="Calibri" panose="020F0502020204030204"/>
+              <a:ea typeface="+mn-ea"/>
+              <a:cs typeface="+mn-cs"/>
             </a:endParaRPr>
           </a:p>
         </p:txBody>
@@ -1454,18 +1393,70 @@
           <a:bodyPr/>
           <a:lstStyle/>
           <a:p>
+            <a:pPr marL="0" marR="0" lvl="0" indent="0" algn="r" defTabSz="914400" rtl="0" eaLnBrk="1" fontAlgn="auto" latinLnBrk="0" hangingPunct="1">
+              <a:lnSpc>
+                <a:spcPct val="100000"/>
+              </a:lnSpc>
+              <a:spcBef>
+                <a:spcPts val="0"/>
+              </a:spcBef>
+              <a:spcAft>
+                <a:spcPts val="0"/>
+              </a:spcAft>
+              <a:buClrTx/>
+              <a:buSzTx/>
+              <a:buFontTx/>
+              <a:buNone/>
+              <a:tabLst/>
+              <a:defRPr/>
+            </a:pPr>
             <a:fld id="{8AB9A6D4-FB34-4BDB-BA1E-7271914431FC}" type="datetime8">
-              <a:rPr lang="en-US" smtClean="0">
+              <a:rPr kumimoji="0" lang="en-US" sz="1200" b="0" i="0" u="none" strike="noStrike" kern="1200" cap="none" spc="0" normalizeH="0" baseline="0" noProof="0" smtClean="0">
+                <a:ln>
+                  <a:noFill/>
+                </a:ln>
                 <a:solidFill>
                   <a:prstClr val="black"/>
                 </a:solidFill>
+                <a:effectLst/>
+                <a:uLnTx/>
+                <a:uFillTx/>
+                <a:latin typeface="Calibri" panose="020F0502020204030204"/>
+                <a:ea typeface="+mn-ea"/>
+                <a:cs typeface="+mn-cs"/>
               </a:rPr>
-              <a:t>3/4/2019 12:35 PM</a:t>
+              <a:pPr marL="0" marR="0" lvl="0" indent="0" algn="r" defTabSz="914400" rtl="0" eaLnBrk="1" fontAlgn="auto" latinLnBrk="0" hangingPunct="1">
+                <a:lnSpc>
+                  <a:spcPct val="100000"/>
+                </a:lnSpc>
+                <a:spcBef>
+                  <a:spcPts val="0"/>
+                </a:spcBef>
+                <a:spcAft>
+                  <a:spcPts val="0"/>
+                </a:spcAft>
+                <a:buClrTx/>
+                <a:buSzTx/>
+                <a:buFontTx/>
+                <a:buNone/>
+                <a:tabLst/>
+                <a:defRPr/>
+              </a:pPr>
+              <a:t>3/4/2019 7:05 PM</a:t>
             </a:fld>
-            <a:endParaRPr lang="en-US" dirty="0">
+            <a:endParaRPr kumimoji="0" lang="en-US" sz="1200" b="0" i="0" u="none" strike="noStrike" kern="1200" cap="none" spc="0" normalizeH="0" baseline="0" noProof="0" dirty="0">
+              <a:ln>
+                <a:noFill/>
+              </a:ln>
               <a:solidFill>
                 <a:prstClr val="black"/>
               </a:solidFill>
+              <a:effectLst/>
+              <a:uLnTx/>
+              <a:uFillTx/>
+              <a:latin typeface="Calibri" panose="020F0502020204030204"/>
+              <a:ea typeface="+mn-ea"/>
+              <a:cs typeface="+mn-cs"/>
             </a:endParaRPr>
           </a:p>
         </p:txBody>
@@ -1485,19 +1476,70 @@
           <a:bodyPr/>
           <a:lstStyle/>
           <a:p>
+            <a:pPr marL="0" marR="0" lvl="0" indent="0" algn="r" defTabSz="914400" rtl="0" eaLnBrk="1" fontAlgn="auto" latinLnBrk="0" hangingPunct="1">
+              <a:lnSpc>
+                <a:spcPct val="100000"/>
+              </a:lnSpc>
+              <a:spcBef>
+                <a:spcPts val="0"/>
+              </a:spcBef>
+              <a:spcAft>
+                <a:spcPts val="0"/>
+              </a:spcAft>
+              <a:buClrTx/>
+              <a:buSzTx/>
+              <a:buFontTx/>
+              <a:buNone/>
+              <a:tabLst/>
+              <a:defRPr/>
+            </a:pPr>
             <a:fld id="{EC87E0CF-87F6-4B58-B8B8-DCAB2DAAF3CA}" type="slidenum">
-              <a:rPr lang="en-US" smtClean="0">
+              <a:rPr kumimoji="0" lang="en-US" sz="1200" b="0" i="0" u="none" strike="noStrike" kern="1200" cap="none" spc="0" normalizeH="0" baseline="0" noProof="0" smtClean="0">
+                <a:ln>
+                  <a:noFill/>
+                </a:ln>
                 <a:solidFill>
                   <a:prstClr val="black"/>
                 </a:solidFill>
+                <a:effectLst/>
+                <a:uLnTx/>
+                <a:uFillTx/>
+                <a:latin typeface="Calibri" panose="020F0502020204030204"/>
+                <a:ea typeface="+mn-ea"/>
+                <a:cs typeface="+mn-cs"/>
               </a:rPr>
-              <a:pPr/>
+              <a:pPr marL="0" marR="0" lvl="0" indent="0" algn="r" defTabSz="914400" rtl="0" eaLnBrk="1" fontAlgn="auto" latinLnBrk="0" hangingPunct="1">
+                <a:lnSpc>
+                  <a:spcPct val="100000"/>
+                </a:lnSpc>
+                <a:spcBef>
+                  <a:spcPts val="0"/>
+                </a:spcBef>
+                <a:spcAft>
+                  <a:spcPts val="0"/>
+                </a:spcAft>
+                <a:buClrTx/>
+                <a:buSzTx/>
+                <a:buFontTx/>
+                <a:buNone/>
+                <a:tabLst/>
+                <a:defRPr/>
+              </a:pPr>
               <a:t>22</a:t>
             </a:fld>
-            <a:endParaRPr lang="en-US" dirty="0">
+            <a:endParaRPr kumimoji="0" lang="en-US" sz="1200" b="0" i="0" u="none" strike="noStrike" kern="1200" cap="none" spc="0" normalizeH="0" baseline="0" noProof="0" dirty="0">
+              <a:ln>
+                <a:noFill/>
+              </a:ln>
               <a:solidFill>
                 <a:prstClr val="black"/>
               </a:solidFill>
+              <a:effectLst/>
+              <a:uLnTx/>
+              <a:uFillTx/>
+              <a:latin typeface="Calibri" panose="020F0502020204030204"/>
+              <a:ea typeface="+mn-ea"/>
+              <a:cs typeface="+mn-cs"/>
             </a:endParaRPr>
           </a:p>
         </p:txBody>
@@ -1517,9 +1559,28 @@
           <a:bodyPr/>
           <a:lstStyle/>
           <a:p>
-            <a:pPr defTabSz="914099" eaLnBrk="0" hangingPunct="0"/>
-            <a:r>
-              <a:rPr lang="en-US" sz="400">
+            <a:pPr marL="0" marR="0" lvl="0" indent="0" algn="l" defTabSz="914099" rtl="0" eaLnBrk="0" fontAlgn="auto" latinLnBrk="0" hangingPunct="0">
+              <a:lnSpc>
+                <a:spcPct val="100000"/>
+              </a:lnSpc>
+              <a:spcBef>
+                <a:spcPts val="0"/>
+              </a:spcBef>
+              <a:spcAft>
+                <a:spcPts val="0"/>
+              </a:spcAft>
+              <a:buClrTx/>
+              <a:buSzTx/>
+              <a:buFontTx/>
+              <a:buNone/>
+              <a:tabLst/>
+              <a:defRPr/>
+            </a:pPr>
+            <a:r>
+              <a:rPr kumimoji="0" lang="en-US" sz="400" b="0" i="0" u="none" strike="noStrike" kern="1200" cap="none" spc="0" normalizeH="0" baseline="0" noProof="0">
+                <a:ln>
+                  <a:noFill/>
+                </a:ln>
                 <a:gradFill>
                   <a:gsLst>
                     <a:gs pos="0">
@@ -1531,13 +1592,19 @@
                   </a:gsLst>
                   <a:lin ang="5400000" scaled="0"/>
                 </a:gradFill>
+                <a:effectLst/>
+                <a:uLnTx/>
+                <a:uFillTx/>
                 <a:latin typeface="Segoe UI" pitchFamily="34" charset="0"/>
                 <a:ea typeface="Segoe UI" pitchFamily="34" charset="0"/>
                 <a:cs typeface="Segoe UI" pitchFamily="34" charset="0"/>
               </a:rPr>
               <a:t>© Microsoft Corporation. All rights reserved. MICROSOFT MAKES NO WARRANTIES, EXPRESS, IMPLIED OR STATUTORY, AS TO THE INFORMATION IN THIS PRESENTATION.</a:t>
             </a:r>
-            <a:endParaRPr lang="en-US" sz="400" dirty="0">
+            <a:endParaRPr kumimoji="0" lang="en-US" sz="400" b="0" i="0" u="none" strike="noStrike" kern="1200" cap="none" spc="0" normalizeH="0" baseline="0" noProof="0" dirty="0">
+              <a:ln>
+                <a:noFill/>
+              </a:ln>
               <a:gradFill>
                 <a:gsLst>
                   <a:gs pos="0">
@@ -1549,6 +1616,9 @@
                 </a:gsLst>
                 <a:lin ang="5400000" scaled="0"/>
               </a:gradFill>
+              <a:effectLst/>
+              <a:uLnTx/>
+              <a:uFillTx/>
               <a:latin typeface="Segoe UI" pitchFamily="34" charset="0"/>
               <a:ea typeface="Segoe UI" pitchFamily="34" charset="0"/>
               <a:cs typeface="Segoe UI" pitchFamily="34" charset="0"/>
@@ -11867,271 +11937,6 @@
 </file>
 
 <file path=ppt/slideLayouts/slideLayout32.xml><?xml version="1.0" encoding="utf-8"?>
-<p:sldLayout xmlns:a="http://schemas.openxmlformats.org/drawingml/2006/main" xmlns:r="http://schemas.openxmlformats.org/officeDocument/2006/relationships" xmlns:p="http://schemas.openxmlformats.org/presentationml/2006/main" type="twoObj">
-  <p:cSld name="Two Content">
-    <p:spTree>
-      <p:nvGrpSpPr>
-        <p:cNvPr id="1" name=""/>
-        <p:cNvGrpSpPr/>
-        <p:nvPr/>
-      </p:nvGrpSpPr>
-      <p:grpSpPr>
-        <a:xfrm>
-          <a:off x="0" y="0"/>
-          <a:ext cx="0" cy="0"/>
-          <a:chOff x="0" y="0"/>
-          <a:chExt cx="0" cy="0"/>
-        </a:xfrm>
-      </p:grpSpPr>
-      <p:sp>
-        <p:nvSpPr>
-          <p:cNvPr id="2" name="Title 1">
-            <a:extLst>
-              <a:ext uri="{FF2B5EF4-FFF2-40B4-BE49-F238E27FC236}">
-                <a16:creationId xmlns:a16="http://schemas.microsoft.com/office/drawing/2014/main" id="{6C86E751-FF32-4C0E-B23D-E8A850169304}"/>
-              </a:ext>
-            </a:extLst>
-          </p:cNvPr>
-          <p:cNvSpPr>
-            <a:spLocks noGrp="1"/>
-          </p:cNvSpPr>
-          <p:nvPr>
-            <p:ph type="title"/>
-          </p:nvPr>
-        </p:nvSpPr>
-        <p:spPr/>
-        <p:txBody>
-          <a:bodyPr/>
-          <a:lstStyle/>
-          <a:p>
-            <a:r>
-              <a:rPr lang="en-US"/>
-              <a:t>Click to edit Master title style</a:t>
-            </a:r>
-          </a:p>
-        </p:txBody>
-      </p:sp>
-      <p:sp>
-        <p:nvSpPr>
-          <p:cNvPr id="3" name="Content Placeholder 2">
-            <a:extLst>
-              <a:ext uri="{FF2B5EF4-FFF2-40B4-BE49-F238E27FC236}">
-                <a16:creationId xmlns:a16="http://schemas.microsoft.com/office/drawing/2014/main" id="{B466D823-4ACC-4FFC-8058-F5FA9B0461BD}"/>
-              </a:ext>
-            </a:extLst>
-          </p:cNvPr>
-          <p:cNvSpPr>
-            <a:spLocks noGrp="1"/>
-          </p:cNvSpPr>
-          <p:nvPr>
-            <p:ph sz="half" idx="1"/>
-          </p:nvPr>
-        </p:nvSpPr>
-        <p:spPr>
-          <a:xfrm>
-            <a:off x="838200" y="1825625"/>
-            <a:ext cx="5181600" cy="4351338"/>
-          </a:xfrm>
-        </p:spPr>
-        <p:txBody>
-          <a:bodyPr/>
-          <a:lstStyle/>
-          <a:p>
-            <a:pPr lvl="0"/>
-            <a:r>
-              <a:rPr lang="en-US"/>
-              <a:t>Edit Master text styles</a:t>
-            </a:r>
-          </a:p>
-          <a:p>
-            <a:pPr lvl="1"/>
-            <a:r>
-              <a:rPr lang="en-US"/>
-              <a:t>Second level</a:t>
-            </a:r>
-          </a:p>
-          <a:p>
-            <a:pPr lvl="2"/>
-            <a:r>
-              <a:rPr lang="en-US"/>
-              <a:t>Third level</a:t>
-            </a:r>
-          </a:p>
-          <a:p>
-            <a:pPr lvl="3"/>
-            <a:r>
-              <a:rPr lang="en-US"/>
-              <a:t>Fourth level</a:t>
-            </a:r>
-          </a:p>
-          <a:p>
-            <a:pPr lvl="4"/>
-            <a:r>
-              <a:rPr lang="en-US"/>
-              <a:t>Fifth level</a:t>
-            </a:r>
-          </a:p>
-        </p:txBody>
-      </p:sp>
-      <p:sp>
-        <p:nvSpPr>
-          <p:cNvPr id="4" name="Content Placeholder 3">
-            <a:extLst>
-              <a:ext uri="{FF2B5EF4-FFF2-40B4-BE49-F238E27FC236}">
-                <a16:creationId xmlns:a16="http://schemas.microsoft.com/office/drawing/2014/main" id="{ACB4F94A-38F4-4D34-9DF4-1919343AB3CD}"/>
-              </a:ext>
-            </a:extLst>
-          </p:cNvPr>
-          <p:cNvSpPr>
-            <a:spLocks noGrp="1"/>
-          </p:cNvSpPr>
-          <p:nvPr>
-            <p:ph sz="half" idx="2"/>
-          </p:nvPr>
-        </p:nvSpPr>
-        <p:spPr>
-          <a:xfrm>
-            <a:off x="6172200" y="1825625"/>
-            <a:ext cx="5181600" cy="4351338"/>
-          </a:xfrm>
-        </p:spPr>
-        <p:txBody>
-          <a:bodyPr/>
-          <a:lstStyle/>
-          <a:p>
-            <a:pPr lvl="0"/>
-            <a:r>
-              <a:rPr lang="en-US"/>
-              <a:t>Edit Master text styles</a:t>
-            </a:r>
-          </a:p>
-          <a:p>
-            <a:pPr lvl="1"/>
-            <a:r>
-              <a:rPr lang="en-US"/>
-              <a:t>Second level</a:t>
-            </a:r>
-          </a:p>
-          <a:p>
-            <a:pPr lvl="2"/>
-            <a:r>
-              <a:rPr lang="en-US"/>
-              <a:t>Third level</a:t>
-            </a:r>
-          </a:p>
-          <a:p>
-            <a:pPr lvl="3"/>
-            <a:r>
-              <a:rPr lang="en-US"/>
-              <a:t>Fourth level</a:t>
-            </a:r>
-          </a:p>
-          <a:p>
-            <a:pPr lvl="4"/>
-            <a:r>
-              <a:rPr lang="en-US"/>
-              <a:t>Fifth level</a:t>
-            </a:r>
-          </a:p>
-        </p:txBody>
-      </p:sp>
-      <p:sp>
-        <p:nvSpPr>
-          <p:cNvPr id="5" name="Date Placeholder 4">
-            <a:extLst>
-              <a:ext uri="{FF2B5EF4-FFF2-40B4-BE49-F238E27FC236}">
-                <a16:creationId xmlns:a16="http://schemas.microsoft.com/office/drawing/2014/main" id="{B1921F6F-98C6-412B-8131-6DDD97AD81AF}"/>
-              </a:ext>
-            </a:extLst>
-          </p:cNvPr>
-          <p:cNvSpPr>
-            <a:spLocks noGrp="1"/>
-          </p:cNvSpPr>
-          <p:nvPr>
-            <p:ph type="dt" sz="half" idx="10"/>
-          </p:nvPr>
-        </p:nvSpPr>
-        <p:spPr/>
-        <p:txBody>
-          <a:bodyPr/>
-          <a:lstStyle/>
-          <a:p>
-            <a:fld id="{1279C872-40C5-4778-A459-913B2790679C}" type="datetimeFigureOut">
-              <a:rPr lang="en-US" smtClean="0"/>
-              <a:t>3/4/2019</a:t>
-            </a:fld>
-            <a:endParaRPr lang="en-US"/>
-          </a:p>
-        </p:txBody>
-      </p:sp>
-      <p:sp>
-        <p:nvSpPr>
-          <p:cNvPr id="6" name="Footer Placeholder 5">
-            <a:extLst>
-              <a:ext uri="{FF2B5EF4-FFF2-40B4-BE49-F238E27FC236}">
-                <a16:creationId xmlns:a16="http://schemas.microsoft.com/office/drawing/2014/main" id="{E1204D6B-FA1C-48DE-8CF1-3C1A80D7DEDE}"/>
-              </a:ext>
-            </a:extLst>
-          </p:cNvPr>
-          <p:cNvSpPr>
-            <a:spLocks noGrp="1"/>
-          </p:cNvSpPr>
-          <p:nvPr>
-            <p:ph type="ftr" sz="quarter" idx="11"/>
-          </p:nvPr>
-        </p:nvSpPr>
-        <p:spPr/>
-        <p:txBody>
-          <a:bodyPr/>
-          <a:lstStyle/>
-          <a:p>
-            <a:endParaRPr lang="en-US"/>
-          </a:p>
-        </p:txBody>
-      </p:sp>
-      <p:sp>
-        <p:nvSpPr>
-          <p:cNvPr id="7" name="Slide Number Placeholder 6">
-            <a:extLst>
-              <a:ext uri="{FF2B5EF4-FFF2-40B4-BE49-F238E27FC236}">
-                <a16:creationId xmlns:a16="http://schemas.microsoft.com/office/drawing/2014/main" id="{414A5F98-14B2-417B-82A7-965AB53F5B90}"/>
-              </a:ext>
-            </a:extLst>
-          </p:cNvPr>
-          <p:cNvSpPr>
-            <a:spLocks noGrp="1"/>
-          </p:cNvSpPr>
-          <p:nvPr>
-            <p:ph type="sldNum" sz="quarter" idx="12"/>
-          </p:nvPr>
-        </p:nvSpPr>
-        <p:spPr/>
-        <p:txBody>
-          <a:bodyPr/>
-          <a:lstStyle/>
-          <a:p>
-            <a:fld id="{A9750100-3570-4DE3-A91F-E57EAF767500}" type="slidenum">
-              <a:rPr lang="en-US" smtClean="0"/>
-              <a:t>‹#›</a:t>
-            </a:fld>
-            <a:endParaRPr lang="en-US"/>
-          </a:p>
-        </p:txBody>
-      </p:sp>
-    </p:spTree>
-    <p:extLst>
-      <p:ext uri="{BB962C8B-B14F-4D97-AF65-F5344CB8AC3E}">
-        <p14:creationId xmlns:p14="http://schemas.microsoft.com/office/powerpoint/2010/main" val="2238799010"/>
-      </p:ext>
-    </p:extLst>
-  </p:cSld>
-  <p:clrMapOvr>
-    <a:masterClrMapping/>
-  </p:clrMapOvr>
-</p:sldLayout>
-</file>
-
-<file path=ppt/slideLayouts/slideLayout33.xml><?xml version="1.0" encoding="utf-8"?>
 <p:sldLayout xmlns:a="http://schemas.openxmlformats.org/drawingml/2006/main" xmlns:r="http://schemas.openxmlformats.org/officeDocument/2006/relationships" xmlns:p="http://schemas.openxmlformats.org/presentationml/2006/main" type="twoTxTwoObj">
   <p:cSld name="Comparison">
     <p:spTree>
@@ -14210,8 +14015,7 @@
     <p:sldLayoutId id="2147483683" r:id="rId18"/>
     <p:sldLayoutId id="2147483693" r:id="rId19"/>
     <p:sldLayoutId id="2147483694" r:id="rId20"/>
-    <p:sldLayoutId id="2147483695" r:id="rId21"/>
-    <p:sldLayoutId id="2147483696" r:id="rId22"/>
+    <p:sldLayoutId id="2147483696" r:id="rId21"/>
   </p:sldLayoutIdLst>
   <p:transition>
     <p:fade/>
@@ -14840,10 +14644,117 @@
       </p:grpSpPr>
       <p:sp>
         <p:nvSpPr>
-          <p:cNvPr id="7" name="Title 6">
+          <p:cNvPr id="4" name="Content Placeholder 3">
             <a:extLst>
               <a:ext uri="{FF2B5EF4-FFF2-40B4-BE49-F238E27FC236}">
-                <a16:creationId xmlns:a16="http://schemas.microsoft.com/office/drawing/2014/main" id="{7140589E-7C49-40CE-8F0B-E88E616A5339}"/>
+                <a16:creationId xmlns:a16="http://schemas.microsoft.com/office/drawing/2014/main" id="{AF2C42A9-88FA-4F65-A5E5-04393337A5BD}"/>
+              </a:ext>
+            </a:extLst>
+          </p:cNvPr>
+          <p:cNvSpPr>
+            <a:spLocks noGrp="1"/>
+          </p:cNvSpPr>
+          <p:nvPr>
+            <p:ph type="body" sz="quarter" idx="10"/>
+          </p:nvPr>
+        </p:nvSpPr>
+        <p:spPr>
+          <a:xfrm>
+            <a:off x="269239" y="1189177"/>
+            <a:ext cx="11653523" cy="1881235"/>
+          </a:xfrm>
+        </p:spPr>
+        <p:txBody>
+          <a:bodyPr vert="horz" lIns="91440" tIns="45720" rIns="91440" bIns="45720" rtlCol="0">
+            <a:normAutofit/>
+          </a:bodyPr>
+          <a:lstStyle/>
+          <a:p>
+            <a:pPr marL="285750"/>
+            <a:r>
+              <a:rPr lang="en-US" sz="2000" spc="200" dirty="0">
+                <a:latin typeface="+mn-lt"/>
+              </a:rPr>
+              <a:t>Accessible by making direct REST calls against service</a:t>
+            </a:r>
+          </a:p>
+          <a:p>
+            <a:pPr marL="285750"/>
+            <a:r>
+              <a:rPr lang="en-US" sz="2000" spc="200" dirty="0">
+                <a:latin typeface="+mn-lt"/>
+              </a:rPr>
+              <a:t>Accessible by using assembly DLL that abstracts away REST calls</a:t>
+            </a:r>
+          </a:p>
+          <a:p>
+            <a:pPr marL="285750"/>
+            <a:r>
+              <a:rPr lang="en-US" sz="2000" spc="200" dirty="0">
+                <a:latin typeface="+mn-lt"/>
+              </a:rPr>
+              <a:t>Assembly DLL is named </a:t>
+            </a:r>
+            <a:r>
+              <a:rPr lang="en-US" sz="2000" spc="200" dirty="0" err="1">
+                <a:latin typeface="+mn-lt"/>
+              </a:rPr>
+              <a:t>microsoft.Powerbi.Api.Dll</a:t>
+            </a:r>
+            <a:endParaRPr lang="en-US" sz="2000" spc="200" dirty="0">
+              <a:latin typeface="+mn-lt"/>
+            </a:endParaRPr>
+          </a:p>
+          <a:p>
+            <a:pPr marL="285750"/>
+            <a:r>
+              <a:rPr lang="en-US" sz="2000" spc="200" dirty="0">
+                <a:latin typeface="+mn-lt"/>
+              </a:rPr>
+              <a:t>Assembly DLL part of </a:t>
+            </a:r>
+            <a:r>
+              <a:rPr lang="en-US" sz="2000" spc="200" dirty="0" err="1">
+                <a:latin typeface="+mn-lt"/>
+              </a:rPr>
+              <a:t>nuget</a:t>
+            </a:r>
+            <a:r>
+              <a:rPr lang="en-US" sz="2000" spc="200" dirty="0">
+                <a:latin typeface="+mn-lt"/>
+              </a:rPr>
+              <a:t> package (</a:t>
+            </a:r>
+            <a:r>
+              <a:rPr lang="en-US" sz="2000" b="1" spc="200" dirty="0" err="1">
+                <a:latin typeface="+mn-lt"/>
+              </a:rPr>
+              <a:t>microsoft.Powerbi.Api</a:t>
+            </a:r>
+            <a:r>
+              <a:rPr lang="en-US" sz="2000" spc="200" dirty="0">
+                <a:latin typeface="+mn-lt"/>
+              </a:rPr>
+              <a:t>)</a:t>
+            </a:r>
+          </a:p>
+          <a:p>
+            <a:pPr marL="285750"/>
+            <a:r>
+              <a:rPr lang="en-US" sz="2000" spc="200" dirty="0">
+                <a:latin typeface="+mn-lt"/>
+              </a:rPr>
+              <a:t>Calling service requires authentication with azure active directory</a:t>
+            </a:r>
+          </a:p>
+        </p:txBody>
+      </p:sp>
+      <p:sp>
+        <p:nvSpPr>
+          <p:cNvPr id="2" name="Title 1">
+            <a:extLst>
+              <a:ext uri="{FF2B5EF4-FFF2-40B4-BE49-F238E27FC236}">
+                <a16:creationId xmlns:a16="http://schemas.microsoft.com/office/drawing/2014/main" id="{4E24AFA5-27D2-4E92-A5D5-A72899EB40E5}"/>
               </a:ext>
             </a:extLst>
           </p:cNvPr>
@@ -14862,422 +14773,56 @@
           <a:lstStyle/>
           <a:p>
             <a:r>
-              <a:rPr lang="en-US" sz="4400" kern="1200" dirty="0">
-                <a:solidFill>
-                  <a:schemeClr val="tx1"/>
-                </a:solidFill>
-                <a:ea typeface="+mj-ea"/>
-                <a:cs typeface="+mj-cs"/>
-              </a:rPr>
-              <a:t>First Party vs Third Party Embedding Continued</a:t>
-            </a:r>
+              <a:rPr lang="en-US" sz="4400" b="1" dirty="0"/>
+              <a:t>Using the Power BI Service API</a:t>
+            </a:r>
+            <a:endParaRPr lang="en-US" sz="4400" kern="1200" dirty="0">
+              <a:solidFill>
+                <a:schemeClr val="tx1"/>
+              </a:solidFill>
+              <a:ea typeface="+mj-ea"/>
+              <a:cs typeface="+mj-cs"/>
+            </a:endParaRPr>
           </a:p>
         </p:txBody>
       </p:sp>
-      <p:graphicFrame>
-        <p:nvGraphicFramePr>
-          <p:cNvPr id="11" name="Table Placeholder 4">
+      <p:pic>
+        <p:nvPicPr>
+          <p:cNvPr id="10" name="Content Placeholder 9">
             <a:extLst>
               <a:ext uri="{FF2B5EF4-FFF2-40B4-BE49-F238E27FC236}">
-                <a16:creationId xmlns:a16="http://schemas.microsoft.com/office/drawing/2014/main" id="{D2F57F2A-CB73-43D6-AC45-5B4661F367D9}"/>
+                <a16:creationId xmlns:a16="http://schemas.microsoft.com/office/drawing/2014/main" id="{4431905D-18A2-4DEC-A291-3A106A2194A2}"/>
               </a:ext>
             </a:extLst>
           </p:cNvPr>
-          <p:cNvGraphicFramePr>
-            <a:graphicFrameLocks/>
-          </p:cNvGraphicFramePr>
+          <p:cNvPicPr>
+            <a:picLocks noGrp="1" noChangeAspect="1"/>
+          </p:cNvPicPr>
           <p:nvPr>
-            <p:extLst>
-              <p:ext uri="{D42A27DB-BD31-4B8C-83A1-F6EECF244321}">
-                <p14:modId xmlns:p14="http://schemas.microsoft.com/office/powerpoint/2010/main" val="2768189859"/>
-              </p:ext>
-            </p:extLst>
+            <p:ph sz="half" idx="4294967295"/>
           </p:nvPr>
-        </p:nvGraphicFramePr>
-        <p:xfrm>
-          <a:off x="1158240" y="1795405"/>
-          <a:ext cx="9875521" cy="4135386"/>
-        </p:xfrm>
-        <a:graphic>
-          <a:graphicData uri="http://schemas.openxmlformats.org/drawingml/2006/table">
-            <a:tbl>
-              <a:tblPr firstRow="1" bandRow="1">
-                <a:tableStyleId>{9D7B26C5-4107-4FEC-AEDC-1716B250A1EF}</a:tableStyleId>
-              </a:tblPr>
-              <a:tblGrid>
-                <a:gridCol w="3964077">
-                  <a:extLst>
-                    <a:ext uri="{9D8B030D-6E8A-4147-A177-3AD203B41FA5}">
-                      <a16:colId xmlns:a16="http://schemas.microsoft.com/office/drawing/2014/main" val="3869438709"/>
-                    </a:ext>
-                  </a:extLst>
-                </a:gridCol>
-                <a:gridCol w="3395981">
-                  <a:extLst>
-                    <a:ext uri="{9D8B030D-6E8A-4147-A177-3AD203B41FA5}">
-                      <a16:colId xmlns:a16="http://schemas.microsoft.com/office/drawing/2014/main" val="403614566"/>
-                    </a:ext>
-                  </a:extLst>
-                </a:gridCol>
-                <a:gridCol w="2515463">
-                  <a:extLst>
-                    <a:ext uri="{9D8B030D-6E8A-4147-A177-3AD203B41FA5}">
-                      <a16:colId xmlns:a16="http://schemas.microsoft.com/office/drawing/2014/main" val="1164080302"/>
-                    </a:ext>
-                  </a:extLst>
-                </a:gridCol>
-              </a:tblGrid>
-              <a:tr h="403837">
-                <a:tc>
-                  <a:txBody>
-                    <a:bodyPr/>
-                    <a:lstStyle/>
-                    <a:p>
-                      <a:endParaRPr lang="en-US" sz="2000" dirty="0"/>
-                    </a:p>
-                  </a:txBody>
-                  <a:tcPr marL="111799" marR="111799" marT="55899" marB="55899" anchor="ctr"/>
-                </a:tc>
-                <a:tc>
-                  <a:txBody>
-                    <a:bodyPr/>
-                    <a:lstStyle/>
-                    <a:p>
-                      <a:pPr algn="ctr"/>
-                      <a:r>
-                        <a:rPr lang="en-US" sz="2000"/>
-                        <a:t>1st Part Embedding</a:t>
-                      </a:r>
-                    </a:p>
-                  </a:txBody>
-                  <a:tcPr marL="111799" marR="111799" marT="55899" marB="55899" anchor="ctr"/>
-                </a:tc>
-                <a:tc>
-                  <a:txBody>
-                    <a:bodyPr/>
-                    <a:lstStyle/>
-                    <a:p>
-                      <a:pPr algn="ctr"/>
-                      <a:r>
-                        <a:rPr lang="en-US" sz="2000"/>
-                        <a:t>3rd Party Embedding</a:t>
-                      </a:r>
-                    </a:p>
-                  </a:txBody>
-                  <a:tcPr marL="111799" marR="111799" marT="55899" marB="55899" anchor="ctr"/>
-                </a:tc>
-                <a:extLst>
-                  <a:ext uri="{0D108BD9-81ED-4DB2-BD59-A6C34878D82A}">
-                    <a16:rowId xmlns:a16="http://schemas.microsoft.com/office/drawing/2014/main" val="3304265721"/>
-                  </a:ext>
-                </a:extLst>
-              </a:tr>
-              <a:tr h="661517">
-                <a:tc>
-                  <a:txBody>
-                    <a:bodyPr/>
-                    <a:lstStyle/>
-                    <a:p>
-                      <a:r>
-                        <a:rPr lang="en-US" sz="2000" dirty="0"/>
-                        <a:t>Authentication flow</a:t>
-                      </a:r>
-                    </a:p>
-                  </a:txBody>
-                  <a:tcPr marL="111799" marR="111799" marT="55899" marB="55899" anchor="ctr"/>
-                </a:tc>
-                <a:tc>
-                  <a:txBody>
-                    <a:bodyPr/>
-                    <a:lstStyle/>
-                    <a:p>
-                      <a:pPr algn="ctr"/>
-                      <a:r>
-                        <a:rPr lang="en-US" sz="2000"/>
-                        <a:t>Authentication Code Grant Flow or Implicit Flow</a:t>
-                      </a:r>
-                    </a:p>
-                  </a:txBody>
-                  <a:tcPr marL="111799" marR="111799" marT="55899" marB="55899" anchor="ctr"/>
-                </a:tc>
-                <a:tc>
-                  <a:txBody>
-                    <a:bodyPr/>
-                    <a:lstStyle/>
-                    <a:p>
-                      <a:pPr algn="ctr"/>
-                      <a:r>
-                        <a:rPr lang="en-US" sz="2000"/>
-                        <a:t>Direct User Credentials</a:t>
-                      </a:r>
-                    </a:p>
-                  </a:txBody>
-                  <a:tcPr marL="111799" marR="111799" marT="55899" marB="55899" anchor="ctr"/>
-                </a:tc>
-                <a:extLst>
-                  <a:ext uri="{0D108BD9-81ED-4DB2-BD59-A6C34878D82A}">
-                    <a16:rowId xmlns:a16="http://schemas.microsoft.com/office/drawing/2014/main" val="2858219577"/>
-                  </a:ext>
-                </a:extLst>
-              </a:tr>
-              <a:tr h="403837">
-                <a:tc>
-                  <a:txBody>
-                    <a:bodyPr/>
-                    <a:lstStyle/>
-                    <a:p>
-                      <a:r>
-                        <a:rPr lang="en-US" sz="2000"/>
-                        <a:t>I</a:t>
-                      </a:r>
-                      <a:r>
-                        <a:rPr lang="en-US" sz="2000" baseline="0"/>
-                        <a:t>dentity used to call Power BI</a:t>
-                      </a:r>
-                      <a:endParaRPr lang="en-US" sz="2000"/>
-                    </a:p>
-                  </a:txBody>
-                  <a:tcPr marL="111799" marR="111799" marT="55899" marB="55899" anchor="ctr"/>
-                </a:tc>
-                <a:tc>
-                  <a:txBody>
-                    <a:bodyPr/>
-                    <a:lstStyle/>
-                    <a:p>
-                      <a:pPr algn="ctr"/>
-                      <a:r>
-                        <a:rPr lang="en-US" sz="2000"/>
-                        <a:t>Current User</a:t>
-                      </a:r>
-                    </a:p>
-                  </a:txBody>
-                  <a:tcPr marL="111799" marR="111799" marT="55899" marB="55899" anchor="ctr"/>
-                </a:tc>
-                <a:tc>
-                  <a:txBody>
-                    <a:bodyPr/>
-                    <a:lstStyle/>
-                    <a:p>
-                      <a:pPr algn="ctr"/>
-                      <a:r>
-                        <a:rPr lang="en-US" sz="2000"/>
-                        <a:t>Master User Account</a:t>
-                      </a:r>
-                    </a:p>
-                  </a:txBody>
-                  <a:tcPr marL="111799" marR="111799" marT="55899" marB="55899" anchor="ctr"/>
-                </a:tc>
-                <a:extLst>
-                  <a:ext uri="{0D108BD9-81ED-4DB2-BD59-A6C34878D82A}">
-                    <a16:rowId xmlns:a16="http://schemas.microsoft.com/office/drawing/2014/main" val="476220358"/>
-                  </a:ext>
-                </a:extLst>
-              </a:tr>
-              <a:tr h="403837">
-                <a:tc>
-                  <a:txBody>
-                    <a:bodyPr/>
-                    <a:lstStyle/>
-                    <a:p>
-                      <a:r>
-                        <a:rPr lang="en-US" sz="2000"/>
-                        <a:t>Access to personal workspace</a:t>
-                      </a:r>
-                    </a:p>
-                  </a:txBody>
-                  <a:tcPr marL="111799" marR="111799" marT="55899" marB="55899" anchor="ctr"/>
-                </a:tc>
-                <a:tc>
-                  <a:txBody>
-                    <a:bodyPr/>
-                    <a:lstStyle/>
-                    <a:p>
-                      <a:pPr algn="ctr"/>
-                      <a:r>
-                        <a:rPr lang="en-US" sz="2000"/>
-                        <a:t>Yes</a:t>
-                      </a:r>
-                    </a:p>
-                  </a:txBody>
-                  <a:tcPr marL="111799" marR="111799" marT="55899" marB="55899" anchor="ctr"/>
-                </a:tc>
-                <a:tc>
-                  <a:txBody>
-                    <a:bodyPr/>
-                    <a:lstStyle/>
-                    <a:p>
-                      <a:pPr algn="ctr"/>
-                      <a:r>
-                        <a:rPr lang="en-US" sz="2000"/>
-                        <a:t>No</a:t>
-                      </a:r>
-                    </a:p>
-                  </a:txBody>
-                  <a:tcPr marL="111799" marR="111799" marT="55899" marB="55899" anchor="ctr"/>
-                </a:tc>
-                <a:extLst>
-                  <a:ext uri="{0D108BD9-81ED-4DB2-BD59-A6C34878D82A}">
-                    <a16:rowId xmlns:a16="http://schemas.microsoft.com/office/drawing/2014/main" val="988078112"/>
-                  </a:ext>
-                </a:extLst>
-              </a:tr>
-              <a:tr h="403837">
-                <a:tc>
-                  <a:txBody>
-                    <a:bodyPr/>
-                    <a:lstStyle/>
-                    <a:p>
-                      <a:r>
-                        <a:rPr lang="en-US" sz="2000" dirty="0"/>
-                        <a:t>Access to app workspaces</a:t>
-                      </a:r>
-                    </a:p>
-                  </a:txBody>
-                  <a:tcPr marL="111799" marR="111799" marT="55899" marB="55899" anchor="ctr"/>
-                </a:tc>
-                <a:tc>
-                  <a:txBody>
-                    <a:bodyPr/>
-                    <a:lstStyle/>
-                    <a:p>
-                      <a:pPr algn="ctr"/>
-                      <a:r>
-                        <a:rPr lang="en-US" sz="2000"/>
-                        <a:t>Yes</a:t>
-                      </a:r>
-                    </a:p>
-                  </a:txBody>
-                  <a:tcPr marL="111799" marR="111799" marT="55899" marB="55899" anchor="ctr"/>
-                </a:tc>
-                <a:tc>
-                  <a:txBody>
-                    <a:bodyPr/>
-                    <a:lstStyle/>
-                    <a:p>
-                      <a:pPr algn="ctr"/>
-                      <a:r>
-                        <a:rPr lang="en-US" sz="2000"/>
-                        <a:t>Yes</a:t>
-                      </a:r>
-                    </a:p>
-                  </a:txBody>
-                  <a:tcPr marL="111799" marR="111799" marT="55899" marB="55899" anchor="ctr"/>
-                </a:tc>
-                <a:extLst>
-                  <a:ext uri="{0D108BD9-81ED-4DB2-BD59-A6C34878D82A}">
-                    <a16:rowId xmlns:a16="http://schemas.microsoft.com/office/drawing/2014/main" val="213715270"/>
-                  </a:ext>
-                </a:extLst>
-              </a:tr>
-              <a:tr h="403837">
-                <a:tc>
-                  <a:txBody>
-                    <a:bodyPr/>
-                    <a:lstStyle/>
-                    <a:p>
-                      <a:r>
-                        <a:rPr lang="en-US" sz="2000"/>
-                        <a:t>Ability</a:t>
-                      </a:r>
-                      <a:r>
-                        <a:rPr lang="en-US" sz="2000" baseline="0"/>
-                        <a:t> to reach non-licensed users</a:t>
-                      </a:r>
-                      <a:endParaRPr lang="en-US" sz="2000"/>
-                    </a:p>
-                  </a:txBody>
-                  <a:tcPr marL="111799" marR="111799" marT="55899" marB="55899" anchor="ctr"/>
-                </a:tc>
-                <a:tc>
-                  <a:txBody>
-                    <a:bodyPr/>
-                    <a:lstStyle/>
-                    <a:p>
-                      <a:pPr algn="ctr"/>
-                      <a:r>
-                        <a:rPr lang="en-US" sz="2000"/>
-                        <a:t>No</a:t>
-                      </a:r>
-                    </a:p>
-                  </a:txBody>
-                  <a:tcPr marL="111799" marR="111799" marT="55899" marB="55899" anchor="ctr"/>
-                </a:tc>
-                <a:tc>
-                  <a:txBody>
-                    <a:bodyPr/>
-                    <a:lstStyle/>
-                    <a:p>
-                      <a:pPr algn="ctr"/>
-                      <a:r>
-                        <a:rPr lang="en-US" sz="2000"/>
-                        <a:t>Yes</a:t>
-                      </a:r>
-                    </a:p>
-                  </a:txBody>
-                  <a:tcPr marL="111799" marR="111799" marT="55899" marB="55899" anchor="ctr"/>
-                </a:tc>
-                <a:extLst>
-                  <a:ext uri="{0D108BD9-81ED-4DB2-BD59-A6C34878D82A}">
-                    <a16:rowId xmlns:a16="http://schemas.microsoft.com/office/drawing/2014/main" val="883782575"/>
-                  </a:ext>
-                </a:extLst>
-              </a:tr>
-              <a:tr h="403837">
-                <a:tc>
-                  <a:txBody>
-                    <a:bodyPr/>
-                    <a:lstStyle/>
-                    <a:p>
-                      <a:r>
-                        <a:rPr lang="en-US" sz="2000"/>
-                        <a:t>Supported Power BI Capacity SKUs</a:t>
-                      </a:r>
-                    </a:p>
-                  </a:txBody>
-                  <a:tcPr marL="111799" marR="111799" marT="55899" marB="55899" anchor="ctr"/>
-                </a:tc>
-                <a:tc>
-                  <a:txBody>
-                    <a:bodyPr/>
-                    <a:lstStyle/>
-                    <a:p>
-                      <a:pPr algn="ctr"/>
-                      <a:r>
-                        <a:rPr lang="en-US" sz="2000" dirty="0"/>
-                        <a:t>P* and EM* SKUs</a:t>
-                      </a:r>
-                    </a:p>
-                  </a:txBody>
-                  <a:tcPr marL="111799" marR="111799" marT="55899" marB="55899" anchor="ctr"/>
-                </a:tc>
-                <a:tc>
-                  <a:txBody>
-                    <a:bodyPr/>
-                    <a:lstStyle/>
-                    <a:p>
-                      <a:pPr algn="ctr"/>
-                      <a:r>
-                        <a:rPr lang="en-US" sz="2000" dirty="0"/>
-                        <a:t>P*, EM* and A* SKUs</a:t>
-                      </a:r>
-                    </a:p>
-                  </a:txBody>
-                  <a:tcPr marL="111799" marR="111799" marT="55899" marB="55899" anchor="ctr"/>
-                </a:tc>
-                <a:extLst>
-                  <a:ext uri="{0D108BD9-81ED-4DB2-BD59-A6C34878D82A}">
-                    <a16:rowId xmlns:a16="http://schemas.microsoft.com/office/drawing/2014/main" val="1757849280"/>
-                  </a:ext>
-                </a:extLst>
-              </a:tr>
-            </a:tbl>
-          </a:graphicData>
-        </a:graphic>
-      </p:graphicFrame>
+        </p:nvPicPr>
+        <p:blipFill>
+          <a:blip r:embed="rId2"/>
+          <a:stretch>
+            <a:fillRect/>
+          </a:stretch>
+        </p:blipFill>
+        <p:spPr>
+          <a:xfrm>
+            <a:off x="3288507" y="4112279"/>
+            <a:ext cx="5614987" cy="847725"/>
+          </a:xfrm>
+          <a:prstGeom prst="rect">
+            <a:avLst/>
+          </a:prstGeom>
+          <a:effectLst/>
+        </p:spPr>
+      </p:pic>
     </p:spTree>
     <p:extLst>
       <p:ext uri="{BB962C8B-B14F-4D97-AF65-F5344CB8AC3E}">
-        <p14:creationId xmlns:p14="http://schemas.microsoft.com/office/powerpoint/2010/main" val="14779335"/>
+        <p14:creationId xmlns:p14="http://schemas.microsoft.com/office/powerpoint/2010/main" val="538127946"/>
       </p:ext>
     </p:extLst>
   </p:cSld>
@@ -17337,6 +16882,14 @@
 <file path=ppt/slides/slide22.xml><?xml version="1.0" encoding="utf-8"?>
 <p:sld xmlns:a="http://schemas.openxmlformats.org/drawingml/2006/main" xmlns:r="http://schemas.openxmlformats.org/officeDocument/2006/relationships" xmlns:p="http://schemas.openxmlformats.org/presentationml/2006/main">
   <p:cSld>
+    <p:bg>
+      <p:bgPr>
+        <a:solidFill>
+          <a:schemeClr val="bg2"/>
+        </a:solidFill>
+        <a:effectLst/>
+      </p:bgPr>
+    </p:bg>
     <p:spTree>
       <p:nvGrpSpPr>
         <p:cNvPr id="1" name=""/>
@@ -17354,7 +16907,7 @@
     </p:spTree>
     <p:extLst>
       <p:ext uri="{BB962C8B-B14F-4D97-AF65-F5344CB8AC3E}">
-        <p14:creationId xmlns:p14="http://schemas.microsoft.com/office/powerpoint/2010/main" val="1897784522"/>
+        <p14:creationId xmlns:p14="http://schemas.microsoft.com/office/powerpoint/2010/main" val="3226095717"/>
       </p:ext>
     </p:extLst>
   </p:cSld>
@@ -17710,112 +17263,10 @@
       </p:grpSpPr>
       <p:sp>
         <p:nvSpPr>
-          <p:cNvPr id="4" name="Content Placeholder 3">
-            <a:extLst>
-              <a:ext uri="{FF2B5EF4-FFF2-40B4-BE49-F238E27FC236}">
-                <a16:creationId xmlns:a16="http://schemas.microsoft.com/office/drawing/2014/main" id="{AF2C42A9-88FA-4F65-A5E5-04393337A5BD}"/>
-              </a:ext>
-            </a:extLst>
-          </p:cNvPr>
-          <p:cNvSpPr>
-            <a:spLocks noGrp="1"/>
-          </p:cNvSpPr>
-          <p:nvPr>
-            <p:ph type="body" sz="quarter" idx="10"/>
-          </p:nvPr>
-        </p:nvSpPr>
-        <p:spPr/>
-        <p:txBody>
-          <a:bodyPr vert="horz" lIns="91440" tIns="45720" rIns="91440" bIns="45720" rtlCol="0">
-            <a:normAutofit/>
-          </a:bodyPr>
-          <a:lstStyle/>
-          <a:p>
-            <a:pPr marL="285750"/>
-            <a:r>
-              <a:rPr lang="en-US" sz="2000" spc="200" dirty="0">
-                <a:latin typeface="+mn-lt"/>
-              </a:rPr>
-              <a:t>Accessible by making direct REST calls against service</a:t>
-            </a:r>
-          </a:p>
-          <a:p>
-            <a:pPr marL="285750"/>
-            <a:r>
-              <a:rPr lang="en-US" sz="2000" spc="200" dirty="0">
-                <a:latin typeface="+mn-lt"/>
-              </a:rPr>
-              <a:t>Accessible by using assembly DLL that abstracts away REST calls</a:t>
-            </a:r>
-          </a:p>
-          <a:p>
-            <a:pPr marL="285750"/>
-            <a:r>
-              <a:rPr lang="en-US" sz="2000" spc="200" dirty="0">
-                <a:latin typeface="+mn-lt"/>
-              </a:rPr>
-              <a:t>Assembly DLL is named </a:t>
-            </a:r>
-            <a:r>
-              <a:rPr lang="en-US" sz="2000" spc="200" dirty="0" err="1">
-                <a:latin typeface="+mn-lt"/>
-              </a:rPr>
-              <a:t>microsoft.Powerbi.Api.Dll</a:t>
-            </a:r>
-            <a:endParaRPr lang="en-US" sz="2000" spc="200" dirty="0">
-              <a:latin typeface="+mn-lt"/>
-            </a:endParaRPr>
-          </a:p>
-          <a:p>
-            <a:pPr marL="285750"/>
-            <a:r>
-              <a:rPr lang="en-US" sz="2000" spc="200" dirty="0">
-                <a:latin typeface="+mn-lt"/>
-              </a:rPr>
-              <a:t>Assembly DLL part of </a:t>
-            </a:r>
-            <a:r>
-              <a:rPr lang="en-US" sz="2000" spc="200" dirty="0" err="1">
-                <a:latin typeface="+mn-lt"/>
-              </a:rPr>
-              <a:t>nuget</a:t>
-            </a:r>
-            <a:r>
-              <a:rPr lang="en-US" sz="2000" spc="200" dirty="0">
-                <a:latin typeface="+mn-lt"/>
-              </a:rPr>
-              <a:t> package (</a:t>
-            </a:r>
-            <a:r>
-              <a:rPr lang="en-US" sz="2000" b="1" spc="200" dirty="0" err="1">
-                <a:latin typeface="+mn-lt"/>
-              </a:rPr>
-              <a:t>microsoft.Powerbi.Api</a:t>
-            </a:r>
-            <a:r>
-              <a:rPr lang="en-US" sz="2000" spc="200" dirty="0">
-                <a:latin typeface="+mn-lt"/>
-              </a:rPr>
-              <a:t>)</a:t>
-            </a:r>
-          </a:p>
-          <a:p>
-            <a:pPr marL="285750"/>
-            <a:r>
-              <a:rPr lang="en-US" sz="2000" spc="200" dirty="0">
-                <a:latin typeface="+mn-lt"/>
-              </a:rPr>
-              <a:t>Calling service requires authentication with azure active directory</a:t>
-            </a:r>
-          </a:p>
-        </p:txBody>
-      </p:sp>
-      <p:sp>
-        <p:nvSpPr>
           <p:cNvPr id="2" name="Title 1">
             <a:extLst>
               <a:ext uri="{FF2B5EF4-FFF2-40B4-BE49-F238E27FC236}">
-                <a16:creationId xmlns:a16="http://schemas.microsoft.com/office/drawing/2014/main" id="{4E24AFA5-27D2-4E92-A5D5-A72899EB40E5}"/>
+                <a16:creationId xmlns:a16="http://schemas.microsoft.com/office/drawing/2014/main" id="{1DF61B12-DFD4-495E-AA70-FF40F356293F}"/>
               </a:ext>
             </a:extLst>
           </p:cNvPr>
@@ -17828,71 +17279,85 @@
         </p:nvSpPr>
         <p:spPr/>
         <p:txBody>
-          <a:bodyPr vert="horz" lIns="91440" tIns="45720" rIns="91440" bIns="45720" rtlCol="0" anchor="ctr">
-            <a:normAutofit/>
-          </a:bodyPr>
+          <a:bodyPr/>
           <a:lstStyle/>
           <a:p>
             <a:r>
-              <a:rPr lang="en-US" sz="4400" b="1" dirty="0"/>
-              <a:t>Using the Power BI Service API</a:t>
-            </a:r>
-            <a:endParaRPr lang="en-US" sz="4400" kern="1200" dirty="0">
-              <a:solidFill>
-                <a:schemeClr val="tx1"/>
-              </a:solidFill>
-              <a:ea typeface="+mj-ea"/>
-              <a:cs typeface="+mj-cs"/>
-            </a:endParaRPr>
+              <a:rPr lang="en-US" dirty="0"/>
+              <a:t>What is Power BI in Azure?</a:t>
+            </a:r>
           </a:p>
         </p:txBody>
       </p:sp>
-      <p:pic>
-        <p:nvPicPr>
-          <p:cNvPr id="10" name="Content Placeholder 9">
+      <p:sp>
+        <p:nvSpPr>
+          <p:cNvPr id="3" name="Content Placeholder 2">
             <a:extLst>
               <a:ext uri="{FF2B5EF4-FFF2-40B4-BE49-F238E27FC236}">
-                <a16:creationId xmlns:a16="http://schemas.microsoft.com/office/drawing/2014/main" id="{4431905D-18A2-4DEC-A291-3A106A2194A2}"/>
+                <a16:creationId xmlns:a16="http://schemas.microsoft.com/office/drawing/2014/main" id="{1DF37305-FD35-406D-B724-7E0B49C679E5}"/>
               </a:ext>
             </a:extLst>
           </p:cNvPr>
-          <p:cNvPicPr>
-            <a:picLocks noGrp="1" noChangeAspect="1"/>
-          </p:cNvPicPr>
+          <p:cNvSpPr>
+            <a:spLocks noGrp="1"/>
+          </p:cNvSpPr>
           <p:nvPr>
-            <p:ph sz="half" idx="4294967295"/>
+            <p:ph idx="1"/>
           </p:nvPr>
-        </p:nvPicPr>
-        <p:blipFill>
-          <a:blip r:embed="rId2"/>
-          <a:stretch>
-            <a:fillRect/>
-          </a:stretch>
-        </p:blipFill>
+        </p:nvSpPr>
         <p:spPr>
           <a:xfrm>
-            <a:off x="3288507" y="4112279"/>
-            <a:ext cx="5614987" cy="847725"/>
+            <a:off x="269241" y="1189178"/>
+            <a:ext cx="11653521" cy="2308324"/>
           </a:xfrm>
-          <a:prstGeom prst="rect">
-            <a:avLst/>
-          </a:prstGeom>
-          <a:effectLst/>
         </p:spPr>
-      </p:pic>
+        <p:txBody>
+          <a:bodyPr/>
+          <a:lstStyle/>
+          <a:p>
+            <a:r>
+              <a:rPr lang="en-US" sz="2000" dirty="0">
+                <a:latin typeface="+mn-lt"/>
+              </a:rPr>
+              <a:t>Power BI Embedded is intended to simplify how ISVs and developers use Power BI capabilities with embedded analytics. </a:t>
+            </a:r>
+          </a:p>
+          <a:p>
+            <a:r>
+              <a:rPr lang="en-US" sz="2000" dirty="0">
+                <a:latin typeface="+mn-lt"/>
+              </a:rPr>
+              <a:t>Power BI Embedded simplifies Power BI capabilities by helping you quickly add stunning visuals, reports, and dashboards to your apps. </a:t>
+            </a:r>
+          </a:p>
+          <a:p>
+            <a:r>
+              <a:rPr lang="en-US" sz="2000" dirty="0">
+                <a:latin typeface="+mn-lt"/>
+              </a:rPr>
+              <a:t>Similar to apps built on Microsoft Azure use services like Machine Learning and IoT. </a:t>
+            </a:r>
+          </a:p>
+          <a:p>
+            <a:r>
+              <a:rPr lang="en-US" sz="2000" dirty="0">
+                <a:latin typeface="+mn-lt"/>
+              </a:rPr>
+              <a:t>By enabling easy-to-navigate data exploration in their apps, ISVs allow their customers to make quick, informed decisions in context.</a:t>
+            </a:r>
+          </a:p>
+        </p:txBody>
+      </p:sp>
     </p:spTree>
     <p:extLst>
       <p:ext uri="{BB962C8B-B14F-4D97-AF65-F5344CB8AC3E}">
-        <p14:creationId xmlns:p14="http://schemas.microsoft.com/office/powerpoint/2010/main" val="538127946"/>
+        <p14:creationId xmlns:p14="http://schemas.microsoft.com/office/powerpoint/2010/main" val="954658657"/>
       </p:ext>
     </p:extLst>
   </p:cSld>
   <p:clrMapOvr>
     <a:masterClrMapping/>
   </p:clrMapOvr>
-  <p:transition>
-    <p:fade/>
-  </p:transition>
 </p:sld>
 </file>
 
@@ -17915,124 +17380,10 @@
       </p:grpSpPr>
       <p:sp>
         <p:nvSpPr>
-          <p:cNvPr id="13" name="Content Placeholder 12">
-            <a:extLst>
-              <a:ext uri="{FF2B5EF4-FFF2-40B4-BE49-F238E27FC236}">
-                <a16:creationId xmlns:a16="http://schemas.microsoft.com/office/drawing/2014/main" id="{8CDB77AE-C3E3-466C-9F51-854CCCAF56FE}"/>
-              </a:ext>
-            </a:extLst>
-          </p:cNvPr>
-          <p:cNvSpPr>
-            <a:spLocks noGrp="1"/>
-          </p:cNvSpPr>
-          <p:nvPr>
-            <p:ph type="body" sz="quarter" idx="10"/>
-          </p:nvPr>
-        </p:nvSpPr>
-        <p:spPr/>
-        <p:txBody>
-          <a:bodyPr>
-            <a:normAutofit lnSpcReduction="10000"/>
-          </a:bodyPr>
-          <a:lstStyle/>
-          <a:p>
-            <a:pPr marL="457200" indent="-514350">
-              <a:spcBef>
-                <a:spcPts val="400"/>
-              </a:spcBef>
-              <a:buFont typeface="+mj-lt"/>
-              <a:buAutoNum type="arabicPeriod"/>
-            </a:pPr>
-            <a:r>
-              <a:rPr lang="en-US" sz="2000" dirty="0">
-                <a:latin typeface="+mn-lt"/>
-              </a:rPr>
-              <a:t>User launches your app using a browser</a:t>
-            </a:r>
-          </a:p>
-          <a:p>
-            <a:pPr marL="514350" indent="-514350">
-              <a:spcBef>
-                <a:spcPts val="400"/>
-              </a:spcBef>
-              <a:buFont typeface="+mj-lt"/>
-              <a:buAutoNum type="arabicPeriod"/>
-            </a:pPr>
-            <a:r>
-              <a:rPr lang="en-US" sz="2000" dirty="0">
-                <a:latin typeface="+mn-lt"/>
-              </a:rPr>
-              <a:t>App authenticates with azure active directory and obtains access token </a:t>
-            </a:r>
-          </a:p>
-          <a:p>
-            <a:pPr marL="514350" indent="-514350">
-              <a:spcBef>
-                <a:spcPts val="400"/>
-              </a:spcBef>
-              <a:buFont typeface="+mj-lt"/>
-              <a:buAutoNum type="arabicPeriod"/>
-            </a:pPr>
-            <a:r>
-              <a:rPr lang="en-US" sz="2000" dirty="0">
-                <a:latin typeface="+mn-lt"/>
-              </a:rPr>
-              <a:t>App uses access token to call to power BI service API</a:t>
-            </a:r>
-          </a:p>
-          <a:p>
-            <a:pPr marL="514350" indent="-514350">
-              <a:spcBef>
-                <a:spcPts val="400"/>
-              </a:spcBef>
-              <a:buFont typeface="+mj-lt"/>
-              <a:buAutoNum type="arabicPeriod"/>
-            </a:pPr>
-            <a:r>
-              <a:rPr lang="en-US" sz="2000" dirty="0">
-                <a:latin typeface="+mn-lt"/>
-              </a:rPr>
-              <a:t>App retrieves data for embedded resource and passes it to browser.</a:t>
-            </a:r>
-          </a:p>
-          <a:p>
-            <a:pPr marL="514350" indent="-514350">
-              <a:spcBef>
-                <a:spcPts val="400"/>
-              </a:spcBef>
-              <a:buFont typeface="+mj-lt"/>
-              <a:buAutoNum type="arabicPeriod"/>
-            </a:pPr>
-            <a:r>
-              <a:rPr lang="en-US" sz="2000" dirty="0">
-                <a:latin typeface="+mn-lt"/>
-              </a:rPr>
-              <a:t>Client-side code uses Power BI JavaScript API to create embedded resource</a:t>
-            </a:r>
-          </a:p>
-          <a:p>
-            <a:pPr marL="514350" indent="-514350">
-              <a:spcBef>
-                <a:spcPts val="400"/>
-              </a:spcBef>
-              <a:buFont typeface="+mj-lt"/>
-              <a:buAutoNum type="arabicPeriod"/>
-            </a:pPr>
-            <a:r>
-              <a:rPr lang="en-US" sz="2000" dirty="0">
-                <a:latin typeface="+mn-lt"/>
-              </a:rPr>
-              <a:t>Embedded resource session created between browser and power BI service</a:t>
-            </a:r>
-          </a:p>
-        </p:txBody>
-      </p:sp>
-      <p:sp>
-        <p:nvSpPr>
           <p:cNvPr id="2" name="Title 1">
             <a:extLst>
               <a:ext uri="{FF2B5EF4-FFF2-40B4-BE49-F238E27FC236}">
-                <a16:creationId xmlns:a16="http://schemas.microsoft.com/office/drawing/2014/main" id="{CA9A8477-F3D5-4A1E-AA14-3942F2AA5A9D}"/>
+                <a16:creationId xmlns:a16="http://schemas.microsoft.com/office/drawing/2014/main" id="{CFF0E843-8DD9-49EB-B277-64767510F787}"/>
               </a:ext>
             </a:extLst>
           </p:cNvPr>
@@ -18045,120 +17396,85 @@
         </p:nvSpPr>
         <p:spPr/>
         <p:txBody>
-          <a:bodyPr vert="horz" wrap="square" lIns="91440" tIns="45720" rIns="91440" bIns="45720" rtlCol="0" anchor="ctr">
-            <a:normAutofit/>
-          </a:bodyPr>
+          <a:bodyPr/>
           <a:lstStyle/>
           <a:p>
             <a:r>
-              <a:rPr lang="en-US" sz="4400" dirty="0">
-                <a:solidFill>
-                  <a:schemeClr val="tx1"/>
-                </a:solidFill>
-                <a:ea typeface="+mj-ea"/>
-                <a:cs typeface="+mj-cs"/>
-              </a:rPr>
-              <a:t>Power BI Embedding The Big Picture</a:t>
+              <a:rPr lang="en-US" dirty="0"/>
+              <a:t>With Power BI Embedded…</a:t>
             </a:r>
           </a:p>
         </p:txBody>
       </p:sp>
-      <p:grpSp>
-        <p:nvGrpSpPr>
-          <p:cNvPr id="3" name="Group 2">
+      <p:sp>
+        <p:nvSpPr>
+          <p:cNvPr id="3" name="Content Placeholder 2">
             <a:extLst>
               <a:ext uri="{FF2B5EF4-FFF2-40B4-BE49-F238E27FC236}">
-                <a16:creationId xmlns:a16="http://schemas.microsoft.com/office/drawing/2014/main" id="{CB2E0DE9-3E67-4EE3-BEB4-AE7632EE06F7}"/>
+                <a16:creationId xmlns:a16="http://schemas.microsoft.com/office/drawing/2014/main" id="{47D975BF-59AA-4687-83AA-F4B2390A63A7}"/>
               </a:ext>
             </a:extLst>
           </p:cNvPr>
-          <p:cNvGrpSpPr/>
-          <p:nvPr/>
-        </p:nvGrpSpPr>
-        <p:grpSpPr>
+          <p:cNvSpPr>
+            <a:spLocks noGrp="1"/>
+          </p:cNvSpPr>
+          <p:nvPr>
+            <p:ph idx="1"/>
+          </p:nvPr>
+        </p:nvSpPr>
+        <p:spPr>
           <a:xfrm>
-            <a:off x="1240880" y="3209362"/>
-            <a:ext cx="9710241" cy="3135609"/>
-            <a:chOff x="1492623" y="3209362"/>
-            <a:chExt cx="9710241" cy="3135609"/>
+            <a:off x="269241" y="1189178"/>
+            <a:ext cx="11653521" cy="2585323"/>
           </a:xfrm>
-        </p:grpSpPr>
-        <p:pic>
-          <p:nvPicPr>
-            <p:cNvPr id="11" name="Content Placeholder 7">
-              <a:extLst>
-                <a:ext uri="{FF2B5EF4-FFF2-40B4-BE49-F238E27FC236}">
-                  <a16:creationId xmlns:a16="http://schemas.microsoft.com/office/drawing/2014/main" id="{48A200A6-5BD3-489F-A0F4-7EF19324883A}"/>
-                </a:ext>
-              </a:extLst>
-            </p:cNvPr>
-            <p:cNvPicPr>
-              <a:picLocks noChangeAspect="1"/>
-            </p:cNvPicPr>
-            <p:nvPr/>
-          </p:nvPicPr>
-          <p:blipFill>
-            <a:blip r:embed="rId3"/>
-            <a:stretch>
-              <a:fillRect/>
-            </a:stretch>
-          </p:blipFill>
-          <p:spPr>
-            <a:xfrm>
-              <a:off x="5588029" y="3569978"/>
-              <a:ext cx="5614835" cy="2414379"/>
-            </a:xfrm>
-            <a:prstGeom prst="rect">
-              <a:avLst/>
-            </a:prstGeom>
-            <a:effectLst/>
-          </p:spPr>
-        </p:pic>
-        <p:pic>
-          <p:nvPicPr>
-            <p:cNvPr id="5" name="Content Placeholder 4">
-              <a:extLst>
-                <a:ext uri="{FF2B5EF4-FFF2-40B4-BE49-F238E27FC236}">
-                  <a16:creationId xmlns:a16="http://schemas.microsoft.com/office/drawing/2014/main" id="{FA82D964-9870-4331-A240-7B79B6718155}"/>
-                </a:ext>
-              </a:extLst>
-            </p:cNvPr>
-            <p:cNvPicPr>
-              <a:picLocks noChangeAspect="1"/>
-            </p:cNvPicPr>
-            <p:nvPr/>
-          </p:nvPicPr>
-          <p:blipFill>
-            <a:blip r:embed="rId4"/>
-            <a:stretch>
-              <a:fillRect/>
-            </a:stretch>
-          </p:blipFill>
-          <p:spPr>
-            <a:xfrm>
-              <a:off x="1492623" y="3209362"/>
-              <a:ext cx="3603812" cy="3135609"/>
-            </a:xfrm>
-            <a:prstGeom prst="rect">
-              <a:avLst/>
-            </a:prstGeom>
-            <a:effectLst/>
-          </p:spPr>
-        </p:pic>
-      </p:grpSp>
+        </p:spPr>
+        <p:txBody>
+          <a:bodyPr/>
+          <a:lstStyle/>
+          <a:p>
+            <a:r>
+              <a:rPr lang="en-US" sz="2000" dirty="0">
+                <a:latin typeface="+mn-lt"/>
+              </a:rPr>
+              <a:t>Independent Software Vendors and developers have added flexibility in how they embed intelligence in their apps using the Power BI APIs. </a:t>
+            </a:r>
+          </a:p>
+          <a:p>
+            <a:r>
+              <a:rPr lang="en-US" sz="2000" dirty="0">
+                <a:latin typeface="+mn-lt"/>
+              </a:rPr>
+              <a:t>ISVs and developers can take advantage of minimized development efforts to achieve faster time to market and differentiate themselves by infusing Microsoft’s world-class analytics engine in their app. </a:t>
+            </a:r>
+          </a:p>
+          <a:p>
+            <a:r>
+              <a:rPr lang="en-US" sz="2000" dirty="0">
+                <a:latin typeface="+mn-lt"/>
+              </a:rPr>
+              <a:t>Equally, developers can spend time focusing on their solution to meet customer demands, instead of developing visual analytics features. </a:t>
+            </a:r>
+          </a:p>
+          <a:p>
+            <a:r>
+              <a:rPr lang="en-US" sz="2000" dirty="0">
+                <a:latin typeface="+mn-lt"/>
+              </a:rPr>
+              <a:t>Additionally, Power BI Embedded enables you to work within the familiar development environments – Visual Studio and Azure – you already use.</a:t>
+            </a:r>
+          </a:p>
+        </p:txBody>
+      </p:sp>
     </p:spTree>
     <p:extLst>
       <p:ext uri="{BB962C8B-B14F-4D97-AF65-F5344CB8AC3E}">
-        <p14:creationId xmlns:p14="http://schemas.microsoft.com/office/powerpoint/2010/main" val="3421331840"/>
+        <p14:creationId xmlns:p14="http://schemas.microsoft.com/office/powerpoint/2010/main" val="1369409900"/>
       </p:ext>
     </p:extLst>
   </p:cSld>
   <p:clrMapOvr>
     <a:masterClrMapping/>
   </p:clrMapOvr>
-  <p:transition>
-    <p:fade/>
-  </p:transition>
 </p:sld>
 </file>
 
@@ -18184,7 +17500,7 @@
           <p:cNvPr id="2" name="Title 1">
             <a:extLst>
               <a:ext uri="{FF2B5EF4-FFF2-40B4-BE49-F238E27FC236}">
-                <a16:creationId xmlns:a16="http://schemas.microsoft.com/office/drawing/2014/main" id="{9BE05351-2724-4E97-86E0-2B4B45DBA7E5}"/>
+                <a16:creationId xmlns:a16="http://schemas.microsoft.com/office/drawing/2014/main" id="{607657D7-9A44-4A00-9B64-C212EA14A540}"/>
               </a:ext>
             </a:extLst>
           </p:cNvPr>
@@ -18197,21 +17513,18 @@
         </p:nvSpPr>
         <p:spPr/>
         <p:txBody>
-          <a:bodyPr vert="horz" lIns="91440" tIns="45720" rIns="91440" bIns="45720" rtlCol="0" anchor="ctr">
-            <a:normAutofit/>
-          </a:bodyPr>
+          <a:bodyPr anchor="ctr"/>
           <a:lstStyle/>
           <a:p>
             <a:r>
-              <a:rPr lang="en-US" sz="4400" kern="1200" dirty="0">
+              <a:rPr lang="en-US" sz="4400" dirty="0">
                 <a:solidFill>
                   <a:schemeClr val="tx1"/>
                 </a:solidFill>
-                <a:ea typeface="+mj-ea"/>
-                <a:cs typeface="+mj-cs"/>
               </a:rPr>
-              <a:t>First Party Embedding</a:t>
-            </a:r>
+              <a:t>Choose the solution that is right for you</a:t>
+            </a:r>
+            <a:endParaRPr lang="en-US" sz="4400" dirty="0"/>
           </a:p>
         </p:txBody>
       </p:sp>
@@ -18220,7 +17533,7 @@
           <p:cNvPr id="3" name="Content Placeholder 2">
             <a:extLst>
               <a:ext uri="{FF2B5EF4-FFF2-40B4-BE49-F238E27FC236}">
-                <a16:creationId xmlns:a16="http://schemas.microsoft.com/office/drawing/2014/main" id="{828CFE44-D3D4-4AEA-9007-95FC2C08EAA5}"/>
+                <a16:creationId xmlns:a16="http://schemas.microsoft.com/office/drawing/2014/main" id="{F1D082DE-B4A4-4008-AC23-320440BEF259}"/>
               </a:ext>
             </a:extLst>
           </p:cNvPr>
@@ -18228,123 +17541,168 @@
             <a:spLocks noGrp="1"/>
           </p:cNvSpPr>
           <p:nvPr>
-            <p:ph type="body" sz="quarter" idx="10"/>
+            <p:ph idx="1"/>
           </p:nvPr>
         </p:nvSpPr>
-        <p:spPr/>
+        <p:spPr>
+          <a:xfrm>
+            <a:off x="269241" y="1189178"/>
+            <a:ext cx="11653521" cy="2708434"/>
+          </a:xfrm>
+        </p:spPr>
         <p:txBody>
-          <a:bodyPr vert="horz" lIns="91440" tIns="45720" rIns="91440" bIns="45720" rtlCol="0">
-            <a:normAutofit/>
-          </a:bodyPr>
+          <a:bodyPr/>
           <a:lstStyle/>
           <a:p>
-            <a:pPr marL="342900" indent="-338328">
-              <a:buFont typeface="Arial" panose="020B0604020202020204" pitchFamily="34" charset="0"/>
-              <a:buChar char="•"/>
-            </a:pPr>
+            <a:endParaRPr lang="en-US" sz="2000" dirty="0">
+              <a:solidFill>
+                <a:schemeClr val="tx1"/>
+              </a:solidFill>
+              <a:latin typeface="+mn-lt"/>
+            </a:endParaRPr>
+          </a:p>
+          <a:p>
+            <a:pPr lvl="1"/>
             <a:r>
               <a:rPr lang="en-US" sz="2000" dirty="0">
+                <a:solidFill>
+                  <a:schemeClr val="tx1"/>
+                </a:solidFill>
+                <a:latin typeface="+mn-lt"/>
+                <a:hlinkClick r:id="rId2">
+                  <a:extLst>
+                    <a:ext uri="{A12FA001-AC4F-418D-AE19-62706E023703}">
+                      <ahyp:hlinkClr xmlns:ahyp="http://schemas.microsoft.com/office/drawing/2018/hyperlinkcolor" val="tx"/>
+                    </a:ext>
+                  </a:extLst>
+                </a:hlinkClick>
+              </a:rPr>
+              <a:t>Embedding for your organization</a:t>
+            </a:r>
+            <a:r>
+              <a:rPr lang="en-US" sz="2000" dirty="0">
+                <a:solidFill>
+                  <a:schemeClr val="tx1"/>
+                </a:solidFill>
                 <a:latin typeface="+mn-lt"/>
               </a:rPr>
-              <a:t>App authenticates current user with Azure AD</a:t>
-            </a:r>
-          </a:p>
-          <a:p>
-            <a:pPr marL="342900" indent="-338328">
-              <a:buFont typeface="Arial" panose="020B0604020202020204" pitchFamily="34" charset="0"/>
-              <a:buChar char="•"/>
-            </a:pPr>
+              <a:t> allows you to extend the Power BI service. Run the </a:t>
+            </a:r>
             <a:r>
               <a:rPr lang="en-US" sz="2000" dirty="0">
+                <a:solidFill>
+                  <a:schemeClr val="tx1"/>
+                </a:solidFill>
+                <a:latin typeface="+mn-lt"/>
+                <a:hlinkClick r:id="rId3">
+                  <a:extLst>
+                    <a:ext uri="{A12FA001-AC4F-418D-AE19-62706E023703}">
+                      <ahyp:hlinkClr xmlns:ahyp="http://schemas.microsoft.com/office/drawing/2018/hyperlinkcolor" val="tx"/>
+                    </a:ext>
+                  </a:extLst>
+                </a:hlinkClick>
+              </a:rPr>
+              <a:t>Embed for your organization</a:t>
+            </a:r>
+            <a:r>
+              <a:rPr lang="en-US" sz="2000" dirty="0">
+                <a:solidFill>
+                  <a:schemeClr val="tx1"/>
+                </a:solidFill>
                 <a:latin typeface="+mn-lt"/>
               </a:rPr>
-              <a:t>Your code accesses Power BI Service as current user</a:t>
-            </a:r>
-          </a:p>
-          <a:p>
-            <a:pPr marL="342900" indent="-338328">
-              <a:buFont typeface="Arial" panose="020B0604020202020204" pitchFamily="34" charset="0"/>
-              <a:buChar char="•"/>
-            </a:pPr>
+              <a:t> solution.</a:t>
+            </a:r>
+          </a:p>
+          <a:p>
+            <a:endParaRPr lang="en-US" sz="2000" dirty="0">
+              <a:solidFill>
+                <a:schemeClr val="tx1"/>
+              </a:solidFill>
+              <a:latin typeface="+mn-lt"/>
+            </a:endParaRPr>
+          </a:p>
+          <a:p>
+            <a:endParaRPr lang="en-US" sz="2000" dirty="0">
+              <a:solidFill>
+                <a:schemeClr val="tx1"/>
+              </a:solidFill>
+              <a:latin typeface="+mn-lt"/>
+            </a:endParaRPr>
+          </a:p>
+          <a:p>
+            <a:pPr lvl="1"/>
             <a:r>
               <a:rPr lang="en-US" sz="2000" dirty="0">
+                <a:solidFill>
+                  <a:schemeClr val="tx1"/>
+                </a:solidFill>
+                <a:latin typeface="+mn-lt"/>
+                <a:hlinkClick r:id="rId4">
+                  <a:extLst>
+                    <a:ext uri="{A12FA001-AC4F-418D-AE19-62706E023703}">
+                      <ahyp:hlinkClr xmlns:ahyp="http://schemas.microsoft.com/office/drawing/2018/hyperlinkcolor" val="tx"/>
+                    </a:ext>
+                  </a:extLst>
+                </a:hlinkClick>
+              </a:rPr>
+              <a:t>Embedding for your customers</a:t>
+            </a:r>
+            <a:r>
+              <a:rPr lang="en-US" sz="2000" dirty="0">
+                <a:solidFill>
+                  <a:schemeClr val="tx1"/>
+                </a:solidFill>
                 <a:latin typeface="+mn-lt"/>
               </a:rPr>
-              <a:t>Embedding requires Azure AD access token for user</a:t>
-            </a:r>
-          </a:p>
-          <a:p>
-            <a:pPr marL="342900" indent="-338328">
-              <a:buFont typeface="Arial" panose="020B0604020202020204" pitchFamily="34" charset="0"/>
-              <a:buChar char="•"/>
-            </a:pPr>
+              <a:t> provides the ability to embed dashboards and reports to users who don't have an account for Power BI. Run the </a:t>
+            </a:r>
             <a:r>
               <a:rPr lang="en-US" sz="2000" dirty="0">
+                <a:solidFill>
+                  <a:schemeClr val="tx1"/>
+                </a:solidFill>
+                <a:latin typeface="+mn-lt"/>
+                <a:hlinkClick r:id="rId5">
+                  <a:extLst>
+                    <a:ext uri="{A12FA001-AC4F-418D-AE19-62706E023703}">
+                      <ahyp:hlinkClr xmlns:ahyp="http://schemas.microsoft.com/office/drawing/2018/hyperlinkcolor" val="tx"/>
+                    </a:ext>
+                  </a:extLst>
+                </a:hlinkClick>
+              </a:rPr>
+              <a:t>Embed for your customers</a:t>
+            </a:r>
+            <a:r>
+              <a:rPr lang="en-US" sz="2000" dirty="0">
+                <a:solidFill>
+                  <a:schemeClr val="tx1"/>
+                </a:solidFill>
                 <a:latin typeface="+mn-lt"/>
               </a:rPr>
-              <a:t>User requires Azure AD account and Power BI license</a:t>
-            </a:r>
-          </a:p>
-          <a:p>
-            <a:pPr marL="342900" indent="-338328">
-              <a:buFont typeface="Arial" panose="020B0604020202020204" pitchFamily="34" charset="0"/>
-              <a:buChar char="•"/>
-            </a:pPr>
-            <a:r>
-              <a:rPr lang="en-US" sz="2000" dirty="0">
-                <a:latin typeface="+mn-lt"/>
-              </a:rPr>
-              <a:t>Your code has access to whatever user has access to</a:t>
-            </a:r>
+              <a:t> solution.</a:t>
+            </a:r>
+          </a:p>
+          <a:p>
+            <a:endParaRPr lang="en-US" sz="2000" dirty="0">
+              <a:solidFill>
+                <a:schemeClr val="tx1"/>
+              </a:solidFill>
+              <a:latin typeface="+mn-lt"/>
+            </a:endParaRPr>
           </a:p>
         </p:txBody>
       </p:sp>
-      <p:pic>
-        <p:nvPicPr>
-          <p:cNvPr id="5" name="Content Placeholder 4">
-            <a:extLst>
-              <a:ext uri="{FF2B5EF4-FFF2-40B4-BE49-F238E27FC236}">
-                <a16:creationId xmlns:a16="http://schemas.microsoft.com/office/drawing/2014/main" id="{5395AC01-85B1-49F5-B8AB-C0F7BB0CDA3E}"/>
-              </a:ext>
-            </a:extLst>
-          </p:cNvPr>
-          <p:cNvPicPr>
-            <a:picLocks noGrp="1" noChangeAspect="1"/>
-          </p:cNvPicPr>
-          <p:nvPr>
-            <p:ph sz="half" idx="4294967295"/>
-          </p:nvPr>
-        </p:nvPicPr>
-        <p:blipFill>
-          <a:blip r:embed="rId2"/>
-          <a:stretch>
-            <a:fillRect/>
-          </a:stretch>
-        </p:blipFill>
-        <p:spPr>
-          <a:xfrm>
-            <a:off x="3288506" y="3590738"/>
-            <a:ext cx="5614987" cy="1917700"/>
-          </a:xfrm>
-          <a:prstGeom prst="rect">
-            <a:avLst/>
-          </a:prstGeom>
-          <a:effectLst/>
-        </p:spPr>
-      </p:pic>
     </p:spTree>
     <p:extLst>
       <p:ext uri="{BB962C8B-B14F-4D97-AF65-F5344CB8AC3E}">
-        <p14:creationId xmlns:p14="http://schemas.microsoft.com/office/powerpoint/2010/main" val="878665244"/>
+        <p14:creationId xmlns:p14="http://schemas.microsoft.com/office/powerpoint/2010/main" val="473762192"/>
       </p:ext>
     </p:extLst>
   </p:cSld>
   <p:clrMapOvr>
     <a:masterClrMapping/>
   </p:clrMapOvr>
-  <p:transition>
-    <p:fade/>
-  </p:transition>
 </p:sld>
 </file>
 
@@ -18370,7 +17728,7 @@
           <p:cNvPr id="2" name="Title 1">
             <a:extLst>
               <a:ext uri="{FF2B5EF4-FFF2-40B4-BE49-F238E27FC236}">
-                <a16:creationId xmlns:a16="http://schemas.microsoft.com/office/drawing/2014/main" id="{9BE05351-2724-4E97-86E0-2B4B45DBA7E5}"/>
+                <a16:creationId xmlns:a16="http://schemas.microsoft.com/office/drawing/2014/main" id="{463A3079-D340-4C18-8D42-3A7A82FDB4E0}"/>
               </a:ext>
             </a:extLst>
           </p:cNvPr>
@@ -18381,310 +17739,122 @@
             <p:ph type="title"/>
           </p:nvPr>
         </p:nvSpPr>
+        <p:spPr/>
+        <p:txBody>
+          <a:bodyPr/>
+          <a:lstStyle/>
+          <a:p>
+            <a:r>
+              <a:rPr lang="en-US" dirty="0"/>
+              <a:t>Required Tools</a:t>
+            </a:r>
+          </a:p>
+        </p:txBody>
+      </p:sp>
+      <p:sp>
+        <p:nvSpPr>
+          <p:cNvPr id="3" name="Content Placeholder 2">
+            <a:extLst>
+              <a:ext uri="{FF2B5EF4-FFF2-40B4-BE49-F238E27FC236}">
+                <a16:creationId xmlns:a16="http://schemas.microsoft.com/office/drawing/2014/main" id="{0F133390-0C3C-4069-8E9C-59E0432E4287}"/>
+              </a:ext>
+            </a:extLst>
+          </p:cNvPr>
+          <p:cNvSpPr>
+            <a:spLocks noGrp="1"/>
+          </p:cNvSpPr>
+          <p:nvPr>
+            <p:ph idx="1"/>
+          </p:nvPr>
+        </p:nvSpPr>
         <p:spPr>
           <a:xfrm>
-            <a:off x="269240" y="296335"/>
-            <a:ext cx="11655840" cy="899665"/>
+            <a:off x="269241" y="1189178"/>
+            <a:ext cx="11653521" cy="1415772"/>
           </a:xfrm>
         </p:spPr>
         <p:txBody>
-          <a:bodyPr vert="horz" lIns="91440" tIns="45720" rIns="91440" bIns="45720" rtlCol="0" anchor="ctr">
-            <a:normAutofit/>
-          </a:bodyPr>
+          <a:bodyPr/>
           <a:lstStyle/>
           <a:p>
             <a:r>
-              <a:rPr lang="en-US" sz="4400" kern="1200" dirty="0">
+              <a:rPr lang="en-US" sz="2000" b="1" dirty="0">
                 <a:solidFill>
                   <a:schemeClr val="tx1"/>
                 </a:solidFill>
-                <a:ea typeface="+mj-ea"/>
-                <a:cs typeface="+mj-cs"/>
+                <a:latin typeface="+mn-lt"/>
+                <a:hlinkClick r:id="rId2">
+                  <a:extLst>
+                    <a:ext uri="{A12FA001-AC4F-418D-AE19-62706E023703}">
+                      <ahyp:hlinkClr xmlns:ahyp="http://schemas.microsoft.com/office/drawing/2018/hyperlinkcolor" val="tx"/>
+                    </a:ext>
+                  </a:extLst>
+                </a:hlinkClick>
               </a:rPr>
-              <a:t>Third Party Embedding</a:t>
-            </a:r>
-          </a:p>
-        </p:txBody>
-      </p:sp>
-      <p:pic>
-        <p:nvPicPr>
-          <p:cNvPr id="7" name="Content Placeholder 6">
-            <a:extLst>
-              <a:ext uri="{FF2B5EF4-FFF2-40B4-BE49-F238E27FC236}">
-                <a16:creationId xmlns:a16="http://schemas.microsoft.com/office/drawing/2014/main" id="{9B8DF230-80D9-427B-B0C9-30FFC1C23C0B}"/>
-              </a:ext>
-            </a:extLst>
-          </p:cNvPr>
-          <p:cNvPicPr>
-            <a:picLocks noGrp="1" noChangeAspect="1"/>
-          </p:cNvPicPr>
-          <p:nvPr>
-            <p:ph sz="half" idx="2"/>
-          </p:nvPr>
-        </p:nvPicPr>
-        <p:blipFill>
-          <a:blip r:embed="rId2"/>
-          <a:stretch>
-            <a:fillRect/>
-          </a:stretch>
-        </p:blipFill>
-        <p:spPr>
-          <a:xfrm>
-            <a:off x="3505200" y="3733358"/>
-            <a:ext cx="5181600" cy="1769617"/>
-          </a:xfrm>
-          <a:prstGeom prst="rect">
-            <a:avLst/>
-          </a:prstGeom>
-          <a:effectLst/>
-        </p:spPr>
-      </p:pic>
-      <p:sp>
-        <p:nvSpPr>
-          <p:cNvPr id="5" name="Content Placeholder 3">
-            <a:extLst>
-              <a:ext uri="{FF2B5EF4-FFF2-40B4-BE49-F238E27FC236}">
-                <a16:creationId xmlns:a16="http://schemas.microsoft.com/office/drawing/2014/main" id="{C4F2A7AB-91F2-4614-A5A7-551B2AC9B7C3}"/>
-              </a:ext>
-            </a:extLst>
-          </p:cNvPr>
-          <p:cNvSpPr txBox="1">
-            <a:spLocks/>
-          </p:cNvSpPr>
-          <p:nvPr/>
-        </p:nvSpPr>
-        <p:spPr>
-          <a:xfrm>
-            <a:off x="269239" y="1189177"/>
-            <a:ext cx="11653523" cy="2052030"/>
-          </a:xfrm>
-        </p:spPr>
-        <p:txBody>
-          <a:bodyPr vert="horz" wrap="square" lIns="91440" tIns="45720" rIns="91440" bIns="45720" rtlCol="0">
-            <a:normAutofit/>
-          </a:bodyPr>
-          <a:lstStyle>
-            <a:defPPr>
-              <a:defRPr lang="en-US"/>
-            </a:defPPr>
-            <a:lvl1pPr marL="285750" marR="0" indent="-336145" defTabSz="914367" fontAlgn="auto">
-              <a:lnSpc>
-                <a:spcPct val="90000"/>
-              </a:lnSpc>
-              <a:spcBef>
-                <a:spcPct val="20000"/>
-              </a:spcBef>
-              <a:spcAft>
-                <a:spcPts val="0"/>
-              </a:spcAft>
-              <a:buClrTx/>
-              <a:buSzPct val="90000"/>
-              <a:buFont typeface="Arial" pitchFamily="34" charset="0"/>
-              <a:buChar char="•"/>
-              <a:tabLst/>
-              <a:defRPr sz="2000" spc="200" baseline="0">
-                <a:gradFill>
-                  <a:gsLst>
-                    <a:gs pos="1250">
-                      <a:schemeClr val="tx1"/>
-                    </a:gs>
-                    <a:gs pos="100000">
-                      <a:schemeClr val="tx1"/>
-                    </a:gs>
-                  </a:gsLst>
-                  <a:lin ang="5400000" scaled="0"/>
-                </a:gradFill>
-                <a:latin typeface="+mj-lt"/>
-              </a:defRPr>
-            </a:lvl1pPr>
-            <a:lvl2pPr marL="572691" marR="0" indent="-236546" defTabSz="914367" fontAlgn="auto">
-              <a:lnSpc>
-                <a:spcPct val="90000"/>
-              </a:lnSpc>
-              <a:spcBef>
-                <a:spcPct val="20000"/>
-              </a:spcBef>
-              <a:spcAft>
-                <a:spcPts val="0"/>
-              </a:spcAft>
-              <a:buClrTx/>
-              <a:buSzPct val="90000"/>
-              <a:buFont typeface="Arial" pitchFamily="34" charset="0"/>
-              <a:buChar char="•"/>
-              <a:tabLst/>
-              <a:defRPr sz="2353" spc="0" baseline="0">
-                <a:gradFill>
-                  <a:gsLst>
-                    <a:gs pos="1250">
-                      <a:schemeClr val="tx1"/>
-                    </a:gs>
-                    <a:gs pos="100000">
-                      <a:schemeClr val="tx1"/>
-                    </a:gs>
-                  </a:gsLst>
-                  <a:lin ang="5400000" scaled="0"/>
-                </a:gradFill>
-              </a:defRPr>
-            </a:lvl2pPr>
-            <a:lvl3pPr marL="784338" marR="0" indent="-224097" defTabSz="914367" fontAlgn="auto">
-              <a:lnSpc>
-                <a:spcPct val="90000"/>
-              </a:lnSpc>
-              <a:spcBef>
-                <a:spcPct val="20000"/>
-              </a:spcBef>
-              <a:spcAft>
-                <a:spcPts val="0"/>
-              </a:spcAft>
-              <a:buClrTx/>
-              <a:buSzPct val="90000"/>
-              <a:buFont typeface="Arial" pitchFamily="34" charset="0"/>
-              <a:buChar char="•"/>
-              <a:tabLst/>
-              <a:defRPr sz="1961" spc="0" baseline="0">
-                <a:gradFill>
-                  <a:gsLst>
-                    <a:gs pos="1250">
-                      <a:schemeClr val="tx1"/>
-                    </a:gs>
-                    <a:gs pos="100000">
-                      <a:schemeClr val="tx1"/>
-                    </a:gs>
-                  </a:gsLst>
-                  <a:lin ang="5400000" scaled="0"/>
-                </a:gradFill>
-              </a:defRPr>
-            </a:lvl3pPr>
-            <a:lvl4pPr marL="1008435" marR="0" indent="-224097" defTabSz="914367" fontAlgn="auto">
-              <a:lnSpc>
-                <a:spcPct val="90000"/>
-              </a:lnSpc>
-              <a:spcBef>
-                <a:spcPct val="20000"/>
-              </a:spcBef>
-              <a:spcAft>
-                <a:spcPts val="0"/>
-              </a:spcAft>
-              <a:buClrTx/>
-              <a:buSzPct val="90000"/>
-              <a:buFont typeface="Arial" pitchFamily="34" charset="0"/>
-              <a:buChar char="•"/>
-              <a:tabLst/>
-              <a:defRPr sz="1765" spc="0" baseline="0">
-                <a:gradFill>
-                  <a:gsLst>
-                    <a:gs pos="1250">
-                      <a:schemeClr val="tx1"/>
-                    </a:gs>
-                    <a:gs pos="100000">
-                      <a:schemeClr val="tx1"/>
-                    </a:gs>
-                  </a:gsLst>
-                  <a:lin ang="5400000" scaled="0"/>
-                </a:gradFill>
-              </a:defRPr>
-            </a:lvl4pPr>
-            <a:lvl5pPr marL="1232531" marR="0" indent="-224097" defTabSz="914367" fontAlgn="auto">
-              <a:lnSpc>
-                <a:spcPct val="90000"/>
-              </a:lnSpc>
-              <a:spcBef>
-                <a:spcPct val="20000"/>
-              </a:spcBef>
-              <a:spcAft>
-                <a:spcPts val="0"/>
-              </a:spcAft>
-              <a:buClrTx/>
-              <a:buSzPct val="90000"/>
-              <a:buFont typeface="Arial" pitchFamily="34" charset="0"/>
-              <a:buChar char="•"/>
-              <a:tabLst/>
-              <a:defRPr sz="1765" spc="0" baseline="0">
-                <a:gradFill>
-                  <a:gsLst>
-                    <a:gs pos="1250">
-                      <a:schemeClr val="tx1"/>
-                    </a:gs>
-                    <a:gs pos="100000">
-                      <a:schemeClr val="tx1"/>
-                    </a:gs>
-                  </a:gsLst>
-                  <a:lin ang="5400000" scaled="0"/>
-                </a:gradFill>
-              </a:defRPr>
-            </a:lvl5pPr>
-            <a:lvl6pPr marL="2514509" indent="-228592" defTabSz="914367">
-              <a:spcBef>
-                <a:spcPct val="20000"/>
-              </a:spcBef>
-              <a:buFont typeface="Arial" pitchFamily="34" charset="0"/>
-              <a:buChar char="•"/>
-              <a:defRPr sz="1961"/>
-            </a:lvl6pPr>
-            <a:lvl7pPr marL="2971693" indent="-228592" defTabSz="914367">
-              <a:spcBef>
-                <a:spcPct val="20000"/>
-              </a:spcBef>
-              <a:buFont typeface="Arial" pitchFamily="34" charset="0"/>
-              <a:buChar char="•"/>
-              <a:defRPr sz="1961"/>
-            </a:lvl7pPr>
-            <a:lvl8pPr marL="3428877" indent="-228592" defTabSz="914367">
-              <a:spcBef>
-                <a:spcPct val="20000"/>
-              </a:spcBef>
-              <a:buFont typeface="Arial" pitchFamily="34" charset="0"/>
-              <a:buChar char="•"/>
-              <a:defRPr sz="1961"/>
-            </a:lvl8pPr>
-            <a:lvl9pPr marL="3886061" indent="-228592" defTabSz="914367">
-              <a:spcBef>
-                <a:spcPct val="20000"/>
-              </a:spcBef>
-              <a:buFont typeface="Arial" pitchFamily="34" charset="0"/>
-              <a:buChar char="•"/>
-              <a:defRPr sz="1961"/>
-            </a:lvl9pPr>
-          </a:lstStyle>
-          <a:p>
-            <a:pPr marL="0" indent="-237744">
-              <a:spcBef>
-                <a:spcPts val="0"/>
-              </a:spcBef>
-            </a:pPr>
-            <a:r>
-              <a:rPr lang="en-US" spc="0" dirty="0">
+              <a:t>The Azure portal</a:t>
+            </a:r>
+            <a:r>
+              <a:rPr lang="en-US" sz="2000" dirty="0">
+                <a:solidFill>
+                  <a:schemeClr val="tx1"/>
+                </a:solidFill>
                 <a:latin typeface="+mn-lt"/>
               </a:rPr>
-              <a:t>App authenticates using Master User Account</a:t>
-            </a:r>
-          </a:p>
-          <a:p>
-            <a:pPr marL="0" lvl="1"/>
-            <a:r>
-              <a:rPr lang="en-US" sz="2000" dirty="0"/>
-              <a:t>Your code accesses Power BI Service as master user</a:t>
-            </a:r>
-          </a:p>
-          <a:p>
-            <a:pPr marL="0" lvl="1"/>
-            <a:r>
-              <a:rPr lang="en-US" sz="2000" dirty="0"/>
-              <a:t>Embedding uses embed token instead of access token</a:t>
-            </a:r>
-          </a:p>
-          <a:p>
-            <a:pPr marL="0" lvl="1"/>
-            <a:r>
-              <a:rPr lang="en-US" sz="2000" dirty="0"/>
-              <a:t>Users don’t need AAD accounts and Power BI licenses</a:t>
-            </a:r>
-          </a:p>
-          <a:p>
-            <a:pPr marL="0" lvl="1"/>
-            <a:r>
-              <a:rPr lang="en-US" sz="2000" dirty="0"/>
-              <a:t>Your code has access to whatever master has access to</a:t>
+              <a:t>: A web-based application for managing all Azure services</a:t>
+            </a:r>
+          </a:p>
+          <a:p>
+            <a:r>
+              <a:rPr lang="en-US" sz="2000" b="1" dirty="0">
+                <a:solidFill>
+                  <a:schemeClr val="tx1"/>
+                </a:solidFill>
+                <a:latin typeface="+mn-lt"/>
+                <a:hlinkClick r:id="rId3">
+                  <a:extLst>
+                    <a:ext uri="{A12FA001-AC4F-418D-AE19-62706E023703}">
+                      <ahyp:hlinkClr xmlns:ahyp="http://schemas.microsoft.com/office/drawing/2018/hyperlinkcolor" val="tx"/>
+                    </a:ext>
+                  </a:extLst>
+                </a:hlinkClick>
+              </a:rPr>
+              <a:t>Visual Studio Code</a:t>
+            </a:r>
+            <a:r>
+              <a:rPr lang="en-US" sz="2000" dirty="0">
+                <a:solidFill>
+                  <a:schemeClr val="tx1"/>
+                </a:solidFill>
+                <a:latin typeface="+mn-lt"/>
+              </a:rPr>
+              <a:t>: a free, downloadable, open source, code editor for Windows, macOS, and Linux that supports extensions</a:t>
+            </a:r>
+          </a:p>
+          <a:p>
+            <a:r>
+              <a:rPr lang="en-US" sz="2000" b="1" dirty="0">
+                <a:solidFill>
+                  <a:schemeClr val="tx1"/>
+                </a:solidFill>
+                <a:latin typeface="+mn-lt"/>
+                <a:hlinkClick r:id="rId4">
+                  <a:extLst>
+                    <a:ext uri="{A12FA001-AC4F-418D-AE19-62706E023703}">
+                      <ahyp:hlinkClr xmlns:ahyp="http://schemas.microsoft.com/office/drawing/2018/hyperlinkcolor" val="tx"/>
+                    </a:ext>
+                  </a:extLst>
+                </a:hlinkClick>
+              </a:rPr>
+              <a:t>Power BI Desktop</a:t>
+            </a:r>
+            <a:r>
+              <a:rPr lang="en-US" sz="2000" dirty="0">
+                <a:solidFill>
+                  <a:schemeClr val="tx1"/>
+                </a:solidFill>
+                <a:latin typeface="+mn-lt"/>
+              </a:rPr>
+              <a:t>: a free, downloadable tool to create rich, interactive reports with visual analytics</a:t>
             </a:r>
           </a:p>
         </p:txBody>
@@ -18692,7 +17862,7 @@
     </p:spTree>
     <p:extLst>
       <p:ext uri="{BB962C8B-B14F-4D97-AF65-F5344CB8AC3E}">
-        <p14:creationId xmlns:p14="http://schemas.microsoft.com/office/powerpoint/2010/main" val="893466603"/>
+        <p14:creationId xmlns:p14="http://schemas.microsoft.com/office/powerpoint/2010/main" val="2737832780"/>
       </p:ext>
     </p:extLst>
   </p:cSld>
@@ -18721,226 +17891,10 @@
       </p:grpSpPr>
       <p:sp>
         <p:nvSpPr>
-          <p:cNvPr id="3" name="Text Placeholder 2">
+          <p:cNvPr id="2" name="Title 1">
             <a:extLst>
               <a:ext uri="{FF2B5EF4-FFF2-40B4-BE49-F238E27FC236}">
-                <a16:creationId xmlns:a16="http://schemas.microsoft.com/office/drawing/2014/main" id="{8E61C59B-7135-44A5-BDA5-915623729B3F}"/>
-              </a:ext>
-            </a:extLst>
-          </p:cNvPr>
-          <p:cNvSpPr>
-            <a:spLocks noGrp="1"/>
-          </p:cNvSpPr>
-          <p:nvPr>
-            <p:ph type="body" idx="1"/>
-          </p:nvPr>
-        </p:nvSpPr>
-        <p:spPr>
-          <a:xfrm>
-            <a:off x="269240" y="1681163"/>
-            <a:ext cx="5728335" cy="461665"/>
-          </a:xfrm>
-        </p:spPr>
-        <p:txBody>
-          <a:bodyPr anchor="t"/>
-          <a:lstStyle/>
-          <a:p>
-            <a:r>
-              <a:rPr lang="en-US" sz="2000" dirty="0">
-                <a:latin typeface="+mn-lt"/>
-              </a:rPr>
-              <a:t>What scenarios use first party embedding?</a:t>
-            </a:r>
-          </a:p>
-        </p:txBody>
-      </p:sp>
-      <p:sp>
-        <p:nvSpPr>
-          <p:cNvPr id="4" name="Content Placeholder 3">
-            <a:extLst>
-              <a:ext uri="{FF2B5EF4-FFF2-40B4-BE49-F238E27FC236}">
-                <a16:creationId xmlns:a16="http://schemas.microsoft.com/office/drawing/2014/main" id="{BFC68C1C-0B2A-440E-962D-C5C0F542E8EB}"/>
-              </a:ext>
-            </a:extLst>
-          </p:cNvPr>
-          <p:cNvSpPr>
-            <a:spLocks noGrp="1"/>
-          </p:cNvSpPr>
-          <p:nvPr>
-            <p:ph sz="half" idx="2"/>
-          </p:nvPr>
-        </p:nvSpPr>
-        <p:spPr>
-          <a:xfrm>
-            <a:off x="269240" y="2505075"/>
-            <a:ext cx="5728335" cy="2308324"/>
-          </a:xfrm>
-        </p:spPr>
-        <p:txBody>
-          <a:bodyPr/>
-          <a:lstStyle/>
-          <a:p>
-            <a:pPr marL="384048" lvl="1" indent="-182880">
-              <a:buFont typeface="Calibri" pitchFamily="34" charset="0"/>
-              <a:buChar char="◦"/>
-            </a:pPr>
-            <a:r>
-              <a:rPr lang="en-US" sz="2000" dirty="0">
-                <a:solidFill>
-                  <a:schemeClr val="tx2"/>
-                </a:solidFill>
-              </a:rPr>
-              <a:t>Organizations where users have Power BI licenses</a:t>
-            </a:r>
-          </a:p>
-          <a:p>
-            <a:pPr marL="384048" lvl="1" indent="-182880">
-              <a:buFont typeface="Calibri" pitchFamily="34" charset="0"/>
-              <a:buChar char="◦"/>
-            </a:pPr>
-            <a:r>
-              <a:rPr lang="en-US" sz="2000" dirty="0">
-                <a:solidFill>
-                  <a:schemeClr val="tx2"/>
-                </a:solidFill>
-              </a:rPr>
-              <a:t>Embedding Power BI reports in SharePoint and Teams</a:t>
-            </a:r>
-          </a:p>
-          <a:p>
-            <a:pPr marL="384048" lvl="1" indent="-182880">
-              <a:buFont typeface="Calibri" pitchFamily="34" charset="0"/>
-              <a:buChar char="◦"/>
-            </a:pPr>
-            <a:r>
-              <a:rPr lang="en-US" sz="2000" dirty="0">
-                <a:solidFill>
-                  <a:schemeClr val="tx2"/>
-                </a:solidFill>
-              </a:rPr>
-              <a:t>Development should go beyond out-of-box experience</a:t>
-            </a:r>
-          </a:p>
-          <a:p>
-            <a:endParaRPr lang="en-US" sz="2000" dirty="0">
-              <a:latin typeface="+mn-lt"/>
-            </a:endParaRPr>
-          </a:p>
-        </p:txBody>
-      </p:sp>
-      <p:sp>
-        <p:nvSpPr>
-          <p:cNvPr id="5" name="Text Placeholder 4">
-            <a:extLst>
-              <a:ext uri="{FF2B5EF4-FFF2-40B4-BE49-F238E27FC236}">
-                <a16:creationId xmlns:a16="http://schemas.microsoft.com/office/drawing/2014/main" id="{D4636895-B908-49D1-9DFF-A2841D9A409D}"/>
-              </a:ext>
-            </a:extLst>
-          </p:cNvPr>
-          <p:cNvSpPr>
-            <a:spLocks noGrp="1"/>
-          </p:cNvSpPr>
-          <p:nvPr>
-            <p:ph type="body" sz="quarter" idx="3"/>
-          </p:nvPr>
-        </p:nvSpPr>
-        <p:spPr>
-          <a:xfrm>
-            <a:off x="6172200" y="1681163"/>
-            <a:ext cx="5750560" cy="461665"/>
-          </a:xfrm>
-        </p:spPr>
-        <p:txBody>
-          <a:bodyPr anchor="t"/>
-          <a:lstStyle/>
-          <a:p>
-            <a:r>
-              <a:rPr lang="en-US" sz="2000" dirty="0">
-                <a:solidFill>
-                  <a:schemeClr val="tx2"/>
-                </a:solidFill>
-                <a:latin typeface="+mn-lt"/>
-              </a:rPr>
-              <a:t>What scenarios use third party embedding?</a:t>
-            </a:r>
-          </a:p>
-        </p:txBody>
-      </p:sp>
-      <p:sp>
-        <p:nvSpPr>
-          <p:cNvPr id="6" name="Content Placeholder 5">
-            <a:extLst>
-              <a:ext uri="{FF2B5EF4-FFF2-40B4-BE49-F238E27FC236}">
-                <a16:creationId xmlns:a16="http://schemas.microsoft.com/office/drawing/2014/main" id="{976746D2-A84C-4140-86F3-48477DBF59B3}"/>
-              </a:ext>
-            </a:extLst>
-          </p:cNvPr>
-          <p:cNvSpPr>
-            <a:spLocks noGrp="1"/>
-          </p:cNvSpPr>
-          <p:nvPr>
-            <p:ph sz="quarter" idx="4"/>
-          </p:nvPr>
-        </p:nvSpPr>
-        <p:spPr>
-          <a:xfrm>
-            <a:off x="6172200" y="2505075"/>
-            <a:ext cx="5750560" cy="1969770"/>
-          </a:xfrm>
-        </p:spPr>
-        <p:txBody>
-          <a:bodyPr/>
-          <a:lstStyle/>
-          <a:p>
-            <a:pPr marL="384048" lvl="1" indent="-182880">
-              <a:buFont typeface="Calibri" pitchFamily="34" charset="0"/>
-              <a:buChar char="◦"/>
-            </a:pPr>
-            <a:r>
-              <a:rPr lang="en-US" sz="2000" dirty="0">
-                <a:solidFill>
-                  <a:schemeClr val="tx2"/>
-                </a:solidFill>
-              </a:rPr>
-              <a:t>Scenarios where users don’t have Power BI licenses</a:t>
-            </a:r>
-          </a:p>
-          <a:p>
-            <a:pPr marL="384048" lvl="1" indent="-182880">
-              <a:buFont typeface="Calibri" pitchFamily="34" charset="0"/>
-              <a:buChar char="◦"/>
-            </a:pPr>
-            <a:r>
-              <a:rPr lang="en-US" sz="2000" dirty="0">
-                <a:solidFill>
-                  <a:schemeClr val="tx2"/>
-                </a:solidFill>
-              </a:rPr>
-              <a:t>Applications which have custom identity providers</a:t>
-            </a:r>
-          </a:p>
-          <a:p>
-            <a:pPr marL="384048" lvl="1" indent="-182880">
-              <a:buFont typeface="Calibri" pitchFamily="34" charset="0"/>
-              <a:buChar char="◦"/>
-            </a:pPr>
-            <a:r>
-              <a:rPr lang="en-US" sz="2000" dirty="0">
-                <a:solidFill>
-                  <a:schemeClr val="tx2"/>
-                </a:solidFill>
-              </a:rPr>
-              <a:t>Applications which use identity provider other than AAD</a:t>
-            </a:r>
-          </a:p>
-        </p:txBody>
-      </p:sp>
-      <p:sp>
-        <p:nvSpPr>
-          <p:cNvPr id="9" name="Title 1">
-            <a:extLst>
-              <a:ext uri="{FF2B5EF4-FFF2-40B4-BE49-F238E27FC236}">
-                <a16:creationId xmlns:a16="http://schemas.microsoft.com/office/drawing/2014/main" id="{ADAA064D-A17E-4D21-9705-AF7F5C9D58A9}"/>
+                <a16:creationId xmlns:a16="http://schemas.microsoft.com/office/drawing/2014/main" id="{C9BB36D3-648D-493D-B770-BD451557C504}"/>
               </a:ext>
             </a:extLst>
           </p:cNvPr>
@@ -18951,27 +17905,85 @@
             <p:ph type="title"/>
           </p:nvPr>
         </p:nvSpPr>
+        <p:spPr/>
+        <p:txBody>
+          <a:bodyPr anchor="ctr"/>
+          <a:lstStyle/>
+          <a:p>
+            <a:r>
+              <a:rPr lang="en-US" sz="4400" dirty="0"/>
+              <a:t>APIs</a:t>
+            </a:r>
+          </a:p>
+        </p:txBody>
+      </p:sp>
+      <p:sp>
+        <p:nvSpPr>
+          <p:cNvPr id="3" name="Content Placeholder 2">
+            <a:extLst>
+              <a:ext uri="{FF2B5EF4-FFF2-40B4-BE49-F238E27FC236}">
+                <a16:creationId xmlns:a16="http://schemas.microsoft.com/office/drawing/2014/main" id="{96641D55-7CD9-4B51-804A-9743735D1B98}"/>
+              </a:ext>
+            </a:extLst>
+          </p:cNvPr>
+          <p:cNvSpPr>
+            <a:spLocks noGrp="1"/>
+          </p:cNvSpPr>
+          <p:nvPr>
+            <p:ph idx="1"/>
+          </p:nvPr>
+        </p:nvSpPr>
         <p:spPr>
           <a:xfrm>
-            <a:off x="269240" y="289511"/>
-            <a:ext cx="11655840" cy="899665"/>
+            <a:off x="269241" y="1189178"/>
+            <a:ext cx="11653521" cy="2031325"/>
           </a:xfrm>
         </p:spPr>
         <p:txBody>
-          <a:bodyPr vert="horz" lIns="91440" tIns="45720" rIns="91440" bIns="45720" rtlCol="0" anchor="ctr">
-            <a:normAutofit/>
-          </a:bodyPr>
+          <a:bodyPr/>
           <a:lstStyle/>
           <a:p>
             <a:r>
-              <a:rPr lang="en-US" sz="4400" kern="1200" dirty="0">
-                <a:solidFill>
-                  <a:schemeClr val="tx1"/>
-                </a:solidFill>
-                <a:ea typeface="+mj-ea"/>
-                <a:cs typeface="+mj-cs"/>
+              <a:rPr lang="en-US" sz="2000" dirty="0">
+                <a:latin typeface="+mn-lt"/>
               </a:rPr>
-              <a:t>First Party vs Third Party Embedding</a:t>
+              <a:t>For customers and users without Power BI licenses, you can embed dashboards and reports into your custom application, using the same API to either service your organization or your customers. </a:t>
+            </a:r>
+          </a:p>
+          <a:p>
+            <a:r>
+              <a:rPr lang="en-US" sz="2000" dirty="0">
+                <a:latin typeface="+mn-lt"/>
+              </a:rPr>
+              <a:t>Your customers see the data that is managed by the application. </a:t>
+            </a:r>
+          </a:p>
+          <a:p>
+            <a:r>
+              <a:rPr lang="en-US" sz="2000" dirty="0">
+                <a:latin typeface="+mn-lt"/>
+              </a:rPr>
+              <a:t>Also, for Power BI users in your organization, they have the additional options to view </a:t>
+            </a:r>
+            <a:r>
+              <a:rPr lang="en-US" sz="2000" i="1" dirty="0">
+                <a:latin typeface="+mn-lt"/>
+              </a:rPr>
+              <a:t>their data</a:t>
+            </a:r>
+            <a:r>
+              <a:rPr lang="en-US" sz="2000" dirty="0">
+                <a:latin typeface="+mn-lt"/>
+              </a:rPr>
+              <a:t> directly in Power BI or the context of the embedded application. </a:t>
+            </a:r>
+          </a:p>
+          <a:p>
+            <a:r>
+              <a:rPr lang="en-US" sz="2000" dirty="0">
+                <a:latin typeface="+mn-lt"/>
+              </a:rPr>
+              <a:t>You can take full advantage of the JavaScript and REST APIs for your embedding needs.</a:t>
             </a:r>
           </a:p>
         </p:txBody>
@@ -18979,7 +17991,7 @@
     </p:spTree>
     <p:extLst>
       <p:ext uri="{BB962C8B-B14F-4D97-AF65-F5344CB8AC3E}">
-        <p14:creationId xmlns:p14="http://schemas.microsoft.com/office/powerpoint/2010/main" val="998052266"/>
+        <p14:creationId xmlns:p14="http://schemas.microsoft.com/office/powerpoint/2010/main" val="2685317120"/>
       </p:ext>
     </p:extLst>
   </p:cSld>
